--- a/Presentation/2_HRServices_Presentation_v2.pptx
+++ b/Presentation/2_HRServices_Presentation_v2.pptx
@@ -5,23 +5,24 @@
     <p:sldMasterId id="2147483648" r:id="rId1"/>
   </p:sldMasterIdLst>
   <p:notesMasterIdLst>
-    <p:notesMasterId r:id="rId16"/>
+    <p:notesMasterId r:id="rId17"/>
   </p:notesMasterIdLst>
   <p:sldIdLst>
     <p:sldId id="900" r:id="rId2"/>
     <p:sldId id="330" r:id="rId3"/>
-    <p:sldId id="857" r:id="rId4"/>
-    <p:sldId id="895" r:id="rId5"/>
-    <p:sldId id="449" r:id="rId6"/>
-    <p:sldId id="259" r:id="rId7"/>
-    <p:sldId id="897" r:id="rId8"/>
-    <p:sldId id="261" r:id="rId9"/>
-    <p:sldId id="262" r:id="rId10"/>
-    <p:sldId id="263" r:id="rId11"/>
-    <p:sldId id="264" r:id="rId12"/>
-    <p:sldId id="265" r:id="rId13"/>
-    <p:sldId id="267" r:id="rId14"/>
-    <p:sldId id="899" r:id="rId15"/>
+    <p:sldId id="901" r:id="rId4"/>
+    <p:sldId id="857" r:id="rId5"/>
+    <p:sldId id="895" r:id="rId6"/>
+    <p:sldId id="449" r:id="rId7"/>
+    <p:sldId id="259" r:id="rId8"/>
+    <p:sldId id="897" r:id="rId9"/>
+    <p:sldId id="261" r:id="rId10"/>
+    <p:sldId id="262" r:id="rId11"/>
+    <p:sldId id="263" r:id="rId12"/>
+    <p:sldId id="264" r:id="rId13"/>
+    <p:sldId id="265" r:id="rId14"/>
+    <p:sldId id="267" r:id="rId15"/>
+    <p:sldId id="899" r:id="rId16"/>
   </p:sldIdLst>
   <p:sldSz cx="9144000" cy="5143500" type="screen16x9"/>
   <p:notesSz cx="7010400" cy="9296400"/>
@@ -167,6 +168,7 @@
 <p:cmAuthorLst xmlns:a="http://schemas.openxmlformats.org/drawingml/2006/main" xmlns:r="http://schemas.openxmlformats.org/officeDocument/2006/relationships" xmlns:p="http://schemas.openxmlformats.org/presentationml/2006/main">
   <p:cmAuthor id="0" name="Shirley Hou" initials="SH" lastIdx="4" clrIdx="0"/>
   <p:cmAuthor id="1" name="Administrator" initials="A" lastIdx="1" clrIdx="1"/>
+  <p:cmAuthor id="2" name="Bueno, Maria-Luiza L" initials="BML" lastIdx="5" clrIdx="2"/>
 </p:cmAuthorLst>
 </file>
 
@@ -7871,7 +7873,7 @@
             <a:fld id="{BBEB936B-FE89-4344-982F-3EA728D5E6E3}" type="datetimeFigureOut">
               <a:rPr lang="en-GB" smtClean="0"/>
               <a:pPr/>
-              <a:t>22/03/2019</a:t>
+              <a:t>25/03/2019</a:t>
             </a:fld>
             <a:endParaRPr lang="en-GB" dirty="0"/>
           </a:p>
@@ -8234,6 +8236,110 @@
   <p:cSld>
     <p:spTree>
       <p:nvGrpSpPr>
+        <p:cNvPr id="1" name="Shape 373"/>
+        <p:cNvGrpSpPr/>
+        <p:nvPr/>
+      </p:nvGrpSpPr>
+      <p:grpSpPr>
+        <a:xfrm>
+          <a:off x="0" y="0"/>
+          <a:ext cx="0" cy="0"/>
+          <a:chOff x="0" y="0"/>
+          <a:chExt cx="0" cy="0"/>
+        </a:xfrm>
+      </p:grpSpPr>
+      <p:sp>
+        <p:nvSpPr>
+          <p:cNvPr id="374" name="Google Shape;374;g4151f1278a_0_3569:notes"/>
+          <p:cNvSpPr>
+            <a:spLocks noGrp="1" noRot="1" noChangeAspect="1"/>
+          </p:cNvSpPr>
+          <p:nvPr>
+            <p:ph type="sldImg" idx="2"/>
+          </p:nvPr>
+        </p:nvSpPr>
+        <p:spPr>
+          <a:xfrm>
+            <a:off x="381000" y="685800"/>
+            <a:ext cx="6096000" cy="3429000"/>
+          </a:xfrm>
+          <a:custGeom>
+            <a:avLst/>
+            <a:gdLst/>
+            <a:ahLst/>
+            <a:cxnLst/>
+            <a:rect l="l" t="t" r="r" b="b"/>
+            <a:pathLst>
+              <a:path w="120000" h="120000" extrusionOk="0">
+                <a:moveTo>
+                  <a:pt x="0" y="0"/>
+                </a:moveTo>
+                <a:lnTo>
+                  <a:pt x="120000" y="0"/>
+                </a:lnTo>
+                <a:lnTo>
+                  <a:pt x="120000" y="120000"/>
+                </a:lnTo>
+                <a:lnTo>
+                  <a:pt x="0" y="120000"/>
+                </a:lnTo>
+                <a:close/>
+              </a:path>
+            </a:pathLst>
+          </a:custGeom>
+        </p:spPr>
+      </p:sp>
+      <p:sp>
+        <p:nvSpPr>
+          <p:cNvPr id="375" name="Google Shape;375;g4151f1278a_0_3569:notes"/>
+          <p:cNvSpPr txBox="1">
+            <a:spLocks noGrp="1"/>
+          </p:cNvSpPr>
+          <p:nvPr>
+            <p:ph type="body" idx="1"/>
+          </p:nvPr>
+        </p:nvSpPr>
+        <p:spPr>
+          <a:xfrm>
+            <a:off x="685800" y="4343400"/>
+            <a:ext cx="5486400" cy="4114800"/>
+          </a:xfrm>
+          <a:prstGeom prst="rect">
+            <a:avLst/>
+          </a:prstGeom>
+        </p:spPr>
+        <p:txBody>
+          <a:bodyPr spcFirstLastPara="1" wrap="square" lIns="91425" tIns="91425" rIns="91425" bIns="91425" anchor="t" anchorCtr="0">
+            <a:noAutofit/>
+          </a:bodyPr>
+          <a:lstStyle/>
+          <a:p>
+            <a:pPr marL="0" lvl="0" indent="0" algn="l" rtl="0">
+              <a:spcBef>
+                <a:spcPts val="0"/>
+              </a:spcBef>
+              <a:spcAft>
+                <a:spcPts val="0"/>
+              </a:spcAft>
+              <a:buNone/>
+            </a:pPr>
+            <a:endParaRPr/>
+          </a:p>
+        </p:txBody>
+      </p:sp>
+    </p:spTree>
+  </p:cSld>
+  <p:clrMapOvr>
+    <a:masterClrMapping/>
+  </p:clrMapOvr>
+</p:notes>
+</file>
+
+<file path=ppt/notesSlides/notesSlide11.xml><?xml version="1.0" encoding="utf-8"?>
+<p:notes xmlns:a="http://schemas.openxmlformats.org/drawingml/2006/main" xmlns:r="http://schemas.openxmlformats.org/officeDocument/2006/relationships" xmlns:p="http://schemas.openxmlformats.org/presentationml/2006/main" showMasterSp="0" showMasterPhAnim="0">
+  <p:cSld>
+    <p:spTree>
+      <p:nvGrpSpPr>
         <p:cNvPr id="1" name="Shape 381"/>
         <p:cNvGrpSpPr/>
         <p:nvPr/>
@@ -8333,7 +8439,7 @@
 </p:notes>
 </file>
 
-<file path=ppt/notesSlides/notesSlide11.xml><?xml version="1.0" encoding="utf-8"?>
+<file path=ppt/notesSlides/notesSlide12.xml><?xml version="1.0" encoding="utf-8"?>
 <p:notes xmlns:a="http://schemas.openxmlformats.org/drawingml/2006/main" xmlns:r="http://schemas.openxmlformats.org/officeDocument/2006/relationships" xmlns:p="http://schemas.openxmlformats.org/presentationml/2006/main" showMasterSp="0" showMasterPhAnim="0">
   <p:cSld>
     <p:spTree>
@@ -8437,7 +8543,7 @@
 </p:notes>
 </file>
 
-<file path=ppt/notesSlides/notesSlide12.xml><?xml version="1.0" encoding="utf-8"?>
+<file path=ppt/notesSlides/notesSlide13.xml><?xml version="1.0" encoding="utf-8"?>
 <p:notes xmlns:a="http://schemas.openxmlformats.org/drawingml/2006/main" xmlns:r="http://schemas.openxmlformats.org/officeDocument/2006/relationships" xmlns:p="http://schemas.openxmlformats.org/presentationml/2006/main" showMasterSp="0" showMasterPhAnim="0">
   <p:cSld>
     <p:spTree>
@@ -8541,7 +8647,7 @@
 </p:notes>
 </file>
 
-<file path=ppt/notesSlides/notesSlide13.xml><?xml version="1.0" encoding="utf-8"?>
+<file path=ppt/notesSlides/notesSlide14.xml><?xml version="1.0" encoding="utf-8"?>
 <p:notes xmlns:a="http://schemas.openxmlformats.org/drawingml/2006/main" xmlns:r="http://schemas.openxmlformats.org/officeDocument/2006/relationships" xmlns:p="http://schemas.openxmlformats.org/presentationml/2006/main" showMasterSp="0" showMasterPhAnim="0">
   <p:cSld>
     <p:spTree>
@@ -8645,7 +8751,7 @@
 </p:notes>
 </file>
 
-<file path=ppt/notesSlides/notesSlide14.xml><?xml version="1.0" encoding="utf-8"?>
+<file path=ppt/notesSlides/notesSlide15.xml><?xml version="1.0" encoding="utf-8"?>
 <p:notes xmlns:a="http://schemas.openxmlformats.org/drawingml/2006/main" xmlns:r="http://schemas.openxmlformats.org/officeDocument/2006/relationships" xmlns:p="http://schemas.openxmlformats.org/presentationml/2006/main" showMasterSp="0" showMasterPhAnim="0">
   <p:cSld>
     <p:spTree>
@@ -8911,7 +9017,7 @@
     </p:spTree>
     <p:extLst>
       <p:ext uri="{BB962C8B-B14F-4D97-AF65-F5344CB8AC3E}">
-        <p14:creationId xmlns:p14="http://schemas.microsoft.com/office/powerpoint/2010/main" val="3587741557"/>
+        <p14:creationId xmlns:p14="http://schemas.microsoft.com/office/powerpoint/2010/main" val="1049758720"/>
       </p:ext>
     </p:extLst>
   </p:cSld>
@@ -8996,6 +9102,91 @@
     </p:spTree>
     <p:extLst>
       <p:ext uri="{BB962C8B-B14F-4D97-AF65-F5344CB8AC3E}">
+        <p14:creationId xmlns:p14="http://schemas.microsoft.com/office/powerpoint/2010/main" val="3587741557"/>
+      </p:ext>
+    </p:extLst>
+  </p:cSld>
+  <p:clrMapOvr>
+    <a:masterClrMapping/>
+  </p:clrMapOvr>
+</p:notes>
+</file>
+
+<file path=ppt/notesSlides/notesSlide5.xml><?xml version="1.0" encoding="utf-8"?>
+<p:notes xmlns:a="http://schemas.openxmlformats.org/drawingml/2006/main" xmlns:r="http://schemas.openxmlformats.org/officeDocument/2006/relationships" xmlns:p="http://schemas.openxmlformats.org/presentationml/2006/main">
+  <p:cSld>
+    <p:spTree>
+      <p:nvGrpSpPr>
+        <p:cNvPr id="1" name=""/>
+        <p:cNvGrpSpPr/>
+        <p:nvPr/>
+      </p:nvGrpSpPr>
+      <p:grpSpPr>
+        <a:xfrm>
+          <a:off x="0" y="0"/>
+          <a:ext cx="0" cy="0"/>
+          <a:chOff x="0" y="0"/>
+          <a:chExt cx="0" cy="0"/>
+        </a:xfrm>
+      </p:grpSpPr>
+      <p:sp>
+        <p:nvSpPr>
+          <p:cNvPr id="2" name="Slide Image Placeholder 1"/>
+          <p:cNvSpPr>
+            <a:spLocks noGrp="1" noRot="1" noChangeAspect="1"/>
+          </p:cNvSpPr>
+          <p:nvPr>
+            <p:ph type="sldImg"/>
+          </p:nvPr>
+        </p:nvSpPr>
+        <p:spPr/>
+      </p:sp>
+      <p:sp>
+        <p:nvSpPr>
+          <p:cNvPr id="3" name="Notes Placeholder 2"/>
+          <p:cNvSpPr>
+            <a:spLocks noGrp="1"/>
+          </p:cNvSpPr>
+          <p:nvPr>
+            <p:ph type="body" idx="1"/>
+          </p:nvPr>
+        </p:nvSpPr>
+        <p:spPr/>
+        <p:txBody>
+          <a:bodyPr/>
+          <a:lstStyle/>
+          <a:p>
+            <a:endParaRPr lang="en-US" dirty="0"/>
+          </a:p>
+        </p:txBody>
+      </p:sp>
+      <p:sp>
+        <p:nvSpPr>
+          <p:cNvPr id="4" name="Slide Number Placeholder 3"/>
+          <p:cNvSpPr>
+            <a:spLocks noGrp="1"/>
+          </p:cNvSpPr>
+          <p:nvPr>
+            <p:ph type="sldNum" sz="quarter" idx="5"/>
+          </p:nvPr>
+        </p:nvSpPr>
+        <p:spPr/>
+        <p:txBody>
+          <a:bodyPr/>
+          <a:lstStyle/>
+          <a:p>
+            <a:fld id="{43007C13-8B10-4110-B449-2E65250C9065}" type="slidenum">
+              <a:rPr lang="en-GB" smtClean="0"/>
+              <a:pPr/>
+              <a:t>5</a:t>
+            </a:fld>
+            <a:endParaRPr lang="en-GB" dirty="0"/>
+          </a:p>
+        </p:txBody>
+      </p:sp>
+    </p:spTree>
+    <p:extLst>
+      <p:ext uri="{BB962C8B-B14F-4D97-AF65-F5344CB8AC3E}">
         <p14:creationId xmlns:p14="http://schemas.microsoft.com/office/powerpoint/2010/main" val="1310883043"/>
       </p:ext>
     </p:extLst>
@@ -9006,7 +9197,7 @@
 </p:notes>
 </file>
 
-<file path=ppt/notesSlides/notesSlide5.xml><?xml version="1.0" encoding="utf-8"?>
+<file path=ppt/notesSlides/notesSlide6.xml><?xml version="1.0" encoding="utf-8"?>
 <p:notes xmlns:a="http://schemas.openxmlformats.org/drawingml/2006/main" xmlns:r="http://schemas.openxmlformats.org/officeDocument/2006/relationships" xmlns:p="http://schemas.openxmlformats.org/presentationml/2006/main">
   <p:cSld>
     <p:spTree>
@@ -9098,7 +9289,7 @@
             <a:fld id="{43007C13-8B10-4110-B449-2E65250C9065}" type="slidenum">
               <a:rPr lang="en-GB" smtClean="0"/>
               <a:pPr/>
-              <a:t>5</a:t>
+              <a:t>6</a:t>
             </a:fld>
             <a:endParaRPr lang="en-GB" dirty="0"/>
           </a:p>
@@ -9117,7 +9308,7 @@
 </p:notes>
 </file>
 
-<file path=ppt/notesSlides/notesSlide6.xml><?xml version="1.0" encoding="utf-8"?>
+<file path=ppt/notesSlides/notesSlide7.xml><?xml version="1.0" encoding="utf-8"?>
 <p:notes xmlns:a="http://schemas.openxmlformats.org/drawingml/2006/main" xmlns:r="http://schemas.openxmlformats.org/officeDocument/2006/relationships" xmlns:p="http://schemas.openxmlformats.org/presentationml/2006/main" showMasterSp="0" showMasterPhAnim="0">
   <p:cSld>
     <p:spTree>
@@ -9221,7 +9412,7 @@
 </p:notes>
 </file>
 
-<file path=ppt/notesSlides/notesSlide7.xml><?xml version="1.0" encoding="utf-8"?>
+<file path=ppt/notesSlides/notesSlide8.xml><?xml version="1.0" encoding="utf-8"?>
 <p:notes xmlns:a="http://schemas.openxmlformats.org/drawingml/2006/main" xmlns:r="http://schemas.openxmlformats.org/officeDocument/2006/relationships" xmlns:p="http://schemas.openxmlformats.org/presentationml/2006/main" showMasterSp="0" showMasterPhAnim="0">
   <p:cSld>
     <p:spTree>
@@ -9325,7 +9516,7 @@
 </p:notes>
 </file>
 
-<file path=ppt/notesSlides/notesSlide8.xml><?xml version="1.0" encoding="utf-8"?>
+<file path=ppt/notesSlides/notesSlide9.xml><?xml version="1.0" encoding="utf-8"?>
 <p:notes xmlns:a="http://schemas.openxmlformats.org/drawingml/2006/main" xmlns:r="http://schemas.openxmlformats.org/officeDocument/2006/relationships" xmlns:p="http://schemas.openxmlformats.org/presentationml/2006/main" showMasterSp="0" showMasterPhAnim="0">
   <p:cSld>
     <p:spTree>
@@ -9386,110 +9577,6 @@
       <p:sp>
         <p:nvSpPr>
           <p:cNvPr id="368" name="Google Shape;368;g4151f1278a_0_3564:notes"/>
-          <p:cNvSpPr txBox="1">
-            <a:spLocks noGrp="1"/>
-          </p:cNvSpPr>
-          <p:nvPr>
-            <p:ph type="body" idx="1"/>
-          </p:nvPr>
-        </p:nvSpPr>
-        <p:spPr>
-          <a:xfrm>
-            <a:off x="685800" y="4343400"/>
-            <a:ext cx="5486400" cy="4114800"/>
-          </a:xfrm>
-          <a:prstGeom prst="rect">
-            <a:avLst/>
-          </a:prstGeom>
-        </p:spPr>
-        <p:txBody>
-          <a:bodyPr spcFirstLastPara="1" wrap="square" lIns="91425" tIns="91425" rIns="91425" bIns="91425" anchor="t" anchorCtr="0">
-            <a:noAutofit/>
-          </a:bodyPr>
-          <a:lstStyle/>
-          <a:p>
-            <a:pPr marL="0" lvl="0" indent="0" algn="l" rtl="0">
-              <a:spcBef>
-                <a:spcPts val="0"/>
-              </a:spcBef>
-              <a:spcAft>
-                <a:spcPts val="0"/>
-              </a:spcAft>
-              <a:buNone/>
-            </a:pPr>
-            <a:endParaRPr/>
-          </a:p>
-        </p:txBody>
-      </p:sp>
-    </p:spTree>
-  </p:cSld>
-  <p:clrMapOvr>
-    <a:masterClrMapping/>
-  </p:clrMapOvr>
-</p:notes>
-</file>
-
-<file path=ppt/notesSlides/notesSlide9.xml><?xml version="1.0" encoding="utf-8"?>
-<p:notes xmlns:a="http://schemas.openxmlformats.org/drawingml/2006/main" xmlns:r="http://schemas.openxmlformats.org/officeDocument/2006/relationships" xmlns:p="http://schemas.openxmlformats.org/presentationml/2006/main" showMasterSp="0" showMasterPhAnim="0">
-  <p:cSld>
-    <p:spTree>
-      <p:nvGrpSpPr>
-        <p:cNvPr id="1" name="Shape 373"/>
-        <p:cNvGrpSpPr/>
-        <p:nvPr/>
-      </p:nvGrpSpPr>
-      <p:grpSpPr>
-        <a:xfrm>
-          <a:off x="0" y="0"/>
-          <a:ext cx="0" cy="0"/>
-          <a:chOff x="0" y="0"/>
-          <a:chExt cx="0" cy="0"/>
-        </a:xfrm>
-      </p:grpSpPr>
-      <p:sp>
-        <p:nvSpPr>
-          <p:cNvPr id="374" name="Google Shape;374;g4151f1278a_0_3569:notes"/>
-          <p:cNvSpPr>
-            <a:spLocks noGrp="1" noRot="1" noChangeAspect="1"/>
-          </p:cNvSpPr>
-          <p:nvPr>
-            <p:ph type="sldImg" idx="2"/>
-          </p:nvPr>
-        </p:nvSpPr>
-        <p:spPr>
-          <a:xfrm>
-            <a:off x="381000" y="685800"/>
-            <a:ext cx="6096000" cy="3429000"/>
-          </a:xfrm>
-          <a:custGeom>
-            <a:avLst/>
-            <a:gdLst/>
-            <a:ahLst/>
-            <a:cxnLst/>
-            <a:rect l="l" t="t" r="r" b="b"/>
-            <a:pathLst>
-              <a:path w="120000" h="120000" extrusionOk="0">
-                <a:moveTo>
-                  <a:pt x="0" y="0"/>
-                </a:moveTo>
-                <a:lnTo>
-                  <a:pt x="120000" y="0"/>
-                </a:lnTo>
-                <a:lnTo>
-                  <a:pt x="120000" y="120000"/>
-                </a:lnTo>
-                <a:lnTo>
-                  <a:pt x="0" y="120000"/>
-                </a:lnTo>
-                <a:close/>
-              </a:path>
-            </a:pathLst>
-          </a:custGeom>
-        </p:spPr>
-      </p:sp>
-      <p:sp>
-        <p:nvSpPr>
-          <p:cNvPr id="375" name="Google Shape;375;g4151f1278a_0_3569:notes"/>
           <p:cNvSpPr txBox="1">
             <a:spLocks noGrp="1"/>
           </p:cNvSpPr>
@@ -25278,11 +25365,21 @@
               <a:rPr lang="en-US" sz="1600" dirty="0">
                 <a:sym typeface="Oswald"/>
               </a:rPr>
-              <a:t>We will ran t</a:t>
+              <a:t>We will run </a:t>
             </a:r>
             <a:r>
               <a:rPr lang="en-US" sz="1600" dirty="0"/>
-              <a:t>icket opened analysis in the last 4 years </a:t>
+              <a:t>opened </a:t>
+            </a:r>
+            <a:r>
+              <a:rPr lang="en-US" sz="1600" dirty="0">
+                <a:sym typeface="Oswald"/>
+              </a:rPr>
+              <a:t>t</a:t>
+            </a:r>
+            <a:r>
+              <a:rPr lang="en-US" sz="1600" dirty="0"/>
+              <a:t>icket analysis in the last 4 years </a:t>
             </a:r>
             <a:endParaRPr lang="en-US" sz="1600" b="1" dirty="0"/>
           </a:p>
@@ -25299,7 +25396,7 @@
             </a:r>
             <a:r>
               <a:rPr lang="en-US" sz="1700" dirty="0"/>
-              <a:t>Is there any variation in the usage over 4 years?, What are the high demand service center and times that PyHR needs to meet?, What have been the different categorical service  types  and what is the utilization of the service by type of requestor?, Is there a correlation between annual HR events and tickets?, How long is a ticket on an average and where do the requests usually start from?</a:t>
+              <a:t>Is there any variation in the usage over 4 years?, What are the high demand service center inquiries and times that PyHR needs to meet?, What have been the different service  types/categories  and what is the service utilization pattern by type of requestor?, Is there a correlation between annual HR events, type of requestor and tickets?, How long is a ticket open on average and where do the requests usually start from?</a:t>
             </a:r>
             <a:endParaRPr lang="en-US" sz="1600" b="1" dirty="0"/>
           </a:p>
@@ -25403,6 +25500,352 @@
 </file>
 
 <file path=ppt/slides/slide10.xml><?xml version="1.0" encoding="utf-8"?>
+<p:sld xmlns:a="http://schemas.openxmlformats.org/drawingml/2006/main" xmlns:r="http://schemas.openxmlformats.org/officeDocument/2006/relationships" xmlns:p="http://schemas.openxmlformats.org/presentationml/2006/main">
+  <p:cSld>
+    <p:spTree>
+      <p:nvGrpSpPr>
+        <p:cNvPr id="1" name="Shape 376"/>
+        <p:cNvGrpSpPr/>
+        <p:nvPr/>
+      </p:nvGrpSpPr>
+      <p:grpSpPr>
+        <a:xfrm>
+          <a:off x="0" y="0"/>
+          <a:ext cx="0" cy="0"/>
+          <a:chOff x="0" y="0"/>
+          <a:chExt cx="0" cy="0"/>
+        </a:xfrm>
+      </p:grpSpPr>
+      <p:sp>
+        <p:nvSpPr>
+          <p:cNvPr id="377" name="Google Shape;377;p19"/>
+          <p:cNvSpPr txBox="1">
+            <a:spLocks noGrp="1"/>
+          </p:cNvSpPr>
+          <p:nvPr>
+            <p:ph type="title"/>
+          </p:nvPr>
+        </p:nvSpPr>
+        <p:spPr>
+          <a:xfrm>
+            <a:off x="144780" y="0"/>
+            <a:ext cx="6781800" cy="738188"/>
+          </a:xfrm>
+          <a:prstGeom prst="rect">
+            <a:avLst/>
+          </a:prstGeom>
+        </p:spPr>
+        <p:txBody>
+          <a:bodyPr spcFirstLastPara="1" wrap="square" lIns="91425" tIns="91425" rIns="91425" bIns="91425" anchor="t" anchorCtr="0">
+            <a:noAutofit/>
+          </a:bodyPr>
+          <a:lstStyle/>
+          <a:p>
+            <a:pPr lvl="0">
+              <a:spcBef>
+                <a:spcPts val="0"/>
+              </a:spcBef>
+            </a:pPr>
+            <a:r>
+              <a:rPr lang="en" sz="2000" dirty="0">
+                <a:solidFill>
+                  <a:schemeClr val="accent3"/>
+                </a:solidFill>
+              </a:rPr>
+              <a:t>Which </a:t>
+            </a:r>
+            <a:r>
+              <a:rPr lang="en-US" sz="2000" dirty="0">
+                <a:solidFill>
+                  <a:schemeClr val="accent3"/>
+                </a:solidFill>
+              </a:rPr>
+              <a:t>Service Center </a:t>
+            </a:r>
+            <a:r>
+              <a:rPr lang="en" sz="2000" dirty="0">
+                <a:solidFill>
+                  <a:schemeClr val="accent3"/>
+                </a:solidFill>
+              </a:rPr>
+              <a:t>do </a:t>
+            </a:r>
+            <a:r>
+              <a:rPr lang="en-US" sz="2000" dirty="0">
+                <a:solidFill>
+                  <a:schemeClr val="accent3"/>
+                </a:solidFill>
+              </a:rPr>
+              <a:t>EMPLOYEES</a:t>
+            </a:r>
+            <a:r>
+              <a:rPr lang="en" sz="2000" dirty="0">
+                <a:solidFill>
+                  <a:schemeClr val="accent3"/>
+                </a:solidFill>
+              </a:rPr>
+              <a:t> use the most?</a:t>
+            </a:r>
+            <a:endParaRPr sz="2000" dirty="0"/>
+          </a:p>
+        </p:txBody>
+      </p:sp>
+      <p:sp>
+        <p:nvSpPr>
+          <p:cNvPr id="379" name="Google Shape;379;p19"/>
+          <p:cNvSpPr txBox="1"/>
+          <p:nvPr/>
+        </p:nvSpPr>
+        <p:spPr>
+          <a:xfrm>
+            <a:off x="527644" y="451438"/>
+            <a:ext cx="7915315" cy="969000"/>
+          </a:xfrm>
+          <a:prstGeom prst="rect">
+            <a:avLst/>
+          </a:prstGeom>
+          <a:noFill/>
+          <a:ln>
+            <a:noFill/>
+          </a:ln>
+        </p:spPr>
+        <p:txBody>
+          <a:bodyPr spcFirstLastPara="1" wrap="square" lIns="91425" tIns="91425" rIns="91425" bIns="91425" anchor="t" anchorCtr="0">
+            <a:noAutofit/>
+          </a:bodyPr>
+          <a:lstStyle/>
+          <a:p>
+            <a:pPr marL="400050" lvl="0" indent="-285750">
+              <a:buSzPts val="1800"/>
+              <a:buFont typeface="Arial" panose="020B0604020202020204" pitchFamily="34" charset="0"/>
+              <a:buChar char="•"/>
+            </a:pPr>
+            <a:r>
+              <a:rPr lang="en" sz="1600" dirty="0">
+                <a:highlight>
+                  <a:srgbClr val="FFFFFF"/>
+                </a:highlight>
+                <a:ea typeface="Oswald"/>
+                <a:cs typeface="Oswald"/>
+                <a:sym typeface="Oswald"/>
+              </a:rPr>
+              <a:t>The most popular stations are located in </a:t>
+            </a:r>
+            <a:r>
+              <a:rPr lang="en-US" sz="1600" dirty="0">
+                <a:highlight>
+                  <a:srgbClr val="FFFFFF"/>
+                </a:highlight>
+                <a:ea typeface="Oswald"/>
+                <a:cs typeface="Oswald"/>
+                <a:sym typeface="Oswald"/>
+              </a:rPr>
+              <a:t>U.S</a:t>
+            </a:r>
+            <a:r>
+              <a:rPr lang="en" sz="1600" dirty="0">
+                <a:highlight>
+                  <a:srgbClr val="FFFFFF"/>
+                </a:highlight>
+                <a:ea typeface="Oswald"/>
+                <a:cs typeface="Oswald"/>
+                <a:sym typeface="Oswald"/>
+              </a:rPr>
+              <a:t>. </a:t>
+            </a:r>
+            <a:r>
+              <a:rPr lang="en-US" sz="1600" dirty="0">
+                <a:ea typeface="Oswald"/>
+                <a:cs typeface="Oswald"/>
+                <a:sym typeface="Oswald"/>
+              </a:rPr>
+              <a:t>Jacksonville</a:t>
+            </a:r>
+            <a:r>
+              <a:rPr lang="en" sz="1600" dirty="0">
+                <a:highlight>
+                  <a:srgbClr val="FFFFFF"/>
+                </a:highlight>
+                <a:ea typeface="Oswald"/>
+                <a:cs typeface="Oswald"/>
+                <a:sym typeface="Oswald"/>
+              </a:rPr>
+              <a:t> </a:t>
+            </a:r>
+            <a:r>
+              <a:rPr lang="en-US" sz="1600" dirty="0">
+                <a:highlight>
+                  <a:srgbClr val="FFFFFF"/>
+                </a:highlight>
+                <a:ea typeface="Oswald"/>
+                <a:cs typeface="Oswald"/>
+                <a:sym typeface="Oswald"/>
+              </a:rPr>
+              <a:t>that </a:t>
+            </a:r>
+            <a:r>
+              <a:rPr lang="en" sz="1600" dirty="0">
+                <a:highlight>
+                  <a:srgbClr val="FFFFFF"/>
+                </a:highlight>
+                <a:ea typeface="Oswald"/>
+                <a:cs typeface="Oswald"/>
+                <a:sym typeface="Oswald"/>
+              </a:rPr>
+              <a:t>r</a:t>
+            </a:r>
+            <a:r>
+              <a:rPr lang="en" sz="1600" dirty="0">
+                <a:ea typeface="Oswald"/>
+                <a:cs typeface="Oswald"/>
+                <a:sym typeface="Oswald"/>
+              </a:rPr>
+              <a:t>eceive</a:t>
+            </a:r>
+            <a:r>
+              <a:rPr lang="en-US" sz="1600" dirty="0">
+                <a:ea typeface="Oswald"/>
+                <a:cs typeface="Oswald"/>
+                <a:sym typeface="Oswald"/>
+              </a:rPr>
+              <a:t>s</a:t>
+            </a:r>
+            <a:r>
+              <a:rPr lang="en" sz="1600" dirty="0">
+                <a:ea typeface="Oswald"/>
+                <a:cs typeface="Oswald"/>
+                <a:sym typeface="Oswald"/>
+              </a:rPr>
+              <a:t> significantly more rentals than any other area.</a:t>
+            </a:r>
+            <a:endParaRPr sz="1600" dirty="0">
+              <a:ea typeface="Oswald"/>
+              <a:cs typeface="Oswald"/>
+              <a:sym typeface="Oswald"/>
+            </a:endParaRPr>
+          </a:p>
+        </p:txBody>
+      </p:sp>
+      <p:pic>
+        <p:nvPicPr>
+          <p:cNvPr id="3" name="Picture 2">
+            <a:extLst>
+              <a:ext uri="{FF2B5EF4-FFF2-40B4-BE49-F238E27FC236}">
+                <a16:creationId xmlns:a16="http://schemas.microsoft.com/office/drawing/2014/main" id="{0EB2CD04-39C8-4467-8690-C5051D48DBC6}"/>
+              </a:ext>
+            </a:extLst>
+          </p:cNvPr>
+          <p:cNvPicPr>
+            <a:picLocks noChangeAspect="1"/>
+          </p:cNvPicPr>
+          <p:nvPr/>
+        </p:nvPicPr>
+        <p:blipFill>
+          <a:blip r:embed="rId3"/>
+          <a:stretch>
+            <a:fillRect/>
+          </a:stretch>
+        </p:blipFill>
+        <p:spPr>
+          <a:xfrm>
+            <a:off x="144780" y="1259884"/>
+            <a:ext cx="3885697" cy="2978034"/>
+          </a:xfrm>
+          <a:prstGeom prst="rect">
+            <a:avLst/>
+          </a:prstGeom>
+        </p:spPr>
+      </p:pic>
+      <p:pic>
+        <p:nvPicPr>
+          <p:cNvPr id="4" name="Picture 3">
+            <a:extLst>
+              <a:ext uri="{FF2B5EF4-FFF2-40B4-BE49-F238E27FC236}">
+                <a16:creationId xmlns:a16="http://schemas.microsoft.com/office/drawing/2014/main" id="{314FC47D-CCB4-4143-8AD3-A3643C95E441}"/>
+              </a:ext>
+            </a:extLst>
+          </p:cNvPr>
+          <p:cNvPicPr>
+            <a:picLocks noChangeAspect="1"/>
+          </p:cNvPicPr>
+          <p:nvPr/>
+        </p:nvPicPr>
+        <p:blipFill>
+          <a:blip r:embed="rId4"/>
+          <a:stretch>
+            <a:fillRect/>
+          </a:stretch>
+        </p:blipFill>
+        <p:spPr>
+          <a:xfrm>
+            <a:off x="3951836" y="1301071"/>
+            <a:ext cx="4873987" cy="2951221"/>
+          </a:xfrm>
+          <a:prstGeom prst="rect">
+            <a:avLst/>
+          </a:prstGeom>
+        </p:spPr>
+      </p:pic>
+      <p:sp>
+        <p:nvSpPr>
+          <p:cNvPr id="9" name="TextBox 8">
+            <a:extLst>
+              <a:ext uri="{FF2B5EF4-FFF2-40B4-BE49-F238E27FC236}">
+                <a16:creationId xmlns:a16="http://schemas.microsoft.com/office/drawing/2014/main" id="{529E0B1D-046F-4167-84D8-190BCCD0AB24}"/>
+              </a:ext>
+            </a:extLst>
+          </p:cNvPr>
+          <p:cNvSpPr txBox="1"/>
+          <p:nvPr/>
+        </p:nvSpPr>
+        <p:spPr>
+          <a:xfrm rot="20071474">
+            <a:off x="-63497" y="426974"/>
+            <a:ext cx="3596476" cy="523220"/>
+          </a:xfrm>
+          <a:prstGeom prst="rect">
+            <a:avLst/>
+          </a:prstGeom>
+          <a:noFill/>
+        </p:spPr>
+        <p:txBody>
+          <a:bodyPr wrap="square" rtlCol="0">
+            <a:spAutoFit/>
+          </a:bodyPr>
+          <a:lstStyle/>
+          <a:p>
+            <a:r>
+              <a:rPr lang="en-US" sz="2800" dirty="0">
+                <a:solidFill>
+                  <a:srgbClr val="FF0000"/>
+                </a:solidFill>
+              </a:rPr>
+              <a:t>Prototype| Dummy</a:t>
+            </a:r>
+          </a:p>
+        </p:txBody>
+      </p:sp>
+    </p:spTree>
+  </p:cSld>
+  <p:clrMapOvr>
+    <a:masterClrMapping/>
+  </p:clrMapOvr>
+  <mc:AlternateContent xmlns:mc="http://schemas.openxmlformats.org/markup-compatibility/2006" xmlns:p14="http://schemas.microsoft.com/office/powerpoint/2010/main">
+    <mc:Choice Requires="p14">
+      <p:transition spd="med" p14:dur="700">
+        <p:fade/>
+      </p:transition>
+    </mc:Choice>
+    <mc:Fallback xmlns="">
+      <p:transition spd="med">
+        <p:fade/>
+      </p:transition>
+    </mc:Fallback>
+  </mc:AlternateContent>
+</p:sld>
+</file>
+
+<file path=ppt/slides/slide11.xml><?xml version="1.0" encoding="utf-8"?>
 <p:sld xmlns:a="http://schemas.openxmlformats.org/drawingml/2006/main" xmlns:r="http://schemas.openxmlformats.org/officeDocument/2006/relationships" xmlns:p="http://schemas.openxmlformats.org/presentationml/2006/main">
   <p:cSld>
     <p:spTree>
@@ -25879,7 +26322,7 @@
 </p:sld>
 </file>
 
-<file path=ppt/slides/slide11.xml><?xml version="1.0" encoding="utf-8"?>
+<file path=ppt/slides/slide12.xml><?xml version="1.0" encoding="utf-8"?>
 <p:sld xmlns:a="http://schemas.openxmlformats.org/drawingml/2006/main" xmlns:r="http://schemas.openxmlformats.org/officeDocument/2006/relationships" xmlns:p="http://schemas.openxmlformats.org/presentationml/2006/main">
   <p:cSld>
     <p:spTree>
@@ -26113,7 +26556,7 @@
 </p:sld>
 </file>
 
-<file path=ppt/slides/slide12.xml><?xml version="1.0" encoding="utf-8"?>
+<file path=ppt/slides/slide13.xml><?xml version="1.0" encoding="utf-8"?>
 <p:sld xmlns:a="http://schemas.openxmlformats.org/drawingml/2006/main" xmlns:r="http://schemas.openxmlformats.org/officeDocument/2006/relationships" xmlns:p="http://schemas.openxmlformats.org/presentationml/2006/main">
   <p:cSld>
     <p:spTree>
@@ -26415,7 +26858,7 @@
 </p:sld>
 </file>
 
-<file path=ppt/slides/slide13.xml><?xml version="1.0" encoding="utf-8"?>
+<file path=ppt/slides/slide14.xml><?xml version="1.0" encoding="utf-8"?>
 <p:sld xmlns:a="http://schemas.openxmlformats.org/drawingml/2006/main" xmlns:r="http://schemas.openxmlformats.org/officeDocument/2006/relationships" xmlns:p="http://schemas.openxmlformats.org/presentationml/2006/main">
   <p:cSld>
     <p:spTree>
@@ -26766,7 +27209,7 @@
 </p:sld>
 </file>
 
-<file path=ppt/slides/slide14.xml><?xml version="1.0" encoding="utf-8"?>
+<file path=ppt/slides/slide15.xml><?xml version="1.0" encoding="utf-8"?>
 <p:sld xmlns:a="http://schemas.openxmlformats.org/drawingml/2006/main" xmlns:r="http://schemas.openxmlformats.org/officeDocument/2006/relationships" xmlns:p="http://schemas.openxmlformats.org/presentationml/2006/main">
   <p:cSld>
     <p:spTree>
@@ -29911,6 +30354,178 @@
                   <a:srgbClr val="0070C0"/>
                 </a:solidFill>
               </a:rPr>
+              <a:t>DEFINITIONS</a:t>
+            </a:r>
+          </a:p>
+        </p:txBody>
+      </p:sp>
+      <p:sp>
+        <p:nvSpPr>
+          <p:cNvPr id="3" name="Content Placeholder 2"/>
+          <p:cNvSpPr>
+            <a:spLocks noGrp="1"/>
+          </p:cNvSpPr>
+          <p:nvPr>
+            <p:ph idx="1"/>
+          </p:nvPr>
+        </p:nvSpPr>
+        <p:spPr>
+          <a:xfrm>
+            <a:off x="342899" y="668654"/>
+            <a:ext cx="7756071" cy="2475138"/>
+          </a:xfrm>
+        </p:spPr>
+        <p:txBody>
+          <a:bodyPr>
+            <a:normAutofit/>
+          </a:bodyPr>
+          <a:lstStyle/>
+          <a:p>
+            <a:pPr lvl="1"/>
+            <a:r>
+              <a:rPr lang="en-US" sz="1950" dirty="0"/>
+              <a:t># </a:t>
+            </a:r>
+            <a:r>
+              <a:rPr lang="pt-BR" sz="1800" dirty="0"/>
+              <a:t>Eu acrescentaria um slide com DEFINIÇÕES (o que se chama de ticket, quem são os possíveis requestors, quais são alguns service type request, outros tipos de categorização), e o fluxo resumido deste processo</a:t>
+            </a:r>
+          </a:p>
+          <a:p>
+            <a:pPr lvl="1"/>
+            <a:endParaRPr lang="en-US" sz="1800" dirty="0"/>
+          </a:p>
+          <a:p>
+            <a:pPr marL="342900" lvl="1" indent="0">
+              <a:buNone/>
+            </a:pPr>
+            <a:endParaRPr lang="en-US" sz="1800" dirty="0"/>
+          </a:p>
+          <a:p>
+            <a:pPr lvl="1"/>
+            <a:endParaRPr lang="en-US" sz="2100" dirty="0"/>
+          </a:p>
+        </p:txBody>
+      </p:sp>
+      <p:sp>
+        <p:nvSpPr>
+          <p:cNvPr id="6" name="TextBox 5">
+            <a:extLst>
+              <a:ext uri="{FF2B5EF4-FFF2-40B4-BE49-F238E27FC236}">
+                <a16:creationId xmlns:a16="http://schemas.microsoft.com/office/drawing/2014/main" id="{A4930EE8-BE2A-4307-B09A-3034BF926D86}"/>
+              </a:ext>
+            </a:extLst>
+          </p:cNvPr>
+          <p:cNvSpPr txBox="1"/>
+          <p:nvPr/>
+        </p:nvSpPr>
+        <p:spPr>
+          <a:xfrm rot="20071474">
+            <a:off x="-63497" y="426974"/>
+            <a:ext cx="3596476" cy="523220"/>
+          </a:xfrm>
+          <a:prstGeom prst="rect">
+            <a:avLst/>
+          </a:prstGeom>
+          <a:noFill/>
+        </p:spPr>
+        <p:txBody>
+          <a:bodyPr wrap="square" rtlCol="0">
+            <a:spAutoFit/>
+          </a:bodyPr>
+          <a:lstStyle>
+            <a:defPPr>
+              <a:defRPr lang="en-US"/>
+            </a:defPPr>
+            <a:lvl1pPr>
+              <a:defRPr sz="2800">
+                <a:solidFill>
+                  <a:srgbClr val="FF0000"/>
+                </a:solidFill>
+              </a:defRPr>
+            </a:lvl1pPr>
+          </a:lstStyle>
+          <a:p>
+            <a:r>
+              <a:rPr lang="en-US" dirty="0"/>
+              <a:t>Prototype| Dummy</a:t>
+            </a:r>
+          </a:p>
+        </p:txBody>
+      </p:sp>
+    </p:spTree>
+    <p:custDataLst>
+      <p:tags r:id="rId1"/>
+    </p:custDataLst>
+    <p:extLst>
+      <p:ext uri="{BB962C8B-B14F-4D97-AF65-F5344CB8AC3E}">
+        <p14:creationId xmlns:p14="http://schemas.microsoft.com/office/powerpoint/2010/main" val="726507420"/>
+      </p:ext>
+    </p:extLst>
+  </p:cSld>
+  <p:clrMapOvr>
+    <a:masterClrMapping/>
+  </p:clrMapOvr>
+  <mc:AlternateContent xmlns:mc="http://schemas.openxmlformats.org/markup-compatibility/2006" xmlns:p14="http://schemas.microsoft.com/office/powerpoint/2010/main">
+    <mc:Choice Requires="p14">
+      <p:transition spd="med" p14:dur="700">
+        <p:fade/>
+      </p:transition>
+    </mc:Choice>
+    <mc:Fallback xmlns="">
+      <p:transition spd="med">
+        <p:fade/>
+      </p:transition>
+    </mc:Fallback>
+  </mc:AlternateContent>
+</p:sld>
+</file>
+
+<file path=ppt/slides/slide4.xml><?xml version="1.0" encoding="utf-8"?>
+<p:sld xmlns:a="http://schemas.openxmlformats.org/drawingml/2006/main" xmlns:r="http://schemas.openxmlformats.org/officeDocument/2006/relationships" xmlns:p="http://schemas.openxmlformats.org/presentationml/2006/main">
+  <p:cSld>
+    <p:spTree>
+      <p:nvGrpSpPr>
+        <p:cNvPr id="1" name=""/>
+        <p:cNvGrpSpPr/>
+        <p:nvPr/>
+      </p:nvGrpSpPr>
+      <p:grpSpPr>
+        <a:xfrm>
+          <a:off x="0" y="0"/>
+          <a:ext cx="0" cy="0"/>
+          <a:chOff x="0" y="0"/>
+          <a:chExt cx="0" cy="0"/>
+        </a:xfrm>
+      </p:grpSpPr>
+      <p:sp>
+        <p:nvSpPr>
+          <p:cNvPr id="2" name="Title 1"/>
+          <p:cNvSpPr>
+            <a:spLocks noGrp="1"/>
+          </p:cNvSpPr>
+          <p:nvPr>
+            <p:ph type="title"/>
+          </p:nvPr>
+        </p:nvSpPr>
+        <p:spPr>
+          <a:xfrm>
+            <a:off x="322579" y="112131"/>
+            <a:ext cx="3487420" cy="484549"/>
+          </a:xfrm>
+        </p:spPr>
+        <p:txBody>
+          <a:bodyPr>
+            <a:normAutofit/>
+          </a:bodyPr>
+          <a:lstStyle/>
+          <a:p>
+            <a:r>
+              <a:rPr lang="en-US" sz="2800" dirty="0">
+                <a:solidFill>
+                  <a:srgbClr val="0070C0"/>
+                </a:solidFill>
+              </a:rPr>
               <a:t>Agenda</a:t>
             </a:r>
           </a:p>
@@ -30306,7 +30921,7 @@
 </p:sld>
 </file>
 
-<file path=ppt/slides/slide4.xml><?xml version="1.0" encoding="utf-8"?>
+<file path=ppt/slides/slide5.xml><?xml version="1.0" encoding="utf-8"?>
 <p:sld xmlns:a="http://schemas.openxmlformats.org/drawingml/2006/main" xmlns:r="http://schemas.openxmlformats.org/officeDocument/2006/relationships" xmlns:p="http://schemas.openxmlformats.org/presentationml/2006/main">
   <p:cSld>
     <p:spTree>
@@ -31129,7 +31744,7 @@
                 <a:latin typeface="+mn-lt"/>
                 <a:sym typeface="Roboto"/>
               </a:rPr>
-              <a:t>Filli-in the Blanks </a:t>
+              <a:t>Fill-in the Blanks </a:t>
             </a:r>
             <a:endParaRPr dirty="0">
               <a:solidFill>
@@ -31206,11 +31821,11 @@
               <a:t>Used the check_out date to extract the year, month and t</a:t>
             </a:r>
             <a:r>
-              <a:rPr lang="en-US" dirty="0">
+              <a:rPr lang="en-US" dirty="0" err="1">
                 <a:latin typeface="+mn-lt"/>
                 <a:sym typeface="Roboto"/>
               </a:rPr>
-              <a:t>ticket</a:t>
+              <a:t>icket</a:t>
             </a:r>
             <a:r>
               <a:rPr lang="en" dirty="0">
@@ -31261,7 +31876,7 @@
         </p:nvSpPr>
         <p:spPr>
           <a:xfrm>
-            <a:off x="4645733" y="2586394"/>
+            <a:off x="4651018" y="2823149"/>
             <a:ext cx="1331773" cy="536959"/>
           </a:xfrm>
           <a:prstGeom prst="rect">
@@ -31308,7 +31923,16 @@
                 </a:solidFill>
                 <a:sym typeface="Roboto"/>
               </a:rPr>
-              <a:t>Creating New Columns</a:t>
+              <a:t>Creating New Columns </a:t>
+            </a:r>
+            <a:r>
+              <a:rPr lang="en-US" dirty="0">
+                <a:solidFill>
+                  <a:srgbClr val="7030A0"/>
+                </a:solidFill>
+                <a:sym typeface="Roboto"/>
+              </a:rPr>
+              <a:t>and sort by category</a:t>
             </a:r>
             <a:endParaRPr dirty="0">
               <a:solidFill>
@@ -31333,7 +31957,7 @@
         </p:nvSpPr>
         <p:spPr>
           <a:xfrm>
-            <a:off x="4623198" y="3005168"/>
+            <a:off x="4629889" y="3457722"/>
             <a:ext cx="1268823" cy="330234"/>
           </a:xfrm>
           <a:prstGeom prst="rect">
@@ -31733,7 +32357,7 @@
 </p:sld>
 </file>
 
-<file path=ppt/slides/slide5.xml><?xml version="1.0" encoding="utf-8"?>
+<file path=ppt/slides/slide6.xml><?xml version="1.0" encoding="utf-8"?>
 <p:sld xmlns:a="http://schemas.openxmlformats.org/drawingml/2006/main" xmlns:r="http://schemas.openxmlformats.org/officeDocument/2006/relationships" xmlns:p="http://schemas.openxmlformats.org/presentationml/2006/main">
   <p:cSld>
     <p:spTree>
@@ -31990,9 +32614,6 @@
             </a:pPr>
             <a:r>
               <a:rPr lang="en-US" sz="1800" dirty="0">
-                <a:solidFill>
-                  <a:srgbClr val="000000"/>
-                </a:solidFill>
                 <a:ea typeface="Oswald"/>
                 <a:cs typeface="Oswald"/>
                 <a:sym typeface="Oswald"/>
@@ -32007,9 +32628,6 @@
               </a:spcBef>
             </a:pPr>
             <a:endParaRPr lang="en-US" sz="1800" dirty="0">
-              <a:solidFill>
-                <a:srgbClr val="000000"/>
-              </a:solidFill>
               <a:ea typeface="Oswald"/>
               <a:cs typeface="Oswald"/>
               <a:sym typeface="Oswald"/>
@@ -32027,20 +32645,14 @@
             </a:pPr>
             <a:r>
               <a:rPr lang="en-US" sz="1800" dirty="0">
-                <a:solidFill>
-                  <a:srgbClr val="000000"/>
-                </a:solidFill>
                 <a:ea typeface="Oswald"/>
                 <a:cs typeface="Oswald"/>
                 <a:sym typeface="Oswald"/>
               </a:rPr>
-              <a:t>What are the high demand service center and times that </a:t>
+              <a:t>What are the high demand service center inquiries and times that </a:t>
             </a:r>
             <a:r>
               <a:rPr lang="en-US" sz="1800" b="1" i="1" dirty="0">
-                <a:solidFill>
-                  <a:srgbClr val="1CC997"/>
-                </a:solidFill>
                 <a:ea typeface="Oswald"/>
                 <a:cs typeface="Oswald"/>
                 <a:sym typeface="Oswald"/>
@@ -32049,9 +32661,6 @@
             </a:r>
             <a:r>
               <a:rPr lang="en-US" sz="1800" dirty="0">
-                <a:solidFill>
-                  <a:srgbClr val="000000"/>
-                </a:solidFill>
                 <a:ea typeface="Oswald"/>
                 <a:cs typeface="Oswald"/>
                 <a:sym typeface="Oswald"/>
@@ -32066,9 +32675,6 @@
               </a:spcBef>
             </a:pPr>
             <a:endParaRPr lang="en-US" sz="1800" dirty="0">
-              <a:solidFill>
-                <a:srgbClr val="000000"/>
-              </a:solidFill>
               <a:ea typeface="Oswald"/>
               <a:cs typeface="Oswald"/>
               <a:sym typeface="Oswald"/>
@@ -32086,14 +32692,11 @@
             </a:pPr>
             <a:r>
               <a:rPr lang="en-US" sz="1800" dirty="0">
-                <a:solidFill>
-                  <a:srgbClr val="000000"/>
-                </a:solidFill>
                 <a:ea typeface="Oswald"/>
                 <a:cs typeface="Oswald"/>
                 <a:sym typeface="Oswald"/>
               </a:rPr>
-              <a:t>What have been the different categorical service  types  and what is the utilization of the service by type of requestor?</a:t>
+              <a:t>What have been the different service  types/categories  and what is the service utilization pattern by type of requestor?</a:t>
             </a:r>
           </a:p>
           <a:p>
@@ -32103,9 +32706,6 @@
               </a:spcBef>
             </a:pPr>
             <a:endParaRPr lang="en-US" sz="1800" dirty="0">
-              <a:solidFill>
-                <a:srgbClr val="000000"/>
-              </a:solidFill>
               <a:ea typeface="Oswald"/>
               <a:cs typeface="Oswald"/>
               <a:sym typeface="Oswald"/>
@@ -32123,14 +32723,11 @@
             </a:pPr>
             <a:r>
               <a:rPr lang="en-US" sz="1800" dirty="0">
-                <a:solidFill>
-                  <a:srgbClr val="000000"/>
-                </a:solidFill>
                 <a:ea typeface="Oswald"/>
                 <a:cs typeface="Oswald"/>
                 <a:sym typeface="Oswald"/>
               </a:rPr>
-              <a:t>Is there a correlation between annual HR events and tickets?</a:t>
+              <a:t>Is there a correlation between annual HR events, type of requestor and tickets?</a:t>
             </a:r>
           </a:p>
           <a:p>
@@ -32142,9 +32739,6 @@
             </a:pPr>
             <a:r>
               <a:rPr lang="en-US" sz="1800" dirty="0">
-                <a:solidFill>
-                  <a:srgbClr val="000000"/>
-                </a:solidFill>
                 <a:ea typeface="Oswald"/>
                 <a:cs typeface="Oswald"/>
                 <a:sym typeface="Oswald"/>
@@ -32164,9 +32758,6 @@
             </a:pPr>
             <a:r>
               <a:rPr lang="en-US" sz="1800" dirty="0">
-                <a:solidFill>
-                  <a:srgbClr val="24292E"/>
-                </a:solidFill>
                 <a:highlight>
                   <a:srgbClr val="FFFFFF"/>
                 </a:highlight>
@@ -32174,24 +32765,16 @@
                 <a:cs typeface="Oswald"/>
                 <a:sym typeface="Oswald"/>
               </a:rPr>
-              <a:t>How long is a ticket on an average and where do the requests usually start from</a:t>
+              <a:t>How long is a ticket open on average and where do the requests usually start from</a:t>
             </a:r>
             <a:r>
               <a:rPr lang="en-US" sz="1800" dirty="0">
-                <a:solidFill>
-                  <a:srgbClr val="000000"/>
-                </a:solidFill>
                 <a:ea typeface="Oswald"/>
                 <a:cs typeface="Oswald"/>
                 <a:sym typeface="Oswald"/>
               </a:rPr>
               <a:t>?</a:t>
             </a:r>
-            <a:endParaRPr lang="en-US" sz="1800" dirty="0">
-              <a:ea typeface="Oswald"/>
-              <a:cs typeface="Oswald"/>
-              <a:sym typeface="Oswald"/>
-            </a:endParaRPr>
           </a:p>
         </p:txBody>
       </p:sp>
@@ -32259,7 +32842,7 @@
 </p:sld>
 </file>
 
-<file path=ppt/slides/slide6.xml><?xml version="1.0" encoding="utf-8"?>
+<file path=ppt/slides/slide7.xml><?xml version="1.0" encoding="utf-8"?>
 <p:sld xmlns:a="http://schemas.openxmlformats.org/drawingml/2006/main" xmlns:r="http://schemas.openxmlformats.org/officeDocument/2006/relationships" xmlns:p="http://schemas.openxmlformats.org/presentationml/2006/main">
   <p:cSld>
     <p:spTree>
@@ -32572,7 +33155,7 @@
 </p:sld>
 </file>
 
-<file path=ppt/slides/slide7.xml><?xml version="1.0" encoding="utf-8"?>
+<file path=ppt/slides/slide8.xml><?xml version="1.0" encoding="utf-8"?>
 <p:sld xmlns:a="http://schemas.openxmlformats.org/drawingml/2006/main" xmlns:r="http://schemas.openxmlformats.org/officeDocument/2006/relationships" xmlns:p="http://schemas.openxmlformats.org/presentationml/2006/main">
   <p:cSld>
     <p:spTree>
@@ -32942,7 +33525,7 @@
 </p:sld>
 </file>
 
-<file path=ppt/slides/slide8.xml><?xml version="1.0" encoding="utf-8"?>
+<file path=ppt/slides/slide9.xml><?xml version="1.0" encoding="utf-8"?>
 <p:sld xmlns:a="http://schemas.openxmlformats.org/drawingml/2006/main" xmlns:r="http://schemas.openxmlformats.org/officeDocument/2006/relationships" xmlns:p="http://schemas.openxmlformats.org/presentationml/2006/main">
   <p:cSld>
     <p:spTree>
@@ -33267,352 +33850,6 @@
 </p:sld>
 </file>
 
-<file path=ppt/slides/slide9.xml><?xml version="1.0" encoding="utf-8"?>
-<p:sld xmlns:a="http://schemas.openxmlformats.org/drawingml/2006/main" xmlns:r="http://schemas.openxmlformats.org/officeDocument/2006/relationships" xmlns:p="http://schemas.openxmlformats.org/presentationml/2006/main">
-  <p:cSld>
-    <p:spTree>
-      <p:nvGrpSpPr>
-        <p:cNvPr id="1" name="Shape 376"/>
-        <p:cNvGrpSpPr/>
-        <p:nvPr/>
-      </p:nvGrpSpPr>
-      <p:grpSpPr>
-        <a:xfrm>
-          <a:off x="0" y="0"/>
-          <a:ext cx="0" cy="0"/>
-          <a:chOff x="0" y="0"/>
-          <a:chExt cx="0" cy="0"/>
-        </a:xfrm>
-      </p:grpSpPr>
-      <p:sp>
-        <p:nvSpPr>
-          <p:cNvPr id="377" name="Google Shape;377;p19"/>
-          <p:cNvSpPr txBox="1">
-            <a:spLocks noGrp="1"/>
-          </p:cNvSpPr>
-          <p:nvPr>
-            <p:ph type="title"/>
-          </p:nvPr>
-        </p:nvSpPr>
-        <p:spPr>
-          <a:xfrm>
-            <a:off x="144780" y="0"/>
-            <a:ext cx="6781800" cy="738188"/>
-          </a:xfrm>
-          <a:prstGeom prst="rect">
-            <a:avLst/>
-          </a:prstGeom>
-        </p:spPr>
-        <p:txBody>
-          <a:bodyPr spcFirstLastPara="1" wrap="square" lIns="91425" tIns="91425" rIns="91425" bIns="91425" anchor="t" anchorCtr="0">
-            <a:noAutofit/>
-          </a:bodyPr>
-          <a:lstStyle/>
-          <a:p>
-            <a:pPr lvl="0">
-              <a:spcBef>
-                <a:spcPts val="0"/>
-              </a:spcBef>
-            </a:pPr>
-            <a:r>
-              <a:rPr lang="en" sz="2000" dirty="0">
-                <a:solidFill>
-                  <a:schemeClr val="accent3"/>
-                </a:solidFill>
-              </a:rPr>
-              <a:t>Which </a:t>
-            </a:r>
-            <a:r>
-              <a:rPr lang="en-US" sz="2000" dirty="0">
-                <a:solidFill>
-                  <a:schemeClr val="accent3"/>
-                </a:solidFill>
-              </a:rPr>
-              <a:t>Service Center </a:t>
-            </a:r>
-            <a:r>
-              <a:rPr lang="en" sz="2000" dirty="0">
-                <a:solidFill>
-                  <a:schemeClr val="accent3"/>
-                </a:solidFill>
-              </a:rPr>
-              <a:t>do </a:t>
-            </a:r>
-            <a:r>
-              <a:rPr lang="en-US" sz="2000" dirty="0">
-                <a:solidFill>
-                  <a:schemeClr val="accent3"/>
-                </a:solidFill>
-              </a:rPr>
-              <a:t>EMPLOYEES</a:t>
-            </a:r>
-            <a:r>
-              <a:rPr lang="en" sz="2000" dirty="0">
-                <a:solidFill>
-                  <a:schemeClr val="accent3"/>
-                </a:solidFill>
-              </a:rPr>
-              <a:t> use the most?</a:t>
-            </a:r>
-            <a:endParaRPr sz="2000" dirty="0"/>
-          </a:p>
-        </p:txBody>
-      </p:sp>
-      <p:sp>
-        <p:nvSpPr>
-          <p:cNvPr id="379" name="Google Shape;379;p19"/>
-          <p:cNvSpPr txBox="1"/>
-          <p:nvPr/>
-        </p:nvSpPr>
-        <p:spPr>
-          <a:xfrm>
-            <a:off x="527644" y="451438"/>
-            <a:ext cx="7915315" cy="969000"/>
-          </a:xfrm>
-          <a:prstGeom prst="rect">
-            <a:avLst/>
-          </a:prstGeom>
-          <a:noFill/>
-          <a:ln>
-            <a:noFill/>
-          </a:ln>
-        </p:spPr>
-        <p:txBody>
-          <a:bodyPr spcFirstLastPara="1" wrap="square" lIns="91425" tIns="91425" rIns="91425" bIns="91425" anchor="t" anchorCtr="0">
-            <a:noAutofit/>
-          </a:bodyPr>
-          <a:lstStyle/>
-          <a:p>
-            <a:pPr marL="400050" lvl="0" indent="-285750">
-              <a:buSzPts val="1800"/>
-              <a:buFont typeface="Arial" panose="020B0604020202020204" pitchFamily="34" charset="0"/>
-              <a:buChar char="•"/>
-            </a:pPr>
-            <a:r>
-              <a:rPr lang="en" sz="1600" dirty="0">
-                <a:highlight>
-                  <a:srgbClr val="FFFFFF"/>
-                </a:highlight>
-                <a:ea typeface="Oswald"/>
-                <a:cs typeface="Oswald"/>
-                <a:sym typeface="Oswald"/>
-              </a:rPr>
-              <a:t>The most popular stations are located in </a:t>
-            </a:r>
-            <a:r>
-              <a:rPr lang="en-US" sz="1600" dirty="0">
-                <a:highlight>
-                  <a:srgbClr val="FFFFFF"/>
-                </a:highlight>
-                <a:ea typeface="Oswald"/>
-                <a:cs typeface="Oswald"/>
-                <a:sym typeface="Oswald"/>
-              </a:rPr>
-              <a:t>U.S</a:t>
-            </a:r>
-            <a:r>
-              <a:rPr lang="en" sz="1600" dirty="0">
-                <a:highlight>
-                  <a:srgbClr val="FFFFFF"/>
-                </a:highlight>
-                <a:ea typeface="Oswald"/>
-                <a:cs typeface="Oswald"/>
-                <a:sym typeface="Oswald"/>
-              </a:rPr>
-              <a:t>. </a:t>
-            </a:r>
-            <a:r>
-              <a:rPr lang="en-US" sz="1600" dirty="0">
-                <a:ea typeface="Oswald"/>
-                <a:cs typeface="Oswald"/>
-                <a:sym typeface="Oswald"/>
-              </a:rPr>
-              <a:t>Jacksonville</a:t>
-            </a:r>
-            <a:r>
-              <a:rPr lang="en" sz="1600" dirty="0">
-                <a:highlight>
-                  <a:srgbClr val="FFFFFF"/>
-                </a:highlight>
-                <a:ea typeface="Oswald"/>
-                <a:cs typeface="Oswald"/>
-                <a:sym typeface="Oswald"/>
-              </a:rPr>
-              <a:t> </a:t>
-            </a:r>
-            <a:r>
-              <a:rPr lang="en-US" sz="1600" dirty="0">
-                <a:highlight>
-                  <a:srgbClr val="FFFFFF"/>
-                </a:highlight>
-                <a:ea typeface="Oswald"/>
-                <a:cs typeface="Oswald"/>
-                <a:sym typeface="Oswald"/>
-              </a:rPr>
-              <a:t>that </a:t>
-            </a:r>
-            <a:r>
-              <a:rPr lang="en" sz="1600" dirty="0">
-                <a:highlight>
-                  <a:srgbClr val="FFFFFF"/>
-                </a:highlight>
-                <a:ea typeface="Oswald"/>
-                <a:cs typeface="Oswald"/>
-                <a:sym typeface="Oswald"/>
-              </a:rPr>
-              <a:t>r</a:t>
-            </a:r>
-            <a:r>
-              <a:rPr lang="en" sz="1600" dirty="0">
-                <a:ea typeface="Oswald"/>
-                <a:cs typeface="Oswald"/>
-                <a:sym typeface="Oswald"/>
-              </a:rPr>
-              <a:t>eceive</a:t>
-            </a:r>
-            <a:r>
-              <a:rPr lang="en-US" sz="1600" dirty="0">
-                <a:ea typeface="Oswald"/>
-                <a:cs typeface="Oswald"/>
-                <a:sym typeface="Oswald"/>
-              </a:rPr>
-              <a:t>s</a:t>
-            </a:r>
-            <a:r>
-              <a:rPr lang="en" sz="1600" dirty="0">
-                <a:ea typeface="Oswald"/>
-                <a:cs typeface="Oswald"/>
-                <a:sym typeface="Oswald"/>
-              </a:rPr>
-              <a:t> significantly more rentals than any other area.</a:t>
-            </a:r>
-            <a:endParaRPr sz="1600" dirty="0">
-              <a:ea typeface="Oswald"/>
-              <a:cs typeface="Oswald"/>
-              <a:sym typeface="Oswald"/>
-            </a:endParaRPr>
-          </a:p>
-        </p:txBody>
-      </p:sp>
-      <p:pic>
-        <p:nvPicPr>
-          <p:cNvPr id="3" name="Picture 2">
-            <a:extLst>
-              <a:ext uri="{FF2B5EF4-FFF2-40B4-BE49-F238E27FC236}">
-                <a16:creationId xmlns:a16="http://schemas.microsoft.com/office/drawing/2014/main" id="{0EB2CD04-39C8-4467-8690-C5051D48DBC6}"/>
-              </a:ext>
-            </a:extLst>
-          </p:cNvPr>
-          <p:cNvPicPr>
-            <a:picLocks noChangeAspect="1"/>
-          </p:cNvPicPr>
-          <p:nvPr/>
-        </p:nvPicPr>
-        <p:blipFill>
-          <a:blip r:embed="rId3"/>
-          <a:stretch>
-            <a:fillRect/>
-          </a:stretch>
-        </p:blipFill>
-        <p:spPr>
-          <a:xfrm>
-            <a:off x="144780" y="1259884"/>
-            <a:ext cx="3885697" cy="2978034"/>
-          </a:xfrm>
-          <a:prstGeom prst="rect">
-            <a:avLst/>
-          </a:prstGeom>
-        </p:spPr>
-      </p:pic>
-      <p:pic>
-        <p:nvPicPr>
-          <p:cNvPr id="4" name="Picture 3">
-            <a:extLst>
-              <a:ext uri="{FF2B5EF4-FFF2-40B4-BE49-F238E27FC236}">
-                <a16:creationId xmlns:a16="http://schemas.microsoft.com/office/drawing/2014/main" id="{314FC47D-CCB4-4143-8AD3-A3643C95E441}"/>
-              </a:ext>
-            </a:extLst>
-          </p:cNvPr>
-          <p:cNvPicPr>
-            <a:picLocks noChangeAspect="1"/>
-          </p:cNvPicPr>
-          <p:nvPr/>
-        </p:nvPicPr>
-        <p:blipFill>
-          <a:blip r:embed="rId4"/>
-          <a:stretch>
-            <a:fillRect/>
-          </a:stretch>
-        </p:blipFill>
-        <p:spPr>
-          <a:xfrm>
-            <a:off x="3951836" y="1301071"/>
-            <a:ext cx="4873987" cy="2951221"/>
-          </a:xfrm>
-          <a:prstGeom prst="rect">
-            <a:avLst/>
-          </a:prstGeom>
-        </p:spPr>
-      </p:pic>
-      <p:sp>
-        <p:nvSpPr>
-          <p:cNvPr id="9" name="TextBox 8">
-            <a:extLst>
-              <a:ext uri="{FF2B5EF4-FFF2-40B4-BE49-F238E27FC236}">
-                <a16:creationId xmlns:a16="http://schemas.microsoft.com/office/drawing/2014/main" id="{529E0B1D-046F-4167-84D8-190BCCD0AB24}"/>
-              </a:ext>
-            </a:extLst>
-          </p:cNvPr>
-          <p:cNvSpPr txBox="1"/>
-          <p:nvPr/>
-        </p:nvSpPr>
-        <p:spPr>
-          <a:xfrm rot="20071474">
-            <a:off x="-63497" y="426974"/>
-            <a:ext cx="3596476" cy="523220"/>
-          </a:xfrm>
-          <a:prstGeom prst="rect">
-            <a:avLst/>
-          </a:prstGeom>
-          <a:noFill/>
-        </p:spPr>
-        <p:txBody>
-          <a:bodyPr wrap="square" rtlCol="0">
-            <a:spAutoFit/>
-          </a:bodyPr>
-          <a:lstStyle/>
-          <a:p>
-            <a:r>
-              <a:rPr lang="en-US" sz="2800" dirty="0">
-                <a:solidFill>
-                  <a:srgbClr val="FF0000"/>
-                </a:solidFill>
-              </a:rPr>
-              <a:t>Prototype| Dummy</a:t>
-            </a:r>
-          </a:p>
-        </p:txBody>
-      </p:sp>
-    </p:spTree>
-  </p:cSld>
-  <p:clrMapOvr>
-    <a:masterClrMapping/>
-  </p:clrMapOvr>
-  <mc:AlternateContent xmlns:mc="http://schemas.openxmlformats.org/markup-compatibility/2006" xmlns:p14="http://schemas.microsoft.com/office/powerpoint/2010/main">
-    <mc:Choice Requires="p14">
-      <p:transition spd="med" p14:dur="700">
-        <p:fade/>
-      </p:transition>
-    </mc:Choice>
-    <mc:Fallback xmlns="">
-      <p:transition spd="med">
-        <p:fade/>
-      </p:transition>
-    </mc:Fallback>
-  </mc:AlternateContent>
-</p:sld>
-</file>
-
 <file path=ppt/tags/tag1.xml><?xml version="1.0" encoding="utf-8"?>
 <p:tagLst xmlns:a="http://schemas.openxmlformats.org/drawingml/2006/main" xmlns:r="http://schemas.openxmlformats.org/officeDocument/2006/relationships" xmlns:p="http://schemas.openxmlformats.org/presentationml/2006/main">
   <p:tag name="ARTICULATE_SLIDE_THUMBNAIL_REFRESH" val="1"/>
@@ -33620,6 +33857,12 @@
 </file>
 
 <file path=ppt/tags/tag2.xml><?xml version="1.0" encoding="utf-8"?>
+<p:tagLst xmlns:a="http://schemas.openxmlformats.org/drawingml/2006/main" xmlns:r="http://schemas.openxmlformats.org/officeDocument/2006/relationships" xmlns:p="http://schemas.openxmlformats.org/presentationml/2006/main">
+  <p:tag name="ARTICULATE_SLIDE_THUMBNAIL_REFRESH" val="1"/>
+</p:tagLst>
+</file>
+
+<file path=ppt/tags/tag3.xml><?xml version="1.0" encoding="utf-8"?>
 <p:tagLst xmlns:a="http://schemas.openxmlformats.org/drawingml/2006/main" xmlns:r="http://schemas.openxmlformats.org/officeDocument/2006/relationships" xmlns:p="http://schemas.openxmlformats.org/presentationml/2006/main">
   <p:tag name="ARTICULATE_SLIDE_THUMBNAIL_REFRESH" val="1"/>
 </p:tagLst>

--- a/Presentation/2_HRServices_Presentation_v2.pptx
+++ b/Presentation/2_HRServices_Presentation_v2.pptx
@@ -25716,7 +25716,23 @@
                 <a:cs typeface="Oswald"/>
                 <a:sym typeface="Oswald"/>
               </a:rPr>
-              <a:t> significantly more rentals than any other area.</a:t>
+              <a:t> significantly more </a:t>
+            </a:r>
+            <a:r>
+              <a:rPr lang="en-US" sz="1600" dirty="0">
+                <a:ea typeface="Oswald"/>
+                <a:cs typeface="Oswald"/>
+                <a:sym typeface="Oswald"/>
+              </a:rPr>
+              <a:t>tickets</a:t>
+            </a:r>
+            <a:r>
+              <a:rPr lang="en" sz="1600" dirty="0">
+                <a:ea typeface="Oswald"/>
+                <a:cs typeface="Oswald"/>
+                <a:sym typeface="Oswald"/>
+              </a:rPr>
+              <a:t> than any other area.</a:t>
             </a:r>
             <a:endParaRPr sz="1600" dirty="0">
               <a:ea typeface="Oswald"/>

--- a/Presentation/2_HRServices_Presentation_v2.pptx
+++ b/Presentation/2_HRServices_Presentation_v2.pptx
@@ -5,7 +5,7 @@
     <p:sldMasterId id="2147483648" r:id="rId1"/>
   </p:sldMasterIdLst>
   <p:notesMasterIdLst>
-    <p:notesMasterId r:id="rId17"/>
+    <p:notesMasterId r:id="rId26"/>
   </p:notesMasterIdLst>
   <p:sldIdLst>
     <p:sldId id="900" r:id="rId2"/>
@@ -14,15 +14,24 @@
     <p:sldId id="857" r:id="rId5"/>
     <p:sldId id="895" r:id="rId6"/>
     <p:sldId id="449" r:id="rId7"/>
-    <p:sldId id="259" r:id="rId8"/>
-    <p:sldId id="897" r:id="rId9"/>
-    <p:sldId id="261" r:id="rId10"/>
-    <p:sldId id="262" r:id="rId11"/>
-    <p:sldId id="263" r:id="rId12"/>
-    <p:sldId id="264" r:id="rId13"/>
-    <p:sldId id="265" r:id="rId14"/>
-    <p:sldId id="267" r:id="rId15"/>
-    <p:sldId id="899" r:id="rId16"/>
+    <p:sldId id="907" r:id="rId8"/>
+    <p:sldId id="259" r:id="rId9"/>
+    <p:sldId id="897" r:id="rId10"/>
+    <p:sldId id="902" r:id="rId11"/>
+    <p:sldId id="908" r:id="rId12"/>
+    <p:sldId id="261" r:id="rId13"/>
+    <p:sldId id="262" r:id="rId14"/>
+    <p:sldId id="909" r:id="rId15"/>
+    <p:sldId id="263" r:id="rId16"/>
+    <p:sldId id="264" r:id="rId17"/>
+    <p:sldId id="906" r:id="rId18"/>
+    <p:sldId id="910" r:id="rId19"/>
+    <p:sldId id="903" r:id="rId20"/>
+    <p:sldId id="904" r:id="rId21"/>
+    <p:sldId id="911" r:id="rId22"/>
+    <p:sldId id="905" r:id="rId23"/>
+    <p:sldId id="267" r:id="rId24"/>
+    <p:sldId id="899" r:id="rId25"/>
   </p:sldIdLst>
   <p:sldSz cx="9144000" cy="5143500" type="screen16x9"/>
   <p:notesSz cx="7010400" cy="9296400"/>
@@ -7873,7 +7882,7 @@
             <a:fld id="{BBEB936B-FE89-4344-982F-3EA728D5E6E3}" type="datetimeFigureOut">
               <a:rPr lang="en-GB" smtClean="0"/>
               <a:pPr/>
-              <a:t>25/03/2019</a:t>
+              <a:t>27/03/2019</a:t>
             </a:fld>
             <a:endParaRPr lang="en-GB" dirty="0"/>
           </a:p>
@@ -8236,6 +8245,114 @@
   <p:cSld>
     <p:spTree>
       <p:nvGrpSpPr>
+        <p:cNvPr id="1" name="Shape 366"/>
+        <p:cNvGrpSpPr/>
+        <p:nvPr/>
+      </p:nvGrpSpPr>
+      <p:grpSpPr>
+        <a:xfrm>
+          <a:off x="0" y="0"/>
+          <a:ext cx="0" cy="0"/>
+          <a:chOff x="0" y="0"/>
+          <a:chExt cx="0" cy="0"/>
+        </a:xfrm>
+      </p:grpSpPr>
+      <p:sp>
+        <p:nvSpPr>
+          <p:cNvPr id="367" name="Google Shape;367;g4151f1278a_0_3564:notes"/>
+          <p:cNvSpPr>
+            <a:spLocks noGrp="1" noRot="1" noChangeAspect="1"/>
+          </p:cNvSpPr>
+          <p:nvPr>
+            <p:ph type="sldImg" idx="2"/>
+          </p:nvPr>
+        </p:nvSpPr>
+        <p:spPr>
+          <a:xfrm>
+            <a:off x="381000" y="685800"/>
+            <a:ext cx="6096000" cy="3429000"/>
+          </a:xfrm>
+          <a:custGeom>
+            <a:avLst/>
+            <a:gdLst/>
+            <a:ahLst/>
+            <a:cxnLst/>
+            <a:rect l="l" t="t" r="r" b="b"/>
+            <a:pathLst>
+              <a:path w="120000" h="120000" extrusionOk="0">
+                <a:moveTo>
+                  <a:pt x="0" y="0"/>
+                </a:moveTo>
+                <a:lnTo>
+                  <a:pt x="120000" y="0"/>
+                </a:lnTo>
+                <a:lnTo>
+                  <a:pt x="120000" y="120000"/>
+                </a:lnTo>
+                <a:lnTo>
+                  <a:pt x="0" y="120000"/>
+                </a:lnTo>
+                <a:close/>
+              </a:path>
+            </a:pathLst>
+          </a:custGeom>
+        </p:spPr>
+      </p:sp>
+      <p:sp>
+        <p:nvSpPr>
+          <p:cNvPr id="368" name="Google Shape;368;g4151f1278a_0_3564:notes"/>
+          <p:cNvSpPr txBox="1">
+            <a:spLocks noGrp="1"/>
+          </p:cNvSpPr>
+          <p:nvPr>
+            <p:ph type="body" idx="1"/>
+          </p:nvPr>
+        </p:nvSpPr>
+        <p:spPr>
+          <a:xfrm>
+            <a:off x="685800" y="4343400"/>
+            <a:ext cx="5486400" cy="4114800"/>
+          </a:xfrm>
+          <a:prstGeom prst="rect">
+            <a:avLst/>
+          </a:prstGeom>
+        </p:spPr>
+        <p:txBody>
+          <a:bodyPr spcFirstLastPara="1" wrap="square" lIns="91425" tIns="91425" rIns="91425" bIns="91425" anchor="t" anchorCtr="0">
+            <a:noAutofit/>
+          </a:bodyPr>
+          <a:lstStyle/>
+          <a:p>
+            <a:pPr marL="0" lvl="0" indent="0" algn="l" rtl="0">
+              <a:spcBef>
+                <a:spcPts val="0"/>
+              </a:spcBef>
+              <a:spcAft>
+                <a:spcPts val="0"/>
+              </a:spcAft>
+              <a:buNone/>
+            </a:pPr>
+            <a:r>
+              <a:rPr lang="en-US" dirty="0"/>
+              <a:t>Nadia</a:t>
+            </a:r>
+            <a:endParaRPr dirty="0"/>
+          </a:p>
+        </p:txBody>
+      </p:sp>
+    </p:spTree>
+  </p:cSld>
+  <p:clrMapOvr>
+    <a:masterClrMapping/>
+  </p:clrMapOvr>
+</p:notes>
+</file>
+
+<file path=ppt/notesSlides/notesSlide11.xml><?xml version="1.0" encoding="utf-8"?>
+<p:notes xmlns:a="http://schemas.openxmlformats.org/drawingml/2006/main" xmlns:r="http://schemas.openxmlformats.org/officeDocument/2006/relationships" xmlns:p="http://schemas.openxmlformats.org/presentationml/2006/main" showMasterSp="0" showMasterPhAnim="0">
+  <p:cSld>
+    <p:spTree>
+      <p:nvGrpSpPr>
         <p:cNvPr id="1" name="Shape 373"/>
         <p:cNvGrpSpPr/>
         <p:nvPr/>
@@ -8323,7 +8440,11 @@
               </a:spcAft>
               <a:buNone/>
             </a:pPr>
-            <a:endParaRPr/>
+            <a:r>
+              <a:rPr lang="en-US" dirty="0"/>
+              <a:t>Nadia</a:t>
+            </a:r>
+            <a:endParaRPr dirty="0"/>
           </a:p>
         </p:txBody>
       </p:sp>
@@ -8335,7 +8456,7 @@
 </p:notes>
 </file>
 
-<file path=ppt/notesSlides/notesSlide11.xml><?xml version="1.0" encoding="utf-8"?>
+<file path=ppt/notesSlides/notesSlide12.xml><?xml version="1.0" encoding="utf-8"?>
 <p:notes xmlns:a="http://schemas.openxmlformats.org/drawingml/2006/main" xmlns:r="http://schemas.openxmlformats.org/officeDocument/2006/relationships" xmlns:p="http://schemas.openxmlformats.org/presentationml/2006/main" showMasterSp="0" showMasterPhAnim="0">
   <p:cSld>
     <p:spTree>
@@ -8427,7 +8548,11 @@
               </a:spcAft>
               <a:buNone/>
             </a:pPr>
-            <a:endParaRPr/>
+            <a:r>
+              <a:rPr lang="en-US" dirty="0"/>
+              <a:t>Richa by user Group</a:t>
+            </a:r>
+            <a:endParaRPr dirty="0"/>
           </a:p>
         </p:txBody>
       </p:sp>
@@ -8439,7 +8564,7 @@
 </p:notes>
 </file>
 
-<file path=ppt/notesSlides/notesSlide12.xml><?xml version="1.0" encoding="utf-8"?>
+<file path=ppt/notesSlides/notesSlide13.xml><?xml version="1.0" encoding="utf-8"?>
 <p:notes xmlns:a="http://schemas.openxmlformats.org/drawingml/2006/main" xmlns:r="http://schemas.openxmlformats.org/officeDocument/2006/relationships" xmlns:p="http://schemas.openxmlformats.org/presentationml/2006/main" showMasterSp="0" showMasterPhAnim="0">
   <p:cSld>
     <p:spTree>
@@ -8531,7 +8656,11 @@
               </a:spcAft>
               <a:buNone/>
             </a:pPr>
-            <a:endParaRPr/>
+            <a:r>
+              <a:rPr lang="en-US" dirty="0"/>
+              <a:t>Richa Case aged</a:t>
+            </a:r>
+            <a:endParaRPr dirty="0"/>
           </a:p>
         </p:txBody>
       </p:sp>
@@ -8543,12 +8672,12 @@
 </p:notes>
 </file>
 
-<file path=ppt/notesSlides/notesSlide13.xml><?xml version="1.0" encoding="utf-8"?>
+<file path=ppt/notesSlides/notesSlide14.xml><?xml version="1.0" encoding="utf-8"?>
 <p:notes xmlns:a="http://schemas.openxmlformats.org/drawingml/2006/main" xmlns:r="http://schemas.openxmlformats.org/officeDocument/2006/relationships" xmlns:p="http://schemas.openxmlformats.org/presentationml/2006/main" showMasterSp="0" showMasterPhAnim="0">
   <p:cSld>
     <p:spTree>
       <p:nvGrpSpPr>
-        <p:cNvPr id="1" name="Shape 396"/>
+        <p:cNvPr id="1" name="Shape 389"/>
         <p:cNvGrpSpPr/>
         <p:nvPr/>
       </p:nvGrpSpPr>
@@ -8562,7 +8691,7 @@
       </p:grpSpPr>
       <p:sp>
         <p:nvSpPr>
-          <p:cNvPr id="397" name="Google Shape;397;g4151f1278a_0_3692:notes"/>
+          <p:cNvPr id="390" name="Google Shape;390;g4151f1278a_0_3595:notes"/>
           <p:cNvSpPr>
             <a:spLocks noGrp="1" noRot="1" noChangeAspect="1"/>
           </p:cNvSpPr>
@@ -8603,7 +8732,7 @@
       </p:sp>
       <p:sp>
         <p:nvSpPr>
-          <p:cNvPr id="398" name="Google Shape;398;g4151f1278a_0_3692:notes"/>
+          <p:cNvPr id="391" name="Google Shape;391;g4151f1278a_0_3595:notes"/>
           <p:cNvSpPr txBox="1">
             <a:spLocks noGrp="1"/>
           </p:cNvSpPr>
@@ -8635,11 +8764,20 @@
               </a:spcAft>
               <a:buNone/>
             </a:pPr>
-            <a:endParaRPr/>
+            <a:r>
+              <a:rPr lang="en-US" dirty="0"/>
+              <a:t>Richa Case source</a:t>
+            </a:r>
+            <a:endParaRPr dirty="0"/>
           </a:p>
         </p:txBody>
       </p:sp>
     </p:spTree>
+    <p:extLst>
+      <p:ext uri="{BB962C8B-B14F-4D97-AF65-F5344CB8AC3E}">
+        <p14:creationId xmlns:p14="http://schemas.microsoft.com/office/powerpoint/2010/main" val="702524298"/>
+      </p:ext>
+    </p:extLst>
   </p:cSld>
   <p:clrMapOvr>
     <a:masterClrMapping/>
@@ -8647,7 +8785,346 @@
 </p:notes>
 </file>
 
-<file path=ppt/notesSlides/notesSlide14.xml><?xml version="1.0" encoding="utf-8"?>
+<file path=ppt/notesSlides/notesSlide15.xml><?xml version="1.0" encoding="utf-8"?>
+<p:notes xmlns:a="http://schemas.openxmlformats.org/drawingml/2006/main" xmlns:r="http://schemas.openxmlformats.org/officeDocument/2006/relationships" xmlns:p="http://schemas.openxmlformats.org/presentationml/2006/main" showMasterSp="0" showMasterPhAnim="0">
+  <p:cSld>
+    <p:spTree>
+      <p:nvGrpSpPr>
+        <p:cNvPr id="1" name="Shape 389"/>
+        <p:cNvGrpSpPr/>
+        <p:nvPr/>
+      </p:nvGrpSpPr>
+      <p:grpSpPr>
+        <a:xfrm>
+          <a:off x="0" y="0"/>
+          <a:ext cx="0" cy="0"/>
+          <a:chOff x="0" y="0"/>
+          <a:chExt cx="0" cy="0"/>
+        </a:xfrm>
+      </p:grpSpPr>
+      <p:sp>
+        <p:nvSpPr>
+          <p:cNvPr id="390" name="Google Shape;390;g4151f1278a_0_3595:notes"/>
+          <p:cNvSpPr>
+            <a:spLocks noGrp="1" noRot="1" noChangeAspect="1"/>
+          </p:cNvSpPr>
+          <p:nvPr>
+            <p:ph type="sldImg" idx="2"/>
+          </p:nvPr>
+        </p:nvSpPr>
+        <p:spPr>
+          <a:xfrm>
+            <a:off x="381000" y="685800"/>
+            <a:ext cx="6096000" cy="3429000"/>
+          </a:xfrm>
+          <a:custGeom>
+            <a:avLst/>
+            <a:gdLst/>
+            <a:ahLst/>
+            <a:cxnLst/>
+            <a:rect l="l" t="t" r="r" b="b"/>
+            <a:pathLst>
+              <a:path w="120000" h="120000" extrusionOk="0">
+                <a:moveTo>
+                  <a:pt x="0" y="0"/>
+                </a:moveTo>
+                <a:lnTo>
+                  <a:pt x="120000" y="0"/>
+                </a:lnTo>
+                <a:lnTo>
+                  <a:pt x="120000" y="120000"/>
+                </a:lnTo>
+                <a:lnTo>
+                  <a:pt x="0" y="120000"/>
+                </a:lnTo>
+                <a:close/>
+              </a:path>
+            </a:pathLst>
+          </a:custGeom>
+        </p:spPr>
+      </p:sp>
+      <p:sp>
+        <p:nvSpPr>
+          <p:cNvPr id="391" name="Google Shape;391;g4151f1278a_0_3595:notes"/>
+          <p:cNvSpPr txBox="1">
+            <a:spLocks noGrp="1"/>
+          </p:cNvSpPr>
+          <p:nvPr>
+            <p:ph type="body" idx="1"/>
+          </p:nvPr>
+        </p:nvSpPr>
+        <p:spPr>
+          <a:xfrm>
+            <a:off x="685800" y="4343400"/>
+            <a:ext cx="5486400" cy="4114800"/>
+          </a:xfrm>
+          <a:prstGeom prst="rect">
+            <a:avLst/>
+          </a:prstGeom>
+        </p:spPr>
+        <p:txBody>
+          <a:bodyPr spcFirstLastPara="1" wrap="square" lIns="91425" tIns="91425" rIns="91425" bIns="91425" anchor="t" anchorCtr="0">
+            <a:noAutofit/>
+          </a:bodyPr>
+          <a:lstStyle/>
+          <a:p>
+            <a:pPr marL="0" lvl="0" indent="0" algn="l" rtl="0">
+              <a:spcBef>
+                <a:spcPts val="0"/>
+              </a:spcBef>
+              <a:spcAft>
+                <a:spcPts val="0"/>
+              </a:spcAft>
+              <a:buNone/>
+            </a:pPr>
+            <a:r>
+              <a:rPr lang="en-US" dirty="0"/>
+              <a:t>Bonini new slide</a:t>
+            </a:r>
+            <a:endParaRPr dirty="0"/>
+          </a:p>
+        </p:txBody>
+      </p:sp>
+    </p:spTree>
+    <p:extLst>
+      <p:ext uri="{BB962C8B-B14F-4D97-AF65-F5344CB8AC3E}">
+        <p14:creationId xmlns:p14="http://schemas.microsoft.com/office/powerpoint/2010/main" val="2104372958"/>
+      </p:ext>
+    </p:extLst>
+  </p:cSld>
+  <p:clrMapOvr>
+    <a:masterClrMapping/>
+  </p:clrMapOvr>
+</p:notes>
+</file>
+
+<file path=ppt/notesSlides/notesSlide16.xml><?xml version="1.0" encoding="utf-8"?>
+<p:notes xmlns:a="http://schemas.openxmlformats.org/drawingml/2006/main" xmlns:r="http://schemas.openxmlformats.org/officeDocument/2006/relationships" xmlns:p="http://schemas.openxmlformats.org/presentationml/2006/main" showMasterSp="0" showMasterPhAnim="0">
+  <p:cSld>
+    <p:spTree>
+      <p:nvGrpSpPr>
+        <p:cNvPr id="1" name="Shape 389"/>
+        <p:cNvGrpSpPr/>
+        <p:nvPr/>
+      </p:nvGrpSpPr>
+      <p:grpSpPr>
+        <a:xfrm>
+          <a:off x="0" y="0"/>
+          <a:ext cx="0" cy="0"/>
+          <a:chOff x="0" y="0"/>
+          <a:chExt cx="0" cy="0"/>
+        </a:xfrm>
+      </p:grpSpPr>
+      <p:sp>
+        <p:nvSpPr>
+          <p:cNvPr id="390" name="Google Shape;390;g4151f1278a_0_3595:notes"/>
+          <p:cNvSpPr>
+            <a:spLocks noGrp="1" noRot="1" noChangeAspect="1"/>
+          </p:cNvSpPr>
+          <p:nvPr>
+            <p:ph type="sldImg" idx="2"/>
+          </p:nvPr>
+        </p:nvSpPr>
+        <p:spPr>
+          <a:xfrm>
+            <a:off x="381000" y="685800"/>
+            <a:ext cx="6096000" cy="3429000"/>
+          </a:xfrm>
+          <a:custGeom>
+            <a:avLst/>
+            <a:gdLst/>
+            <a:ahLst/>
+            <a:cxnLst/>
+            <a:rect l="l" t="t" r="r" b="b"/>
+            <a:pathLst>
+              <a:path w="120000" h="120000" extrusionOk="0">
+                <a:moveTo>
+                  <a:pt x="0" y="0"/>
+                </a:moveTo>
+                <a:lnTo>
+                  <a:pt x="120000" y="0"/>
+                </a:lnTo>
+                <a:lnTo>
+                  <a:pt x="120000" y="120000"/>
+                </a:lnTo>
+                <a:lnTo>
+                  <a:pt x="0" y="120000"/>
+                </a:lnTo>
+                <a:close/>
+              </a:path>
+            </a:pathLst>
+          </a:custGeom>
+        </p:spPr>
+      </p:sp>
+      <p:sp>
+        <p:nvSpPr>
+          <p:cNvPr id="391" name="Google Shape;391;g4151f1278a_0_3595:notes"/>
+          <p:cNvSpPr txBox="1">
+            <a:spLocks noGrp="1"/>
+          </p:cNvSpPr>
+          <p:nvPr>
+            <p:ph type="body" idx="1"/>
+          </p:nvPr>
+        </p:nvSpPr>
+        <p:spPr>
+          <a:xfrm>
+            <a:off x="685800" y="4343400"/>
+            <a:ext cx="5486400" cy="4114800"/>
+          </a:xfrm>
+          <a:prstGeom prst="rect">
+            <a:avLst/>
+          </a:prstGeom>
+        </p:spPr>
+        <p:txBody>
+          <a:bodyPr spcFirstLastPara="1" wrap="square" lIns="91425" tIns="91425" rIns="91425" bIns="91425" anchor="t" anchorCtr="0">
+            <a:noAutofit/>
+          </a:bodyPr>
+          <a:lstStyle/>
+          <a:p>
+            <a:pPr marL="0" lvl="0" indent="0" algn="l" rtl="0">
+              <a:spcBef>
+                <a:spcPts val="0"/>
+              </a:spcBef>
+              <a:spcAft>
+                <a:spcPts val="0"/>
+              </a:spcAft>
+              <a:buNone/>
+            </a:pPr>
+            <a:r>
+              <a:rPr lang="en-US" dirty="0"/>
+              <a:t>Bonini new slide</a:t>
+            </a:r>
+            <a:endParaRPr dirty="0"/>
+          </a:p>
+        </p:txBody>
+      </p:sp>
+    </p:spTree>
+    <p:extLst>
+      <p:ext uri="{BB962C8B-B14F-4D97-AF65-F5344CB8AC3E}">
+        <p14:creationId xmlns:p14="http://schemas.microsoft.com/office/powerpoint/2010/main" val="4260065546"/>
+      </p:ext>
+    </p:extLst>
+  </p:cSld>
+  <p:clrMapOvr>
+    <a:masterClrMapping/>
+  </p:clrMapOvr>
+</p:notes>
+</file>
+
+<file path=ppt/notesSlides/notesSlide17.xml><?xml version="1.0" encoding="utf-8"?>
+<p:notes xmlns:a="http://schemas.openxmlformats.org/drawingml/2006/main" xmlns:r="http://schemas.openxmlformats.org/officeDocument/2006/relationships" xmlns:p="http://schemas.openxmlformats.org/presentationml/2006/main" showMasterSp="0" showMasterPhAnim="0">
+  <p:cSld>
+    <p:spTree>
+      <p:nvGrpSpPr>
+        <p:cNvPr id="1" name="Shape 389"/>
+        <p:cNvGrpSpPr/>
+        <p:nvPr/>
+      </p:nvGrpSpPr>
+      <p:grpSpPr>
+        <a:xfrm>
+          <a:off x="0" y="0"/>
+          <a:ext cx="0" cy="0"/>
+          <a:chOff x="0" y="0"/>
+          <a:chExt cx="0" cy="0"/>
+        </a:xfrm>
+      </p:grpSpPr>
+      <p:sp>
+        <p:nvSpPr>
+          <p:cNvPr id="390" name="Google Shape;390;g4151f1278a_0_3595:notes"/>
+          <p:cNvSpPr>
+            <a:spLocks noGrp="1" noRot="1" noChangeAspect="1"/>
+          </p:cNvSpPr>
+          <p:nvPr>
+            <p:ph type="sldImg" idx="2"/>
+          </p:nvPr>
+        </p:nvSpPr>
+        <p:spPr>
+          <a:xfrm>
+            <a:off x="381000" y="685800"/>
+            <a:ext cx="6096000" cy="3429000"/>
+          </a:xfrm>
+          <a:custGeom>
+            <a:avLst/>
+            <a:gdLst/>
+            <a:ahLst/>
+            <a:cxnLst/>
+            <a:rect l="l" t="t" r="r" b="b"/>
+            <a:pathLst>
+              <a:path w="120000" h="120000" extrusionOk="0">
+                <a:moveTo>
+                  <a:pt x="0" y="0"/>
+                </a:moveTo>
+                <a:lnTo>
+                  <a:pt x="120000" y="0"/>
+                </a:lnTo>
+                <a:lnTo>
+                  <a:pt x="120000" y="120000"/>
+                </a:lnTo>
+                <a:lnTo>
+                  <a:pt x="0" y="120000"/>
+                </a:lnTo>
+                <a:close/>
+              </a:path>
+            </a:pathLst>
+          </a:custGeom>
+        </p:spPr>
+      </p:sp>
+      <p:sp>
+        <p:nvSpPr>
+          <p:cNvPr id="391" name="Google Shape;391;g4151f1278a_0_3595:notes"/>
+          <p:cNvSpPr txBox="1">
+            <a:spLocks noGrp="1"/>
+          </p:cNvSpPr>
+          <p:nvPr>
+            <p:ph type="body" idx="1"/>
+          </p:nvPr>
+        </p:nvSpPr>
+        <p:spPr>
+          <a:xfrm>
+            <a:off x="685800" y="4343400"/>
+            <a:ext cx="5486400" cy="4114800"/>
+          </a:xfrm>
+          <a:prstGeom prst="rect">
+            <a:avLst/>
+          </a:prstGeom>
+        </p:spPr>
+        <p:txBody>
+          <a:bodyPr spcFirstLastPara="1" wrap="square" lIns="91425" tIns="91425" rIns="91425" bIns="91425" anchor="t" anchorCtr="0">
+            <a:noAutofit/>
+          </a:bodyPr>
+          <a:lstStyle/>
+          <a:p>
+            <a:pPr marL="0" lvl="0" indent="0" algn="l" rtl="0">
+              <a:spcBef>
+                <a:spcPts val="0"/>
+              </a:spcBef>
+              <a:spcAft>
+                <a:spcPts val="0"/>
+              </a:spcAft>
+              <a:buNone/>
+            </a:pPr>
+            <a:r>
+              <a:rPr lang="en-US" dirty="0"/>
+              <a:t>Bonini new slide</a:t>
+            </a:r>
+            <a:endParaRPr dirty="0"/>
+          </a:p>
+        </p:txBody>
+      </p:sp>
+    </p:spTree>
+    <p:extLst>
+      <p:ext uri="{BB962C8B-B14F-4D97-AF65-F5344CB8AC3E}">
+        <p14:creationId xmlns:p14="http://schemas.microsoft.com/office/powerpoint/2010/main" val="2084030542"/>
+      </p:ext>
+    </p:extLst>
+  </p:cSld>
+  <p:clrMapOvr>
+    <a:masterClrMapping/>
+  </p:clrMapOvr>
+</p:notes>
+</file>
+
+<file path=ppt/notesSlides/notesSlide18.xml><?xml version="1.0" encoding="utf-8"?>
 <p:notes xmlns:a="http://schemas.openxmlformats.org/drawingml/2006/main" xmlns:r="http://schemas.openxmlformats.org/officeDocument/2006/relationships" xmlns:p="http://schemas.openxmlformats.org/presentationml/2006/main" showMasterSp="0" showMasterPhAnim="0">
   <p:cSld>
     <p:spTree>
@@ -8751,7 +9228,7 @@
 </p:notes>
 </file>
 
-<file path=ppt/notesSlides/notesSlide15.xml><?xml version="1.0" encoding="utf-8"?>
+<file path=ppt/notesSlides/notesSlide19.xml><?xml version="1.0" encoding="utf-8"?>
 <p:notes xmlns:a="http://schemas.openxmlformats.org/drawingml/2006/main" xmlns:r="http://schemas.openxmlformats.org/officeDocument/2006/relationships" xmlns:p="http://schemas.openxmlformats.org/presentationml/2006/main" showMasterSp="0" showMasterPhAnim="0">
   <p:cSld>
     <p:spTree>
@@ -8986,7 +9463,10 @@
           <a:bodyPr/>
           <a:lstStyle/>
           <a:p>
-            <a:endParaRPr lang="en-US" dirty="0"/>
+            <a:r>
+              <a:rPr lang="en-US" dirty="0"/>
+              <a:t>DEFINITIONS - BONINI</a:t>
+            </a:r>
           </a:p>
         </p:txBody>
       </p:sp>
@@ -9156,7 +9636,10 @@
           <a:bodyPr/>
           <a:lstStyle/>
           <a:p>
-            <a:endParaRPr lang="en-US" dirty="0"/>
+            <a:r>
+              <a:rPr lang="en-US" dirty="0"/>
+              <a:t>DREW</a:t>
+            </a:r>
           </a:p>
         </p:txBody>
       </p:sp>
@@ -9400,7 +9883,11 @@
               </a:spcAft>
               <a:buNone/>
             </a:pPr>
-            <a:endParaRPr/>
+            <a:r>
+              <a:rPr lang="en-US" dirty="0"/>
+              <a:t>Melissa</a:t>
+            </a:r>
+            <a:endParaRPr dirty="0"/>
           </a:p>
         </p:txBody>
       </p:sp>
@@ -9504,7 +9991,11 @@
               </a:spcAft>
               <a:buNone/>
             </a:pPr>
-            <a:endParaRPr/>
+            <a:r>
+              <a:rPr lang="en-US" dirty="0"/>
+              <a:t>Melissa</a:t>
+            </a:r>
+            <a:endParaRPr dirty="0"/>
           </a:p>
         </p:txBody>
       </p:sp>
@@ -9521,7 +10012,7 @@
   <p:cSld>
     <p:spTree>
       <p:nvGrpSpPr>
-        <p:cNvPr id="1" name="Shape 366"/>
+        <p:cNvPr id="1" name="Shape 389"/>
         <p:cNvGrpSpPr/>
         <p:nvPr/>
       </p:nvGrpSpPr>
@@ -9535,7 +10026,7 @@
       </p:grpSpPr>
       <p:sp>
         <p:nvSpPr>
-          <p:cNvPr id="367" name="Google Shape;367;g4151f1278a_0_3564:notes"/>
+          <p:cNvPr id="390" name="Google Shape;390;g4151f1278a_0_3595:notes"/>
           <p:cNvSpPr>
             <a:spLocks noGrp="1" noRot="1" noChangeAspect="1"/>
           </p:cNvSpPr>
@@ -9576,7 +10067,7 @@
       </p:sp>
       <p:sp>
         <p:nvSpPr>
-          <p:cNvPr id="368" name="Google Shape;368;g4151f1278a_0_3564:notes"/>
+          <p:cNvPr id="391" name="Google Shape;391;g4151f1278a_0_3595:notes"/>
           <p:cNvSpPr txBox="1">
             <a:spLocks noGrp="1"/>
           </p:cNvSpPr>
@@ -9608,11 +10099,20 @@
               </a:spcAft>
               <a:buNone/>
             </a:pPr>
-            <a:endParaRPr/>
+            <a:r>
+              <a:rPr lang="en-US" dirty="0"/>
+              <a:t>Melissa time analysis</a:t>
+            </a:r>
+            <a:endParaRPr dirty="0"/>
           </a:p>
         </p:txBody>
       </p:sp>
     </p:spTree>
+    <p:extLst>
+      <p:ext uri="{BB962C8B-B14F-4D97-AF65-F5344CB8AC3E}">
+        <p14:creationId xmlns:p14="http://schemas.microsoft.com/office/powerpoint/2010/main" val="513599162"/>
+      </p:ext>
+    </p:extLst>
   </p:cSld>
   <p:clrMapOvr>
     <a:masterClrMapping/>
@@ -25504,6 +26004,654 @@
   <p:cSld>
     <p:spTree>
       <p:nvGrpSpPr>
+        <p:cNvPr id="1" name="Shape 392"/>
+        <p:cNvGrpSpPr/>
+        <p:nvPr/>
+      </p:nvGrpSpPr>
+      <p:grpSpPr>
+        <a:xfrm>
+          <a:off x="0" y="0"/>
+          <a:ext cx="0" cy="0"/>
+          <a:chOff x="0" y="0"/>
+          <a:chExt cx="0" cy="0"/>
+        </a:xfrm>
+      </p:grpSpPr>
+      <p:sp>
+        <p:nvSpPr>
+          <p:cNvPr id="393" name="Google Shape;393;p21"/>
+          <p:cNvSpPr txBox="1"/>
+          <p:nvPr/>
+        </p:nvSpPr>
+        <p:spPr>
+          <a:xfrm>
+            <a:off x="615400" y="520596"/>
+            <a:ext cx="7589400" cy="476520"/>
+          </a:xfrm>
+          <a:prstGeom prst="rect">
+            <a:avLst/>
+          </a:prstGeom>
+          <a:noFill/>
+          <a:ln>
+            <a:noFill/>
+          </a:ln>
+        </p:spPr>
+        <p:txBody>
+          <a:bodyPr spcFirstLastPara="1" wrap="square" lIns="91425" tIns="91425" rIns="91425" bIns="91425" anchor="ctr" anchorCtr="0">
+            <a:noAutofit/>
+          </a:bodyPr>
+          <a:lstStyle/>
+          <a:p>
+            <a:pPr marL="457200" lvl="0" indent="-342900" algn="l" rtl="0">
+              <a:lnSpc>
+                <a:spcPct val="115000"/>
+              </a:lnSpc>
+              <a:spcBef>
+                <a:spcPts val="1100"/>
+              </a:spcBef>
+              <a:spcAft>
+                <a:spcPts val="0"/>
+              </a:spcAft>
+              <a:buClr>
+                <a:schemeClr val="dk2"/>
+              </a:buClr>
+              <a:buSzPts val="1800"/>
+              <a:buFont typeface="Oswald"/>
+              <a:buChar char="●"/>
+            </a:pPr>
+            <a:r>
+              <a:rPr lang="en" sz="1600" dirty="0">
+                <a:ea typeface="Oswald"/>
+                <a:cs typeface="Oswald"/>
+                <a:sym typeface="Oswald"/>
+              </a:rPr>
+              <a:t>Effect of </a:t>
+            </a:r>
+            <a:r>
+              <a:rPr lang="en-US" sz="1600" dirty="0">
+                <a:ea typeface="Oswald"/>
+                <a:cs typeface="Oswald"/>
+                <a:sym typeface="Oswald"/>
+              </a:rPr>
+              <a:t>XX</a:t>
+            </a:r>
+            <a:endParaRPr sz="1200" dirty="0"/>
+          </a:p>
+        </p:txBody>
+      </p:sp>
+      <p:sp>
+        <p:nvSpPr>
+          <p:cNvPr id="395" name="Google Shape;395;p21"/>
+          <p:cNvSpPr txBox="1">
+            <a:spLocks noGrp="1"/>
+          </p:cNvSpPr>
+          <p:nvPr>
+            <p:ph type="title"/>
+          </p:nvPr>
+        </p:nvSpPr>
+        <p:spPr>
+          <a:xfrm>
+            <a:off x="342900" y="45619"/>
+            <a:ext cx="7589400" cy="738188"/>
+          </a:xfrm>
+          <a:prstGeom prst="rect">
+            <a:avLst/>
+          </a:prstGeom>
+        </p:spPr>
+        <p:txBody>
+          <a:bodyPr spcFirstLastPara="1" wrap="square" lIns="91425" tIns="91425" rIns="91425" bIns="91425" anchor="t" anchorCtr="0">
+            <a:noAutofit/>
+          </a:bodyPr>
+          <a:lstStyle/>
+          <a:p>
+            <a:pPr marL="0" lvl="0" indent="0" algn="l" rtl="0">
+              <a:spcBef>
+                <a:spcPts val="0"/>
+              </a:spcBef>
+              <a:spcAft>
+                <a:spcPts val="0"/>
+              </a:spcAft>
+              <a:buNone/>
+            </a:pPr>
+            <a:r>
+              <a:rPr lang="en" sz="2400" dirty="0">
+                <a:solidFill>
+                  <a:schemeClr val="accent3"/>
+                </a:solidFill>
+              </a:rPr>
+              <a:t>Popular </a:t>
+            </a:r>
+            <a:r>
+              <a:rPr lang="en-US" sz="2400" dirty="0">
+                <a:solidFill>
+                  <a:schemeClr val="accent3"/>
+                </a:solidFill>
+              </a:rPr>
+              <a:t>SERVICE</a:t>
+            </a:r>
+            <a:r>
+              <a:rPr lang="en" sz="2400" dirty="0">
+                <a:solidFill>
+                  <a:schemeClr val="accent3"/>
+                </a:solidFill>
+              </a:rPr>
+              <a:t> Types Trends Over the Years</a:t>
+            </a:r>
+            <a:endParaRPr sz="2400" dirty="0">
+              <a:solidFill>
+                <a:schemeClr val="accent3"/>
+              </a:solidFill>
+            </a:endParaRPr>
+          </a:p>
+        </p:txBody>
+      </p:sp>
+      <p:sp>
+        <p:nvSpPr>
+          <p:cNvPr id="7" name="TextBox 6">
+            <a:extLst>
+              <a:ext uri="{FF2B5EF4-FFF2-40B4-BE49-F238E27FC236}">
+                <a16:creationId xmlns:a16="http://schemas.microsoft.com/office/drawing/2014/main" id="{B7A545EB-7BDE-4857-B851-676579F641B7}"/>
+              </a:ext>
+            </a:extLst>
+          </p:cNvPr>
+          <p:cNvSpPr txBox="1"/>
+          <p:nvPr/>
+        </p:nvSpPr>
+        <p:spPr>
+          <a:xfrm rot="20071474">
+            <a:off x="-63497" y="426974"/>
+            <a:ext cx="3596476" cy="523220"/>
+          </a:xfrm>
+          <a:prstGeom prst="rect">
+            <a:avLst/>
+          </a:prstGeom>
+          <a:noFill/>
+        </p:spPr>
+        <p:txBody>
+          <a:bodyPr wrap="square" rtlCol="0">
+            <a:spAutoFit/>
+          </a:bodyPr>
+          <a:lstStyle/>
+          <a:p>
+            <a:r>
+              <a:rPr lang="en-US" sz="2800" dirty="0">
+                <a:solidFill>
+                  <a:srgbClr val="FF0000"/>
+                </a:solidFill>
+              </a:rPr>
+              <a:t>Prototype| Dummy</a:t>
+            </a:r>
+          </a:p>
+        </p:txBody>
+      </p:sp>
+    </p:spTree>
+    <p:extLst>
+      <p:ext uri="{BB962C8B-B14F-4D97-AF65-F5344CB8AC3E}">
+        <p14:creationId xmlns:p14="http://schemas.microsoft.com/office/powerpoint/2010/main" val="2240420440"/>
+      </p:ext>
+    </p:extLst>
+  </p:cSld>
+  <p:clrMapOvr>
+    <a:masterClrMapping/>
+  </p:clrMapOvr>
+  <mc:AlternateContent xmlns:mc="http://schemas.openxmlformats.org/markup-compatibility/2006" xmlns:p14="http://schemas.microsoft.com/office/powerpoint/2010/main">
+    <mc:Choice Requires="p14">
+      <p:transition spd="med" p14:dur="700">
+        <p:fade/>
+      </p:transition>
+    </mc:Choice>
+    <mc:Fallback xmlns="">
+      <p:transition spd="med">
+        <p:fade/>
+      </p:transition>
+    </mc:Fallback>
+  </mc:AlternateContent>
+</p:sld>
+</file>
+
+<file path=ppt/slides/slide11.xml><?xml version="1.0" encoding="utf-8"?>
+<p:sld xmlns:a="http://schemas.openxmlformats.org/drawingml/2006/main" xmlns:r="http://schemas.openxmlformats.org/officeDocument/2006/relationships" xmlns:p="http://schemas.openxmlformats.org/presentationml/2006/main">
+  <p:cSld>
+    <p:spTree>
+      <p:nvGrpSpPr>
+        <p:cNvPr id="1" name=""/>
+        <p:cNvGrpSpPr/>
+        <p:nvPr/>
+      </p:nvGrpSpPr>
+      <p:grpSpPr>
+        <a:xfrm>
+          <a:off x="0" y="0"/>
+          <a:ext cx="0" cy="0"/>
+          <a:chOff x="0" y="0"/>
+          <a:chExt cx="0" cy="0"/>
+        </a:xfrm>
+      </p:grpSpPr>
+      <p:sp>
+        <p:nvSpPr>
+          <p:cNvPr id="4" name="Title 3">
+            <a:extLst>
+              <a:ext uri="{FF2B5EF4-FFF2-40B4-BE49-F238E27FC236}">
+                <a16:creationId xmlns:a16="http://schemas.microsoft.com/office/drawing/2014/main" id="{EDCA3053-DFCB-4FE1-A863-F6BC417E7BFD}"/>
+              </a:ext>
+            </a:extLst>
+          </p:cNvPr>
+          <p:cNvSpPr>
+            <a:spLocks noGrp="1"/>
+          </p:cNvSpPr>
+          <p:nvPr>
+            <p:ph type="title"/>
+          </p:nvPr>
+        </p:nvSpPr>
+        <p:spPr/>
+        <p:txBody>
+          <a:bodyPr/>
+          <a:lstStyle/>
+          <a:p>
+            <a:r>
+              <a:rPr lang="en-US" dirty="0" err="1"/>
+              <a:t>nadia</a:t>
+            </a:r>
+            <a:endParaRPr lang="en-US" dirty="0"/>
+          </a:p>
+        </p:txBody>
+      </p:sp>
+      <p:sp>
+        <p:nvSpPr>
+          <p:cNvPr id="5" name="Text Placeholder 4">
+            <a:extLst>
+              <a:ext uri="{FF2B5EF4-FFF2-40B4-BE49-F238E27FC236}">
+                <a16:creationId xmlns:a16="http://schemas.microsoft.com/office/drawing/2014/main" id="{7CF91537-CF6E-40B4-AC90-5B25FF0D6CE7}"/>
+              </a:ext>
+            </a:extLst>
+          </p:cNvPr>
+          <p:cNvSpPr>
+            <a:spLocks noGrp="1"/>
+          </p:cNvSpPr>
+          <p:nvPr>
+            <p:ph type="body" idx="1"/>
+          </p:nvPr>
+        </p:nvSpPr>
+        <p:spPr/>
+        <p:txBody>
+          <a:bodyPr/>
+          <a:lstStyle/>
+          <a:p>
+            <a:endParaRPr lang="en-US"/>
+          </a:p>
+        </p:txBody>
+      </p:sp>
+      <p:sp>
+        <p:nvSpPr>
+          <p:cNvPr id="6" name="Picture Placeholder 5">
+            <a:extLst>
+              <a:ext uri="{FF2B5EF4-FFF2-40B4-BE49-F238E27FC236}">
+                <a16:creationId xmlns:a16="http://schemas.microsoft.com/office/drawing/2014/main" id="{0E67CBDD-32E4-4DA6-B640-8BFCB5F70858}"/>
+              </a:ext>
+            </a:extLst>
+          </p:cNvPr>
+          <p:cNvSpPr>
+            <a:spLocks noGrp="1"/>
+          </p:cNvSpPr>
+          <p:nvPr>
+            <p:ph type="pic" sz="quarter" idx="13"/>
+          </p:nvPr>
+        </p:nvSpPr>
+        <p:spPr/>
+      </p:sp>
+    </p:spTree>
+    <p:extLst>
+      <p:ext uri="{BB962C8B-B14F-4D97-AF65-F5344CB8AC3E}">
+        <p14:creationId xmlns:p14="http://schemas.microsoft.com/office/powerpoint/2010/main" val="4131436084"/>
+      </p:ext>
+    </p:extLst>
+  </p:cSld>
+  <p:clrMapOvr>
+    <a:masterClrMapping/>
+  </p:clrMapOvr>
+  <mc:AlternateContent xmlns:mc="http://schemas.openxmlformats.org/markup-compatibility/2006" xmlns:p14="http://schemas.microsoft.com/office/powerpoint/2010/main">
+    <mc:Choice Requires="p14">
+      <p:transition spd="med" p14:dur="700">
+        <p:fade/>
+      </p:transition>
+    </mc:Choice>
+    <mc:Fallback xmlns="">
+      <p:transition spd="med">
+        <p:fade/>
+      </p:transition>
+    </mc:Fallback>
+  </mc:AlternateContent>
+</p:sld>
+</file>
+
+<file path=ppt/slides/slide12.xml><?xml version="1.0" encoding="utf-8"?>
+<p:sld xmlns:a="http://schemas.openxmlformats.org/drawingml/2006/main" xmlns:r="http://schemas.openxmlformats.org/officeDocument/2006/relationships" xmlns:p="http://schemas.openxmlformats.org/presentationml/2006/main">
+  <p:cSld>
+    <p:spTree>
+      <p:nvGrpSpPr>
+        <p:cNvPr id="1" name="Shape 369"/>
+        <p:cNvGrpSpPr/>
+        <p:nvPr/>
+      </p:nvGrpSpPr>
+      <p:grpSpPr>
+        <a:xfrm>
+          <a:off x="0" y="0"/>
+          <a:ext cx="0" cy="0"/>
+          <a:chOff x="0" y="0"/>
+          <a:chExt cx="0" cy="0"/>
+        </a:xfrm>
+      </p:grpSpPr>
+      <p:sp>
+        <p:nvSpPr>
+          <p:cNvPr id="370" name="Google Shape;370;p18"/>
+          <p:cNvSpPr txBox="1">
+            <a:spLocks noGrp="1"/>
+          </p:cNvSpPr>
+          <p:nvPr>
+            <p:ph type="title"/>
+          </p:nvPr>
+        </p:nvSpPr>
+        <p:spPr>
+          <a:xfrm>
+            <a:off x="160020" y="130492"/>
+            <a:ext cx="5715000" cy="738188"/>
+          </a:xfrm>
+          <a:prstGeom prst="rect">
+            <a:avLst/>
+          </a:prstGeom>
+        </p:spPr>
+        <p:txBody>
+          <a:bodyPr spcFirstLastPara="1" wrap="square" lIns="91425" tIns="91425" rIns="91425" bIns="91425" anchor="t" anchorCtr="0">
+            <a:noAutofit/>
+          </a:bodyPr>
+          <a:lstStyle/>
+          <a:p>
+            <a:pPr lvl="0">
+              <a:spcBef>
+                <a:spcPts val="0"/>
+              </a:spcBef>
+            </a:pPr>
+            <a:r>
+              <a:rPr lang="en-US" sz="2000" i="1" dirty="0">
+                <a:solidFill>
+                  <a:srgbClr val="1CC997"/>
+                </a:solidFill>
+                <a:ea typeface="Oswald"/>
+                <a:cs typeface="Oswald"/>
+                <a:sym typeface="Oswald"/>
+              </a:rPr>
+              <a:t>PyHR </a:t>
+            </a:r>
+            <a:r>
+              <a:rPr lang="en-US" sz="2000" dirty="0">
+                <a:solidFill>
+                  <a:schemeClr val="accent3"/>
+                </a:solidFill>
+                <a:sym typeface="Oswald"/>
+              </a:rPr>
+              <a:t>Services</a:t>
+            </a:r>
+            <a:r>
+              <a:rPr lang="en" sz="2000" dirty="0">
+                <a:solidFill>
+                  <a:schemeClr val="accent3"/>
+                </a:solidFill>
+              </a:rPr>
+              <a:t> Variation by Time and Day</a:t>
+            </a:r>
+            <a:endParaRPr sz="2000" dirty="0">
+              <a:solidFill>
+                <a:schemeClr val="accent3"/>
+              </a:solidFill>
+            </a:endParaRPr>
+          </a:p>
+        </p:txBody>
+      </p:sp>
+      <p:sp>
+        <p:nvSpPr>
+          <p:cNvPr id="371" name="Google Shape;371;p18"/>
+          <p:cNvSpPr txBox="1"/>
+          <p:nvPr/>
+        </p:nvSpPr>
+        <p:spPr>
+          <a:xfrm>
+            <a:off x="0" y="1046250"/>
+            <a:ext cx="4650900" cy="2208000"/>
+          </a:xfrm>
+          <a:prstGeom prst="rect">
+            <a:avLst/>
+          </a:prstGeom>
+          <a:noFill/>
+          <a:ln>
+            <a:noFill/>
+          </a:ln>
+        </p:spPr>
+        <p:txBody>
+          <a:bodyPr spcFirstLastPara="1" wrap="square" lIns="91425" tIns="91425" rIns="91425" bIns="91425" anchor="t" anchorCtr="0">
+            <a:noAutofit/>
+          </a:bodyPr>
+          <a:lstStyle/>
+          <a:p>
+            <a:pPr marL="400050" lvl="0" indent="-285750" algn="l" rtl="0">
+              <a:spcBef>
+                <a:spcPts val="0"/>
+              </a:spcBef>
+              <a:spcAft>
+                <a:spcPts val="0"/>
+              </a:spcAft>
+              <a:buSzPts val="1800"/>
+              <a:buFont typeface="Arial" panose="020B0604020202020204" pitchFamily="34" charset="0"/>
+              <a:buChar char="•"/>
+            </a:pPr>
+            <a:r>
+              <a:rPr lang="en" sz="1800" dirty="0">
+                <a:ea typeface="Oswald"/>
+                <a:cs typeface="Oswald"/>
+                <a:sym typeface="Oswald"/>
+              </a:rPr>
+              <a:t>There is a  spike in </a:t>
+            </a:r>
+            <a:r>
+              <a:rPr lang="en-US" sz="1800" dirty="0">
+                <a:ea typeface="Oswald"/>
+                <a:cs typeface="Oswald"/>
+                <a:sym typeface="Oswald"/>
+              </a:rPr>
+              <a:t>services </a:t>
+            </a:r>
+            <a:r>
+              <a:rPr lang="en" sz="1800" dirty="0">
+                <a:ea typeface="Oswald"/>
+                <a:cs typeface="Oswald"/>
+                <a:sym typeface="Oswald"/>
+              </a:rPr>
+              <a:t>usage on weekdays during the hours of 8:00am , 12:00pm and 5:00pm </a:t>
+            </a:r>
+            <a:endParaRPr sz="1800" dirty="0">
+              <a:ea typeface="Oswald"/>
+              <a:cs typeface="Oswald"/>
+              <a:sym typeface="Oswald"/>
+            </a:endParaRPr>
+          </a:p>
+          <a:p>
+            <a:pPr marL="400050" lvl="0" indent="-285750" algn="l" rtl="0">
+              <a:spcBef>
+                <a:spcPts val="0"/>
+              </a:spcBef>
+              <a:spcAft>
+                <a:spcPts val="0"/>
+              </a:spcAft>
+              <a:buSzPts val="1800"/>
+              <a:buFont typeface="Arial" panose="020B0604020202020204" pitchFamily="34" charset="0"/>
+              <a:buChar char="•"/>
+            </a:pPr>
+            <a:r>
+              <a:rPr lang="en" sz="1800" dirty="0">
+                <a:ea typeface="Oswald"/>
+                <a:cs typeface="Oswald"/>
+                <a:sym typeface="Oswald"/>
+              </a:rPr>
+              <a:t>During Friday and weekends the </a:t>
+            </a:r>
+            <a:r>
+              <a:rPr lang="en-US" sz="1800" dirty="0">
+                <a:ea typeface="Oswald"/>
+                <a:cs typeface="Oswald"/>
+                <a:sym typeface="Oswald"/>
+              </a:rPr>
+              <a:t>service</a:t>
+            </a:r>
+            <a:r>
+              <a:rPr lang="en" sz="1800" dirty="0">
+                <a:ea typeface="Oswald"/>
+                <a:cs typeface="Oswald"/>
+                <a:sym typeface="Oswald"/>
+              </a:rPr>
+              <a:t> usage increases between 12:00pm to 5:00pm </a:t>
+            </a:r>
+            <a:endParaRPr sz="1800" dirty="0">
+              <a:ea typeface="Oswald"/>
+              <a:cs typeface="Oswald"/>
+              <a:sym typeface="Oswald"/>
+            </a:endParaRPr>
+          </a:p>
+          <a:p>
+            <a:pPr marL="400050" lvl="0" indent="-285750" algn="l" rtl="0">
+              <a:spcBef>
+                <a:spcPts val="0"/>
+              </a:spcBef>
+              <a:spcAft>
+                <a:spcPts val="0"/>
+              </a:spcAft>
+              <a:buSzPts val="1800"/>
+              <a:buFont typeface="Arial" panose="020B0604020202020204" pitchFamily="34" charset="0"/>
+              <a:buChar char="•"/>
+            </a:pPr>
+            <a:r>
+              <a:rPr lang="en" sz="1800" dirty="0">
+                <a:ea typeface="Oswald"/>
+                <a:cs typeface="Oswald"/>
+                <a:sym typeface="Oswald"/>
+              </a:rPr>
+              <a:t>Monday also has a fair amount of usage throughout the entire day.</a:t>
+            </a:r>
+            <a:endParaRPr sz="1800" dirty="0">
+              <a:ea typeface="Oswald"/>
+              <a:cs typeface="Oswald"/>
+              <a:sym typeface="Oswald"/>
+            </a:endParaRPr>
+          </a:p>
+          <a:p>
+            <a:pPr marL="1200150" lvl="0" indent="-285750" algn="l" rtl="0">
+              <a:spcBef>
+                <a:spcPts val="0"/>
+              </a:spcBef>
+              <a:spcAft>
+                <a:spcPts val="0"/>
+              </a:spcAft>
+              <a:buFont typeface="Arial" panose="020B0604020202020204" pitchFamily="34" charset="0"/>
+              <a:buChar char="•"/>
+            </a:pPr>
+            <a:endParaRPr sz="1800" dirty="0">
+              <a:ea typeface="Oswald"/>
+              <a:cs typeface="Oswald"/>
+              <a:sym typeface="Oswald"/>
+            </a:endParaRPr>
+          </a:p>
+        </p:txBody>
+      </p:sp>
+      <p:sp>
+        <p:nvSpPr>
+          <p:cNvPr id="6" name="TextBox 5">
+            <a:extLst>
+              <a:ext uri="{FF2B5EF4-FFF2-40B4-BE49-F238E27FC236}">
+                <a16:creationId xmlns:a16="http://schemas.microsoft.com/office/drawing/2014/main" id="{B12F0636-DF24-4239-A1E0-752A0540FDEB}"/>
+              </a:ext>
+            </a:extLst>
+          </p:cNvPr>
+          <p:cNvSpPr txBox="1"/>
+          <p:nvPr/>
+        </p:nvSpPr>
+        <p:spPr>
+          <a:xfrm rot="20071474">
+            <a:off x="-63497" y="426974"/>
+            <a:ext cx="3596476" cy="523220"/>
+          </a:xfrm>
+          <a:prstGeom prst="rect">
+            <a:avLst/>
+          </a:prstGeom>
+          <a:noFill/>
+        </p:spPr>
+        <p:txBody>
+          <a:bodyPr wrap="square" rtlCol="0">
+            <a:spAutoFit/>
+          </a:bodyPr>
+          <a:lstStyle/>
+          <a:p>
+            <a:r>
+              <a:rPr lang="en-US" sz="2800" dirty="0">
+                <a:solidFill>
+                  <a:srgbClr val="FF0000"/>
+                </a:solidFill>
+              </a:rPr>
+              <a:t>Prototype| Dummy</a:t>
+            </a:r>
+          </a:p>
+        </p:txBody>
+      </p:sp>
+      <p:pic>
+        <p:nvPicPr>
+          <p:cNvPr id="3" name="Picture 2">
+            <a:extLst>
+              <a:ext uri="{FF2B5EF4-FFF2-40B4-BE49-F238E27FC236}">
+                <a16:creationId xmlns:a16="http://schemas.microsoft.com/office/drawing/2014/main" id="{598BAED0-E33C-4818-9436-B576DD4DEE52}"/>
+              </a:ext>
+            </a:extLst>
+          </p:cNvPr>
+          <p:cNvPicPr>
+            <a:picLocks noChangeAspect="1"/>
+          </p:cNvPicPr>
+          <p:nvPr/>
+        </p:nvPicPr>
+        <p:blipFill>
+          <a:blip r:embed="rId3"/>
+          <a:stretch>
+            <a:fillRect/>
+          </a:stretch>
+        </p:blipFill>
+        <p:spPr>
+          <a:xfrm>
+            <a:off x="4688205" y="688584"/>
+            <a:ext cx="4295775" cy="3514725"/>
+          </a:xfrm>
+          <a:prstGeom prst="rect">
+            <a:avLst/>
+          </a:prstGeom>
+        </p:spPr>
+      </p:pic>
+    </p:spTree>
+  </p:cSld>
+  <p:clrMapOvr>
+    <a:masterClrMapping/>
+  </p:clrMapOvr>
+  <mc:AlternateContent xmlns:mc="http://schemas.openxmlformats.org/markup-compatibility/2006" xmlns:p14="http://schemas.microsoft.com/office/powerpoint/2010/main">
+    <mc:Choice Requires="p14">
+      <p:transition spd="med" p14:dur="700">
+        <p:fade/>
+      </p:transition>
+    </mc:Choice>
+    <mc:Fallback xmlns="">
+      <p:transition spd="med">
+        <p:fade/>
+      </p:transition>
+    </mc:Fallback>
+  </mc:AlternateContent>
+</p:sld>
+</file>
+
+<file path=ppt/slides/slide13.xml><?xml version="1.0" encoding="utf-8"?>
+<p:sld xmlns:a="http://schemas.openxmlformats.org/drawingml/2006/main" xmlns:r="http://schemas.openxmlformats.org/officeDocument/2006/relationships" xmlns:p="http://schemas.openxmlformats.org/presentationml/2006/main">
+  <p:cSld>
+    <p:spTree>
+      <p:nvGrpSpPr>
         <p:cNvPr id="1" name="Shape 376"/>
         <p:cNvGrpSpPr/>
         <p:nvPr/>
@@ -25861,7 +27009,120 @@
 </p:sld>
 </file>
 
-<file path=ppt/slides/slide11.xml><?xml version="1.0" encoding="utf-8"?>
+<file path=ppt/slides/slide14.xml><?xml version="1.0" encoding="utf-8"?>
+<p:sld xmlns:a="http://schemas.openxmlformats.org/drawingml/2006/main" xmlns:r="http://schemas.openxmlformats.org/officeDocument/2006/relationships" xmlns:p="http://schemas.openxmlformats.org/presentationml/2006/main">
+  <p:cSld>
+    <p:spTree>
+      <p:nvGrpSpPr>
+        <p:cNvPr id="1" name=""/>
+        <p:cNvGrpSpPr/>
+        <p:nvPr/>
+      </p:nvGrpSpPr>
+      <p:grpSpPr>
+        <a:xfrm>
+          <a:off x="0" y="0"/>
+          <a:ext cx="0" cy="0"/>
+          <a:chOff x="0" y="0"/>
+          <a:chExt cx="0" cy="0"/>
+        </a:xfrm>
+      </p:grpSpPr>
+      <p:sp>
+        <p:nvSpPr>
+          <p:cNvPr id="4" name="Title 3">
+            <a:extLst>
+              <a:ext uri="{FF2B5EF4-FFF2-40B4-BE49-F238E27FC236}">
+                <a16:creationId xmlns:a16="http://schemas.microsoft.com/office/drawing/2014/main" id="{EDCA3053-DFCB-4FE1-A863-F6BC417E7BFD}"/>
+              </a:ext>
+            </a:extLst>
+          </p:cNvPr>
+          <p:cNvSpPr>
+            <a:spLocks noGrp="1"/>
+          </p:cNvSpPr>
+          <p:nvPr>
+            <p:ph type="title"/>
+          </p:nvPr>
+        </p:nvSpPr>
+        <p:spPr/>
+        <p:txBody>
+          <a:bodyPr/>
+          <a:lstStyle/>
+          <a:p>
+            <a:r>
+              <a:rPr lang="en-US" dirty="0"/>
+              <a:t>RICHA</a:t>
+            </a:r>
+          </a:p>
+        </p:txBody>
+      </p:sp>
+      <p:sp>
+        <p:nvSpPr>
+          <p:cNvPr id="5" name="Text Placeholder 4">
+            <a:extLst>
+              <a:ext uri="{FF2B5EF4-FFF2-40B4-BE49-F238E27FC236}">
+                <a16:creationId xmlns:a16="http://schemas.microsoft.com/office/drawing/2014/main" id="{7CF91537-CF6E-40B4-AC90-5B25FF0D6CE7}"/>
+              </a:ext>
+            </a:extLst>
+          </p:cNvPr>
+          <p:cNvSpPr>
+            <a:spLocks noGrp="1"/>
+          </p:cNvSpPr>
+          <p:nvPr>
+            <p:ph type="body" idx="1"/>
+          </p:nvPr>
+        </p:nvSpPr>
+        <p:spPr/>
+        <p:txBody>
+          <a:bodyPr/>
+          <a:lstStyle/>
+          <a:p>
+            <a:endParaRPr lang="en-US"/>
+          </a:p>
+        </p:txBody>
+      </p:sp>
+      <p:sp>
+        <p:nvSpPr>
+          <p:cNvPr id="6" name="Picture Placeholder 5">
+            <a:extLst>
+              <a:ext uri="{FF2B5EF4-FFF2-40B4-BE49-F238E27FC236}">
+                <a16:creationId xmlns:a16="http://schemas.microsoft.com/office/drawing/2014/main" id="{0E67CBDD-32E4-4DA6-B640-8BFCB5F70858}"/>
+              </a:ext>
+            </a:extLst>
+          </p:cNvPr>
+          <p:cNvSpPr>
+            <a:spLocks noGrp="1"/>
+          </p:cNvSpPr>
+          <p:nvPr>
+            <p:ph type="pic" sz="quarter" idx="13"/>
+          </p:nvPr>
+        </p:nvSpPr>
+        <p:spPr/>
+      </p:sp>
+    </p:spTree>
+    <p:extLst>
+      <p:ext uri="{BB962C8B-B14F-4D97-AF65-F5344CB8AC3E}">
+        <p14:creationId xmlns:p14="http://schemas.microsoft.com/office/powerpoint/2010/main" val="2240006789"/>
+      </p:ext>
+    </p:extLst>
+  </p:cSld>
+  <p:clrMapOvr>
+    <a:masterClrMapping/>
+  </p:clrMapOvr>
+  <mc:AlternateContent xmlns:mc="http://schemas.openxmlformats.org/markup-compatibility/2006" xmlns:p14="http://schemas.microsoft.com/office/powerpoint/2010/main">
+    <mc:Choice Requires="p14">
+      <p:transition spd="med" p14:dur="700">
+        <p:fade/>
+      </p:transition>
+    </mc:Choice>
+    <mc:Fallback xmlns="">
+      <p:transition spd="med">
+        <p:fade/>
+      </p:transition>
+    </mc:Fallback>
+  </mc:AlternateContent>
+</p:sld>
+</file>
+
+<file path=ppt/slides/slide15.xml><?xml version="1.0" encoding="utf-8"?>
 <p:sld xmlns:a="http://schemas.openxmlformats.org/drawingml/2006/main" xmlns:r="http://schemas.openxmlformats.org/officeDocument/2006/relationships" xmlns:p="http://schemas.openxmlformats.org/presentationml/2006/main">
   <p:cSld>
     <p:spTree>
@@ -26338,7 +27599,7 @@
 </p:sld>
 </file>
 
-<file path=ppt/slides/slide12.xml><?xml version="1.0" encoding="utf-8"?>
+<file path=ppt/slides/slide16.xml><?xml version="1.0" encoding="utf-8"?>
 <p:sld xmlns:a="http://schemas.openxmlformats.org/drawingml/2006/main" xmlns:r="http://schemas.openxmlformats.org/officeDocument/2006/relationships" xmlns:p="http://schemas.openxmlformats.org/presentationml/2006/main">
   <p:cSld>
     <p:spTree>
@@ -26572,12 +27833,12 @@
 </p:sld>
 </file>
 
-<file path=ppt/slides/slide13.xml><?xml version="1.0" encoding="utf-8"?>
+<file path=ppt/slides/slide17.xml><?xml version="1.0" encoding="utf-8"?>
 <p:sld xmlns:a="http://schemas.openxmlformats.org/drawingml/2006/main" xmlns:r="http://schemas.openxmlformats.org/officeDocument/2006/relationships" xmlns:p="http://schemas.openxmlformats.org/presentationml/2006/main">
   <p:cSld>
     <p:spTree>
       <p:nvGrpSpPr>
-        <p:cNvPr id="1" name="Shape 399"/>
+        <p:cNvPr id="1" name="Shape 392"/>
         <p:cNvGrpSpPr/>
         <p:nvPr/>
       </p:nvGrpSpPr>
@@ -26591,7 +27852,69 @@
       </p:grpSpPr>
       <p:sp>
         <p:nvSpPr>
-          <p:cNvPr id="400" name="Google Shape;400;p22"/>
+          <p:cNvPr id="393" name="Google Shape;393;p21"/>
+          <p:cNvSpPr txBox="1"/>
+          <p:nvPr/>
+        </p:nvSpPr>
+        <p:spPr>
+          <a:xfrm>
+            <a:off x="615400" y="520596"/>
+            <a:ext cx="7589400" cy="476520"/>
+          </a:xfrm>
+          <a:prstGeom prst="rect">
+            <a:avLst/>
+          </a:prstGeom>
+          <a:noFill/>
+          <a:ln>
+            <a:noFill/>
+          </a:ln>
+        </p:spPr>
+        <p:txBody>
+          <a:bodyPr spcFirstLastPara="1" wrap="square" lIns="91425" tIns="91425" rIns="91425" bIns="91425" anchor="ctr" anchorCtr="0">
+            <a:noAutofit/>
+          </a:bodyPr>
+          <a:lstStyle/>
+          <a:p>
+            <a:pPr marL="457200" lvl="0" indent="-342900" algn="l" rtl="0">
+              <a:lnSpc>
+                <a:spcPct val="115000"/>
+              </a:lnSpc>
+              <a:spcBef>
+                <a:spcPts val="1100"/>
+              </a:spcBef>
+              <a:spcAft>
+                <a:spcPts val="0"/>
+              </a:spcAft>
+              <a:buClr>
+                <a:schemeClr val="dk2"/>
+              </a:buClr>
+              <a:buSzPts val="1800"/>
+              <a:buFont typeface="Oswald"/>
+              <a:buChar char="●"/>
+            </a:pPr>
+            <a:r>
+              <a:rPr lang="en" sz="1600" dirty="0">
+                <a:ea typeface="Oswald"/>
+                <a:cs typeface="Oswald"/>
+                <a:sym typeface="Oswald"/>
+              </a:rPr>
+              <a:t>Effect of </a:t>
+            </a:r>
+            <a:r>
+              <a:rPr lang="en-US" sz="1600" dirty="0">
+                <a:ea typeface="Oswald"/>
+                <a:cs typeface="Oswald"/>
+                <a:sym typeface="Oswald"/>
+              </a:rPr>
+              <a:t>XX</a:t>
+            </a:r>
+            <a:endParaRPr sz="1200" dirty="0"/>
+          </a:p>
+        </p:txBody>
+      </p:sp>
+      <p:sp>
+        <p:nvSpPr>
+          <p:cNvPr id="395" name="Google Shape;395;p21"/>
           <p:cNvSpPr txBox="1">
             <a:spLocks noGrp="1"/>
           </p:cNvSpPr>
@@ -26601,8 +27924,8 @@
         </p:nvSpPr>
         <p:spPr>
           <a:xfrm>
-            <a:off x="60960" y="0"/>
-            <a:ext cx="10066020" cy="738188"/>
+            <a:off x="342900" y="45619"/>
+            <a:ext cx="7589400" cy="738188"/>
           </a:xfrm>
           <a:prstGeom prst="rect">
             <a:avLst/>
@@ -26629,7 +27952,7 @@
                   <a:schemeClr val="accent3"/>
                 </a:solidFill>
               </a:rPr>
-              <a:t>Is there a correlation between </a:t>
+              <a:t>Popular </a:t>
             </a:r>
             <a:r>
               <a:rPr lang="en-US" sz="2400" dirty="0">
@@ -26637,7 +27960,7 @@
                   <a:schemeClr val="accent3"/>
                 </a:solidFill>
               </a:rPr>
-              <a:t>HR </a:t>
+              <a:t>SERVICE</a:t>
             </a:r>
             <a:r>
               <a:rPr lang="en" sz="2400" dirty="0">
@@ -26645,142 +27968,12 @@
                   <a:schemeClr val="accent3"/>
                 </a:solidFill>
               </a:rPr>
-              <a:t>annual events and </a:t>
-            </a:r>
-            <a:r>
-              <a:rPr lang="en-US" sz="2400" dirty="0">
-                <a:solidFill>
-                  <a:schemeClr val="accent3"/>
-                </a:solidFill>
-              </a:rPr>
-              <a:t>TICKETS</a:t>
-            </a:r>
-            <a:r>
-              <a:rPr lang="en" sz="2400" dirty="0">
-                <a:solidFill>
-                  <a:schemeClr val="accent3"/>
-                </a:solidFill>
-              </a:rPr>
-              <a:t>?</a:t>
-            </a:r>
-            <a:endParaRPr dirty="0"/>
-          </a:p>
-        </p:txBody>
-      </p:sp>
-      <p:sp>
-        <p:nvSpPr>
-          <p:cNvPr id="402" name="Google Shape;402;p22"/>
-          <p:cNvSpPr txBox="1"/>
-          <p:nvPr/>
-        </p:nvSpPr>
-        <p:spPr>
-          <a:xfrm>
-            <a:off x="1159560" y="468722"/>
-            <a:ext cx="7312500" cy="816600"/>
-          </a:xfrm>
-          <a:prstGeom prst="rect">
-            <a:avLst/>
-          </a:prstGeom>
-          <a:noFill/>
-          <a:ln>
-            <a:noFill/>
-          </a:ln>
-        </p:spPr>
-        <p:txBody>
-          <a:bodyPr spcFirstLastPara="1" wrap="square" lIns="91425" tIns="91425" rIns="91425" bIns="91425" anchor="t" anchorCtr="0">
-            <a:noAutofit/>
-          </a:bodyPr>
-          <a:lstStyle/>
-          <a:p>
-            <a:pPr marL="400050" lvl="0" indent="-285750" algn="l" rtl="0">
-              <a:spcBef>
-                <a:spcPts val="0"/>
-              </a:spcBef>
-              <a:spcAft>
-                <a:spcPts val="0"/>
-              </a:spcAft>
-              <a:buSzPts val="1800"/>
-              <a:buFont typeface="Arial" panose="020B0604020202020204" pitchFamily="34" charset="0"/>
-              <a:buChar char="•"/>
-            </a:pPr>
-            <a:r>
-              <a:rPr lang="en" sz="1600" dirty="0">
-                <a:latin typeface="Oswald"/>
-                <a:ea typeface="Oswald"/>
-                <a:cs typeface="Oswald"/>
-                <a:sym typeface="Oswald"/>
-              </a:rPr>
-              <a:t>Events like RPT and </a:t>
-            </a:r>
-            <a:r>
-              <a:rPr lang="en-US" sz="1600" dirty="0">
-                <a:latin typeface="Oswald"/>
-                <a:ea typeface="Oswald"/>
-                <a:cs typeface="Oswald"/>
-                <a:sym typeface="Oswald"/>
-              </a:rPr>
-              <a:t>Goals setting</a:t>
-            </a:r>
-            <a:r>
-              <a:rPr lang="en" sz="1600" dirty="0">
-                <a:latin typeface="Oswald"/>
-                <a:ea typeface="Oswald"/>
-                <a:cs typeface="Oswald"/>
-                <a:sym typeface="Oswald"/>
-              </a:rPr>
-              <a:t> affects ridership</a:t>
-            </a:r>
-            <a:endParaRPr sz="1600" dirty="0">
-              <a:latin typeface="Oswald"/>
-              <a:ea typeface="Oswald"/>
-              <a:cs typeface="Oswald"/>
-              <a:sym typeface="Oswald"/>
-            </a:endParaRPr>
-          </a:p>
-          <a:p>
-            <a:pPr marL="400050" lvl="0" indent="-285750" algn="l" rtl="0">
-              <a:spcBef>
-                <a:spcPts val="0"/>
-              </a:spcBef>
-              <a:spcAft>
-                <a:spcPts val="0"/>
-              </a:spcAft>
-              <a:buSzPts val="1800"/>
-              <a:buFont typeface="Arial" panose="020B0604020202020204" pitchFamily="34" charset="0"/>
-              <a:buChar char="•"/>
-            </a:pPr>
-            <a:r>
-              <a:rPr lang="en" sz="1600" dirty="0">
-                <a:latin typeface="Oswald"/>
-                <a:ea typeface="Oswald"/>
-                <a:cs typeface="Oswald"/>
-                <a:sym typeface="Oswald"/>
-              </a:rPr>
-              <a:t>We can see a spike in total </a:t>
-            </a:r>
-            <a:r>
-              <a:rPr lang="en-US" sz="1600" dirty="0">
-                <a:latin typeface="Oswald"/>
-                <a:ea typeface="Oswald"/>
-                <a:cs typeface="Oswald"/>
-                <a:sym typeface="Oswald"/>
-              </a:rPr>
-              <a:t>tickets</a:t>
-            </a:r>
-            <a:r>
-              <a:rPr lang="en" sz="1600" dirty="0">
-                <a:latin typeface="Oswald"/>
-                <a:ea typeface="Oswald"/>
-                <a:cs typeface="Oswald"/>
-                <a:sym typeface="Oswald"/>
-              </a:rPr>
-              <a:t> for the months of March and October </a:t>
-            </a:r>
-            <a:endParaRPr sz="1600" dirty="0">
-              <a:latin typeface="Oswald"/>
-              <a:ea typeface="Oswald"/>
-              <a:cs typeface="Oswald"/>
-              <a:sym typeface="Oswald"/>
+              <a:t> Types Trends Over the Years</a:t>
+            </a:r>
+            <a:endParaRPr sz="2400" dirty="0">
+              <a:solidFill>
+                <a:schemeClr val="accent3"/>
+              </a:solidFill>
             </a:endParaRPr>
           </a:p>
         </p:txBody>
@@ -26790,7 +27983,7 @@
           <p:cNvPr id="3" name="Picture 2">
             <a:extLst>
               <a:ext uri="{FF2B5EF4-FFF2-40B4-BE49-F238E27FC236}">
-                <a16:creationId xmlns:a16="http://schemas.microsoft.com/office/drawing/2014/main" id="{7CDCAA0D-DC3A-4425-8721-FA4D8F62CAFC}"/>
+                <a16:creationId xmlns:a16="http://schemas.microsoft.com/office/drawing/2014/main" id="{52EFC066-C4F3-4677-93AC-2C7612D17BB0}"/>
               </a:ext>
             </a:extLst>
           </p:cNvPr>
@@ -26807,8 +28000,8 @@
         </p:blipFill>
         <p:spPr>
           <a:xfrm>
-            <a:off x="161925" y="1045753"/>
-            <a:ext cx="8820150" cy="3629025"/>
+            <a:off x="2400300" y="1183221"/>
+            <a:ext cx="3870007" cy="2777057"/>
           </a:xfrm>
           <a:prstGeom prst="rect">
             <a:avLst/>
@@ -26817,10 +28010,10 @@
       </p:pic>
       <p:sp>
         <p:nvSpPr>
-          <p:cNvPr id="8" name="TextBox 7">
+          <p:cNvPr id="7" name="TextBox 6">
             <a:extLst>
               <a:ext uri="{FF2B5EF4-FFF2-40B4-BE49-F238E27FC236}">
-                <a16:creationId xmlns:a16="http://schemas.microsoft.com/office/drawing/2014/main" id="{9CD42B99-138D-43B7-BB0A-2ECD02913099}"/>
+                <a16:creationId xmlns:a16="http://schemas.microsoft.com/office/drawing/2014/main" id="{B7A545EB-7BDE-4857-B851-676579F641B7}"/>
               </a:ext>
             </a:extLst>
           </p:cNvPr>
@@ -26855,6 +28048,11 @@
         </p:txBody>
       </p:sp>
     </p:spTree>
+    <p:extLst>
+      <p:ext uri="{BB962C8B-B14F-4D97-AF65-F5344CB8AC3E}">
+        <p14:creationId xmlns:p14="http://schemas.microsoft.com/office/powerpoint/2010/main" val="3790180601"/>
+      </p:ext>
+    </p:extLst>
   </p:cSld>
   <p:clrMapOvr>
     <a:masterClrMapping/>
@@ -26874,12 +28072,12 @@
 </p:sld>
 </file>
 
-<file path=ppt/slides/slide14.xml><?xml version="1.0" encoding="utf-8"?>
+<file path=ppt/slides/slide18.xml><?xml version="1.0" encoding="utf-8"?>
 <p:sld xmlns:a="http://schemas.openxmlformats.org/drawingml/2006/main" xmlns:r="http://schemas.openxmlformats.org/officeDocument/2006/relationships" xmlns:p="http://schemas.openxmlformats.org/presentationml/2006/main">
   <p:cSld>
     <p:spTree>
       <p:nvGrpSpPr>
-        <p:cNvPr id="1" name="Shape 413"/>
+        <p:cNvPr id="1" name=""/>
         <p:cNvGrpSpPr/>
         <p:nvPr/>
       </p:nvGrpSpPr>
@@ -26893,7 +28091,182 @@
       </p:grpSpPr>
       <p:sp>
         <p:nvSpPr>
-          <p:cNvPr id="414" name="Google Shape;414;p24"/>
+          <p:cNvPr id="4" name="Title 3">
+            <a:extLst>
+              <a:ext uri="{FF2B5EF4-FFF2-40B4-BE49-F238E27FC236}">
+                <a16:creationId xmlns:a16="http://schemas.microsoft.com/office/drawing/2014/main" id="{EDCA3053-DFCB-4FE1-A863-F6BC417E7BFD}"/>
+              </a:ext>
+            </a:extLst>
+          </p:cNvPr>
+          <p:cNvSpPr>
+            <a:spLocks noGrp="1"/>
+          </p:cNvSpPr>
+          <p:nvPr>
+            <p:ph type="title"/>
+          </p:nvPr>
+        </p:nvSpPr>
+        <p:spPr/>
+        <p:txBody>
+          <a:bodyPr/>
+          <a:lstStyle/>
+          <a:p>
+            <a:r>
+              <a:rPr lang="en-US" dirty="0"/>
+              <a:t>BONINI</a:t>
+            </a:r>
+          </a:p>
+        </p:txBody>
+      </p:sp>
+      <p:sp>
+        <p:nvSpPr>
+          <p:cNvPr id="5" name="Text Placeholder 4">
+            <a:extLst>
+              <a:ext uri="{FF2B5EF4-FFF2-40B4-BE49-F238E27FC236}">
+                <a16:creationId xmlns:a16="http://schemas.microsoft.com/office/drawing/2014/main" id="{7CF91537-CF6E-40B4-AC90-5B25FF0D6CE7}"/>
+              </a:ext>
+            </a:extLst>
+          </p:cNvPr>
+          <p:cNvSpPr>
+            <a:spLocks noGrp="1"/>
+          </p:cNvSpPr>
+          <p:nvPr>
+            <p:ph type="body" idx="1"/>
+          </p:nvPr>
+        </p:nvSpPr>
+        <p:spPr/>
+        <p:txBody>
+          <a:bodyPr/>
+          <a:lstStyle/>
+          <a:p>
+            <a:endParaRPr lang="en-US"/>
+          </a:p>
+        </p:txBody>
+      </p:sp>
+      <p:sp>
+        <p:nvSpPr>
+          <p:cNvPr id="6" name="Picture Placeholder 5">
+            <a:extLst>
+              <a:ext uri="{FF2B5EF4-FFF2-40B4-BE49-F238E27FC236}">
+                <a16:creationId xmlns:a16="http://schemas.microsoft.com/office/drawing/2014/main" id="{0E67CBDD-32E4-4DA6-B640-8BFCB5F70858}"/>
+              </a:ext>
+            </a:extLst>
+          </p:cNvPr>
+          <p:cNvSpPr>
+            <a:spLocks noGrp="1"/>
+          </p:cNvSpPr>
+          <p:nvPr>
+            <p:ph type="pic" sz="quarter" idx="13"/>
+          </p:nvPr>
+        </p:nvSpPr>
+        <p:spPr/>
+      </p:sp>
+    </p:spTree>
+    <p:extLst>
+      <p:ext uri="{BB962C8B-B14F-4D97-AF65-F5344CB8AC3E}">
+        <p14:creationId xmlns:p14="http://schemas.microsoft.com/office/powerpoint/2010/main" val="867105061"/>
+      </p:ext>
+    </p:extLst>
+  </p:cSld>
+  <p:clrMapOvr>
+    <a:masterClrMapping/>
+  </p:clrMapOvr>
+  <mc:AlternateContent xmlns:mc="http://schemas.openxmlformats.org/markup-compatibility/2006" xmlns:p14="http://schemas.microsoft.com/office/powerpoint/2010/main">
+    <mc:Choice Requires="p14">
+      <p:transition spd="med" p14:dur="700">
+        <p:fade/>
+      </p:transition>
+    </mc:Choice>
+    <mc:Fallback xmlns="">
+      <p:transition spd="med">
+        <p:fade/>
+      </p:transition>
+    </mc:Fallback>
+  </mc:AlternateContent>
+</p:sld>
+</file>
+
+<file path=ppt/slides/slide19.xml><?xml version="1.0" encoding="utf-8"?>
+<p:sld xmlns:a="http://schemas.openxmlformats.org/drawingml/2006/main" xmlns:r="http://schemas.openxmlformats.org/officeDocument/2006/relationships" xmlns:p="http://schemas.openxmlformats.org/presentationml/2006/main">
+  <p:cSld>
+    <p:spTree>
+      <p:nvGrpSpPr>
+        <p:cNvPr id="1" name="Shape 392"/>
+        <p:cNvGrpSpPr/>
+        <p:nvPr/>
+      </p:nvGrpSpPr>
+      <p:grpSpPr>
+        <a:xfrm>
+          <a:off x="0" y="0"/>
+          <a:ext cx="0" cy="0"/>
+          <a:chOff x="0" y="0"/>
+          <a:chExt cx="0" cy="0"/>
+        </a:xfrm>
+      </p:grpSpPr>
+      <p:sp>
+        <p:nvSpPr>
+          <p:cNvPr id="393" name="Google Shape;393;p21"/>
+          <p:cNvSpPr txBox="1"/>
+          <p:nvPr/>
+        </p:nvSpPr>
+        <p:spPr>
+          <a:xfrm>
+            <a:off x="615400" y="520596"/>
+            <a:ext cx="7589400" cy="476520"/>
+          </a:xfrm>
+          <a:prstGeom prst="rect">
+            <a:avLst/>
+          </a:prstGeom>
+          <a:noFill/>
+          <a:ln>
+            <a:noFill/>
+          </a:ln>
+        </p:spPr>
+        <p:txBody>
+          <a:bodyPr spcFirstLastPara="1" wrap="square" lIns="91425" tIns="91425" rIns="91425" bIns="91425" anchor="ctr" anchorCtr="0">
+            <a:noAutofit/>
+          </a:bodyPr>
+          <a:lstStyle/>
+          <a:p>
+            <a:pPr marL="457200" lvl="0" indent="-342900" algn="l" rtl="0">
+              <a:lnSpc>
+                <a:spcPct val="115000"/>
+              </a:lnSpc>
+              <a:spcBef>
+                <a:spcPts val="1100"/>
+              </a:spcBef>
+              <a:spcAft>
+                <a:spcPts val="0"/>
+              </a:spcAft>
+              <a:buClr>
+                <a:schemeClr val="dk2"/>
+              </a:buClr>
+              <a:buSzPts val="1800"/>
+              <a:buFont typeface="Oswald"/>
+              <a:buChar char="●"/>
+            </a:pPr>
+            <a:r>
+              <a:rPr lang="en" sz="1600" dirty="0">
+                <a:ea typeface="Oswald"/>
+                <a:cs typeface="Oswald"/>
+                <a:sym typeface="Oswald"/>
+              </a:rPr>
+              <a:t>Effect of </a:t>
+            </a:r>
+            <a:r>
+              <a:rPr lang="en-US" sz="1600" dirty="0">
+                <a:ea typeface="Oswald"/>
+                <a:cs typeface="Oswald"/>
+                <a:sym typeface="Oswald"/>
+              </a:rPr>
+              <a:t>XX</a:t>
+            </a:r>
+            <a:endParaRPr sz="1200" dirty="0"/>
+          </a:p>
+        </p:txBody>
+      </p:sp>
+      <p:sp>
+        <p:nvSpPr>
+          <p:cNvPr id="395" name="Google Shape;395;p21"/>
           <p:cNvSpPr txBox="1">
             <a:spLocks noGrp="1"/>
           </p:cNvSpPr>
@@ -26903,8 +28276,8 @@
         </p:nvSpPr>
         <p:spPr>
           <a:xfrm>
-            <a:off x="167640" y="0"/>
-            <a:ext cx="5715000" cy="738188"/>
+            <a:off x="342900" y="45619"/>
+            <a:ext cx="7589400" cy="738188"/>
           </a:xfrm>
           <a:prstGeom prst="rect">
             <a:avLst/>
@@ -26928,14 +28301,30 @@
             <a:r>
               <a:rPr lang="en" sz="2400" dirty="0">
                 <a:solidFill>
-                  <a:srgbClr val="0070C0"/>
+                  <a:schemeClr val="accent3"/>
                 </a:solidFill>
               </a:rPr>
-              <a:t>Conclusion and Further Analysis</a:t>
-            </a:r>
-            <a:endParaRPr dirty="0">
+              <a:t>Popular </a:t>
+            </a:r>
+            <a:r>
+              <a:rPr lang="en-US" sz="2400" dirty="0">
+                <a:solidFill>
+                  <a:schemeClr val="accent3"/>
+                </a:solidFill>
+              </a:rPr>
+              <a:t>SERVICE</a:t>
+            </a:r>
+            <a:r>
+              <a:rPr lang="en" sz="2400" dirty="0">
+                <a:solidFill>
+                  <a:schemeClr val="accent3"/>
+                </a:solidFill>
+              </a:rPr>
+              <a:t> Types Trends Over the Years</a:t>
+            </a:r>
+            <a:endParaRPr sz="2400" dirty="0">
               <a:solidFill>
-                <a:srgbClr val="0070C0"/>
+                <a:schemeClr val="accent3"/>
               </a:solidFill>
             </a:endParaRPr>
           </a:p>
@@ -26943,235 +28332,10 @@
       </p:sp>
       <p:sp>
         <p:nvSpPr>
-          <p:cNvPr id="415" name="Google Shape;415;p24"/>
-          <p:cNvSpPr txBox="1"/>
-          <p:nvPr/>
-        </p:nvSpPr>
-        <p:spPr>
-          <a:xfrm>
-            <a:off x="328425" y="262927"/>
-            <a:ext cx="8165100" cy="4617645"/>
-          </a:xfrm>
-          <a:prstGeom prst="rect">
-            <a:avLst/>
-          </a:prstGeom>
-          <a:noFill/>
-          <a:ln>
-            <a:noFill/>
-          </a:ln>
-        </p:spPr>
-        <p:txBody>
-          <a:bodyPr spcFirstLastPara="1" wrap="square" lIns="91425" tIns="91425" rIns="91425" bIns="91425" anchor="ctr" anchorCtr="0">
-            <a:noAutofit/>
-          </a:bodyPr>
-          <a:lstStyle/>
-          <a:p>
-            <a:pPr marL="0" lvl="0" indent="0" algn="l" rtl="0">
-              <a:lnSpc>
-                <a:spcPct val="115000"/>
-              </a:lnSpc>
-              <a:spcBef>
-                <a:spcPts val="0"/>
-              </a:spcBef>
-              <a:spcAft>
-                <a:spcPts val="0"/>
-              </a:spcAft>
-              <a:buNone/>
-            </a:pPr>
-            <a:r>
-              <a:rPr lang="en" sz="1200" dirty="0">
-                <a:ea typeface="Times New Roman"/>
-                <a:cs typeface="Times New Roman"/>
-                <a:sym typeface="Times New Roman"/>
-              </a:rPr>
-              <a:t> </a:t>
-            </a:r>
-            <a:endParaRPr sz="1200" dirty="0">
-              <a:ea typeface="Times New Roman"/>
-              <a:cs typeface="Times New Roman"/>
-              <a:sym typeface="Times New Roman"/>
-            </a:endParaRPr>
-          </a:p>
-          <a:p>
-            <a:pPr marL="457200" lvl="0" indent="0" algn="l" rtl="0">
-              <a:lnSpc>
-                <a:spcPct val="115000"/>
-              </a:lnSpc>
-              <a:spcBef>
-                <a:spcPts val="0"/>
-              </a:spcBef>
-              <a:spcAft>
-                <a:spcPts val="0"/>
-              </a:spcAft>
-              <a:buNone/>
-            </a:pPr>
-            <a:r>
-              <a:rPr lang="en" dirty="0">
-                <a:ea typeface="Oswald"/>
-                <a:cs typeface="Oswald"/>
-                <a:sym typeface="Oswald"/>
-              </a:rPr>
-              <a:t>In conclusion, our initial questions </a:t>
-            </a:r>
-            <a:r>
-              <a:rPr lang="en-US" dirty="0" err="1">
-                <a:ea typeface="Oswald"/>
-                <a:cs typeface="Oswald"/>
-                <a:sym typeface="Oswald"/>
-              </a:rPr>
-              <a:t>xxxxxx</a:t>
-            </a:r>
-            <a:endParaRPr dirty="0">
-              <a:ea typeface="Oswald"/>
-              <a:cs typeface="Oswald"/>
-              <a:sym typeface="Oswald"/>
-            </a:endParaRPr>
-          </a:p>
-          <a:p>
-            <a:pPr marL="457200" lvl="0" indent="0" algn="l" rtl="0">
-              <a:lnSpc>
-                <a:spcPct val="115000"/>
-              </a:lnSpc>
-              <a:spcBef>
-                <a:spcPts val="0"/>
-              </a:spcBef>
-              <a:spcAft>
-                <a:spcPts val="0"/>
-              </a:spcAft>
-              <a:buNone/>
-            </a:pPr>
-            <a:endParaRPr dirty="0">
-              <a:ea typeface="Oswald"/>
-              <a:cs typeface="Oswald"/>
-              <a:sym typeface="Oswald"/>
-            </a:endParaRPr>
-          </a:p>
-          <a:p>
-            <a:pPr marL="457200" lvl="0" indent="0" algn="l" rtl="0">
-              <a:lnSpc>
-                <a:spcPct val="115000"/>
-              </a:lnSpc>
-              <a:spcBef>
-                <a:spcPts val="0"/>
-              </a:spcBef>
-              <a:spcAft>
-                <a:spcPts val="0"/>
-              </a:spcAft>
-              <a:buNone/>
-            </a:pPr>
-            <a:r>
-              <a:rPr lang="en" dirty="0">
-                <a:ea typeface="Oswald"/>
-                <a:cs typeface="Oswald"/>
-                <a:sym typeface="Oswald"/>
-              </a:rPr>
-              <a:t>In the future we’d like to include the following discussion points: </a:t>
-            </a:r>
-            <a:endParaRPr dirty="0">
-              <a:ea typeface="Oswald"/>
-              <a:cs typeface="Oswald"/>
-              <a:sym typeface="Oswald"/>
-            </a:endParaRPr>
-          </a:p>
-          <a:p>
-            <a:pPr marL="457200" lvl="0" indent="0" algn="l" rtl="0">
-              <a:lnSpc>
-                <a:spcPct val="115000"/>
-              </a:lnSpc>
-              <a:spcBef>
-                <a:spcPts val="0"/>
-              </a:spcBef>
-              <a:spcAft>
-                <a:spcPts val="0"/>
-              </a:spcAft>
-              <a:buNone/>
-            </a:pPr>
-            <a:endParaRPr dirty="0">
-              <a:ea typeface="Oswald"/>
-              <a:cs typeface="Oswald"/>
-              <a:sym typeface="Oswald"/>
-            </a:endParaRPr>
-          </a:p>
-          <a:p>
-            <a:pPr marL="425450" lvl="0" indent="-285750" algn="l" rtl="0">
-              <a:lnSpc>
-                <a:spcPct val="115000"/>
-              </a:lnSpc>
-              <a:spcBef>
-                <a:spcPts val="0"/>
-              </a:spcBef>
-              <a:spcAft>
-                <a:spcPts val="0"/>
-              </a:spcAft>
-              <a:buSzPts val="1400"/>
-              <a:buFont typeface="Arial" panose="020B0604020202020204" pitchFamily="34" charset="0"/>
-              <a:buChar char="•"/>
-            </a:pPr>
-            <a:r>
-              <a:rPr lang="en-US" dirty="0">
-                <a:ea typeface="Oswald"/>
-                <a:cs typeface="Oswald"/>
-                <a:sym typeface="Oswald"/>
-              </a:rPr>
-              <a:t>Pending tickets</a:t>
-            </a:r>
-          </a:p>
-          <a:p>
-            <a:pPr marL="425450" lvl="0" indent="-285750" algn="l" rtl="0">
-              <a:lnSpc>
-                <a:spcPct val="115000"/>
-              </a:lnSpc>
-              <a:spcBef>
-                <a:spcPts val="0"/>
-              </a:spcBef>
-              <a:spcAft>
-                <a:spcPts val="0"/>
-              </a:spcAft>
-              <a:buSzPts val="1400"/>
-              <a:buFont typeface="Arial" panose="020B0604020202020204" pitchFamily="34" charset="0"/>
-              <a:buChar char="•"/>
-            </a:pPr>
-            <a:r>
-              <a:rPr lang="en-US" dirty="0">
-                <a:ea typeface="Oswald"/>
-                <a:cs typeface="Oswald"/>
-                <a:sym typeface="Oswald"/>
-              </a:rPr>
-              <a:t>Correlation between ticket and company intranet portal article</a:t>
-            </a:r>
-            <a:endParaRPr dirty="0">
-              <a:ea typeface="Oswald"/>
-              <a:cs typeface="Oswald"/>
-              <a:sym typeface="Oswald"/>
-            </a:endParaRPr>
-          </a:p>
-          <a:p>
-            <a:pPr marL="0" lvl="0" indent="0" algn="l" rtl="0">
-              <a:lnSpc>
-                <a:spcPct val="115000"/>
-              </a:lnSpc>
-              <a:spcBef>
-                <a:spcPts val="0"/>
-              </a:spcBef>
-              <a:spcAft>
-                <a:spcPts val="0"/>
-              </a:spcAft>
-              <a:buNone/>
-            </a:pPr>
-            <a:endParaRPr dirty="0">
-              <a:ea typeface="Oswald"/>
-              <a:cs typeface="Oswald"/>
-              <a:sym typeface="Oswald"/>
-            </a:endParaRPr>
-          </a:p>
-        </p:txBody>
-      </p:sp>
-      <p:sp>
-        <p:nvSpPr>
-          <p:cNvPr id="6" name="TextBox 5">
+          <p:cNvPr id="7" name="TextBox 6">
             <a:extLst>
               <a:ext uri="{FF2B5EF4-FFF2-40B4-BE49-F238E27FC236}">
-                <a16:creationId xmlns:a16="http://schemas.microsoft.com/office/drawing/2014/main" id="{2FFB0A92-4E61-49B3-8FD8-94586005D18A}"/>
+                <a16:creationId xmlns:a16="http://schemas.microsoft.com/office/drawing/2014/main" id="{B7A545EB-7BDE-4857-B851-676579F641B7}"/>
               </a:ext>
             </a:extLst>
           </p:cNvPr>
@@ -27206,6 +28370,11 @@
         </p:txBody>
       </p:sp>
     </p:spTree>
+    <p:extLst>
+      <p:ext uri="{BB962C8B-B14F-4D97-AF65-F5344CB8AC3E}">
+        <p14:creationId xmlns:p14="http://schemas.microsoft.com/office/powerpoint/2010/main" val="1995120353"/>
+      </p:ext>
+    </p:extLst>
   </p:cSld>
   <p:clrMapOvr>
     <a:masterClrMapping/>
@@ -27222,134 +28391,6 @@
       </p:transition>
     </mc:Fallback>
   </mc:AlternateContent>
-</p:sld>
-</file>
-
-<file path=ppt/slides/slide15.xml><?xml version="1.0" encoding="utf-8"?>
-<p:sld xmlns:a="http://schemas.openxmlformats.org/drawingml/2006/main" xmlns:r="http://schemas.openxmlformats.org/officeDocument/2006/relationships" xmlns:p="http://schemas.openxmlformats.org/presentationml/2006/main">
-  <p:cSld>
-    <p:spTree>
-      <p:nvGrpSpPr>
-        <p:cNvPr id="1" name="Shape 291"/>
-        <p:cNvGrpSpPr/>
-        <p:nvPr/>
-      </p:nvGrpSpPr>
-      <p:grpSpPr>
-        <a:xfrm>
-          <a:off x="0" y="0"/>
-          <a:ext cx="0" cy="0"/>
-          <a:chOff x="0" y="0"/>
-          <a:chExt cx="0" cy="0"/>
-        </a:xfrm>
-      </p:grpSpPr>
-      <p:sp>
-        <p:nvSpPr>
-          <p:cNvPr id="4" name="Rectangle 3">
-            <a:extLst>
-              <a:ext uri="{FF2B5EF4-FFF2-40B4-BE49-F238E27FC236}">
-                <a16:creationId xmlns:a16="http://schemas.microsoft.com/office/drawing/2014/main" id="{5626EA46-BE77-4964-9625-841E1A13E76E}"/>
-              </a:ext>
-            </a:extLst>
-          </p:cNvPr>
-          <p:cNvSpPr/>
-          <p:nvPr/>
-        </p:nvSpPr>
-        <p:spPr bwMode="auto">
-          <a:xfrm>
-            <a:off x="0" y="1"/>
-            <a:ext cx="9144000" cy="5143499"/>
-          </a:xfrm>
-          <a:prstGeom prst="rect">
-            <a:avLst/>
-          </a:prstGeom>
-          <a:solidFill>
-            <a:srgbClr val="010101"/>
-          </a:solidFill>
-          <a:ln>
-            <a:solidFill>
-              <a:schemeClr val="tx1"/>
-            </a:solidFill>
-            <a:headEnd type="none" w="med" len="med"/>
-            <a:tailEnd type="none" w="med" len="med"/>
-          </a:ln>
-        </p:spPr>
-        <p:style>
-          <a:lnRef idx="2">
-            <a:schemeClr val="accent1"/>
-          </a:lnRef>
-          <a:fillRef idx="1">
-            <a:schemeClr val="lt1"/>
-          </a:fillRef>
-          <a:effectRef idx="0">
-            <a:schemeClr val="accent1"/>
-          </a:effectRef>
-          <a:fontRef idx="minor">
-            <a:schemeClr val="dk1"/>
-          </a:fontRef>
-        </p:style>
-        <p:txBody>
-          <a:bodyPr vert="horz" wrap="square" lIns="68580" tIns="68580" rIns="68580" bIns="68580" numCol="1" rtlCol="0" anchor="ctr" anchorCtr="0" compatLnSpc="1">
-            <a:prstTxWarp prst="textNoShape">
-              <a:avLst/>
-            </a:prstTxWarp>
-            <a:noAutofit/>
-          </a:bodyPr>
-          <a:lstStyle/>
-          <a:p>
-            <a:pPr algn="ctr" fontAlgn="base">
-              <a:spcAft>
-                <a:spcPts val="375"/>
-              </a:spcAft>
-            </a:pPr>
-            <a:endParaRPr lang="en-US" sz="1200" dirty="0">
-              <a:solidFill>
-                <a:schemeClr val="tx1"/>
-              </a:solidFill>
-              <a:latin typeface="Arial" charset="0"/>
-            </a:endParaRPr>
-          </a:p>
-        </p:txBody>
-      </p:sp>
-      <p:pic>
-        <p:nvPicPr>
-          <p:cNvPr id="5" name="Picture 4">
-            <a:extLst>
-              <a:ext uri="{FF2B5EF4-FFF2-40B4-BE49-F238E27FC236}">
-                <a16:creationId xmlns:a16="http://schemas.microsoft.com/office/drawing/2014/main" id="{46527083-B6C4-4114-8ED6-14EF58345CC1}"/>
-              </a:ext>
-            </a:extLst>
-          </p:cNvPr>
-          <p:cNvPicPr>
-            <a:picLocks noChangeAspect="1"/>
-          </p:cNvPicPr>
-          <p:nvPr/>
-        </p:nvPicPr>
-        <p:blipFill>
-          <a:blip r:embed="rId3"/>
-          <a:stretch>
-            <a:fillRect/>
-          </a:stretch>
-        </p:blipFill>
-        <p:spPr>
-          <a:xfrm>
-            <a:off x="3381375" y="1038225"/>
-            <a:ext cx="2381250" cy="3067050"/>
-          </a:xfrm>
-          <a:prstGeom prst="rect">
-            <a:avLst/>
-          </a:prstGeom>
-        </p:spPr>
-      </p:pic>
-    </p:spTree>
-    <p:extLst>
-      <p:ext uri="{BB962C8B-B14F-4D97-AF65-F5344CB8AC3E}">
-        <p14:creationId xmlns:p14="http://schemas.microsoft.com/office/powerpoint/2010/main" val="2916630847"/>
-      </p:ext>
-    </p:extLst>
-  </p:cSld>
-  <p:clrMapOvr>
-    <a:masterClrMapping/>
-  </p:clrMapOvr>
 </p:sld>
 </file>
 
@@ -30325,6 +31366,1016 @@
 </p:sld>
 </file>
 
+<file path=ppt/slides/slide20.xml><?xml version="1.0" encoding="utf-8"?>
+<p:sld xmlns:a="http://schemas.openxmlformats.org/drawingml/2006/main" xmlns:r="http://schemas.openxmlformats.org/officeDocument/2006/relationships" xmlns:p="http://schemas.openxmlformats.org/presentationml/2006/main">
+  <p:cSld>
+    <p:spTree>
+      <p:nvGrpSpPr>
+        <p:cNvPr id="1" name="Shape 392"/>
+        <p:cNvGrpSpPr/>
+        <p:nvPr/>
+      </p:nvGrpSpPr>
+      <p:grpSpPr>
+        <a:xfrm>
+          <a:off x="0" y="0"/>
+          <a:ext cx="0" cy="0"/>
+          <a:chOff x="0" y="0"/>
+          <a:chExt cx="0" cy="0"/>
+        </a:xfrm>
+      </p:grpSpPr>
+      <p:sp>
+        <p:nvSpPr>
+          <p:cNvPr id="393" name="Google Shape;393;p21"/>
+          <p:cNvSpPr txBox="1"/>
+          <p:nvPr/>
+        </p:nvSpPr>
+        <p:spPr>
+          <a:xfrm>
+            <a:off x="615400" y="520596"/>
+            <a:ext cx="7589400" cy="476520"/>
+          </a:xfrm>
+          <a:prstGeom prst="rect">
+            <a:avLst/>
+          </a:prstGeom>
+          <a:noFill/>
+          <a:ln>
+            <a:noFill/>
+          </a:ln>
+        </p:spPr>
+        <p:txBody>
+          <a:bodyPr spcFirstLastPara="1" wrap="square" lIns="91425" tIns="91425" rIns="91425" bIns="91425" anchor="ctr" anchorCtr="0">
+            <a:noAutofit/>
+          </a:bodyPr>
+          <a:lstStyle/>
+          <a:p>
+            <a:pPr marL="457200" lvl="0" indent="-342900" algn="l" rtl="0">
+              <a:lnSpc>
+                <a:spcPct val="115000"/>
+              </a:lnSpc>
+              <a:spcBef>
+                <a:spcPts val="1100"/>
+              </a:spcBef>
+              <a:spcAft>
+                <a:spcPts val="0"/>
+              </a:spcAft>
+              <a:buClr>
+                <a:schemeClr val="dk2"/>
+              </a:buClr>
+              <a:buSzPts val="1800"/>
+              <a:buFont typeface="Oswald"/>
+              <a:buChar char="●"/>
+            </a:pPr>
+            <a:r>
+              <a:rPr lang="en" sz="1600" dirty="0">
+                <a:ea typeface="Oswald"/>
+                <a:cs typeface="Oswald"/>
+                <a:sym typeface="Oswald"/>
+              </a:rPr>
+              <a:t>Effect of </a:t>
+            </a:r>
+            <a:r>
+              <a:rPr lang="en-US" sz="1600" dirty="0">
+                <a:ea typeface="Oswald"/>
+                <a:cs typeface="Oswald"/>
+                <a:sym typeface="Oswald"/>
+              </a:rPr>
+              <a:t>XX</a:t>
+            </a:r>
+            <a:endParaRPr sz="1200" dirty="0"/>
+          </a:p>
+        </p:txBody>
+      </p:sp>
+      <p:sp>
+        <p:nvSpPr>
+          <p:cNvPr id="395" name="Google Shape;395;p21"/>
+          <p:cNvSpPr txBox="1">
+            <a:spLocks noGrp="1"/>
+          </p:cNvSpPr>
+          <p:nvPr>
+            <p:ph type="title"/>
+          </p:nvPr>
+        </p:nvSpPr>
+        <p:spPr>
+          <a:xfrm>
+            <a:off x="342900" y="45619"/>
+            <a:ext cx="7589400" cy="738188"/>
+          </a:xfrm>
+          <a:prstGeom prst="rect">
+            <a:avLst/>
+          </a:prstGeom>
+        </p:spPr>
+        <p:txBody>
+          <a:bodyPr spcFirstLastPara="1" wrap="square" lIns="91425" tIns="91425" rIns="91425" bIns="91425" anchor="t" anchorCtr="0">
+            <a:noAutofit/>
+          </a:bodyPr>
+          <a:lstStyle/>
+          <a:p>
+            <a:pPr marL="0" lvl="0" indent="0" algn="l" rtl="0">
+              <a:spcBef>
+                <a:spcPts val="0"/>
+              </a:spcBef>
+              <a:spcAft>
+                <a:spcPts val="0"/>
+              </a:spcAft>
+              <a:buNone/>
+            </a:pPr>
+            <a:r>
+              <a:rPr lang="en" sz="2400" dirty="0">
+                <a:solidFill>
+                  <a:schemeClr val="accent3"/>
+                </a:solidFill>
+              </a:rPr>
+              <a:t>Popular </a:t>
+            </a:r>
+            <a:r>
+              <a:rPr lang="en-US" sz="2400" dirty="0">
+                <a:solidFill>
+                  <a:schemeClr val="accent3"/>
+                </a:solidFill>
+              </a:rPr>
+              <a:t>SERVICE</a:t>
+            </a:r>
+            <a:r>
+              <a:rPr lang="en" sz="2400" dirty="0">
+                <a:solidFill>
+                  <a:schemeClr val="accent3"/>
+                </a:solidFill>
+              </a:rPr>
+              <a:t> Types Trends Over the Years</a:t>
+            </a:r>
+            <a:endParaRPr sz="2400" dirty="0">
+              <a:solidFill>
+                <a:schemeClr val="accent3"/>
+              </a:solidFill>
+            </a:endParaRPr>
+          </a:p>
+        </p:txBody>
+      </p:sp>
+      <p:sp>
+        <p:nvSpPr>
+          <p:cNvPr id="7" name="TextBox 6">
+            <a:extLst>
+              <a:ext uri="{FF2B5EF4-FFF2-40B4-BE49-F238E27FC236}">
+                <a16:creationId xmlns:a16="http://schemas.microsoft.com/office/drawing/2014/main" id="{B7A545EB-7BDE-4857-B851-676579F641B7}"/>
+              </a:ext>
+            </a:extLst>
+          </p:cNvPr>
+          <p:cNvSpPr txBox="1"/>
+          <p:nvPr/>
+        </p:nvSpPr>
+        <p:spPr>
+          <a:xfrm rot="20071474">
+            <a:off x="-63497" y="426974"/>
+            <a:ext cx="3596476" cy="523220"/>
+          </a:xfrm>
+          <a:prstGeom prst="rect">
+            <a:avLst/>
+          </a:prstGeom>
+          <a:noFill/>
+        </p:spPr>
+        <p:txBody>
+          <a:bodyPr wrap="square" rtlCol="0">
+            <a:spAutoFit/>
+          </a:bodyPr>
+          <a:lstStyle/>
+          <a:p>
+            <a:r>
+              <a:rPr lang="en-US" sz="2800" dirty="0">
+                <a:solidFill>
+                  <a:srgbClr val="FF0000"/>
+                </a:solidFill>
+              </a:rPr>
+              <a:t>Prototype| Dummy</a:t>
+            </a:r>
+          </a:p>
+        </p:txBody>
+      </p:sp>
+    </p:spTree>
+    <p:extLst>
+      <p:ext uri="{BB962C8B-B14F-4D97-AF65-F5344CB8AC3E}">
+        <p14:creationId xmlns:p14="http://schemas.microsoft.com/office/powerpoint/2010/main" val="2313059998"/>
+      </p:ext>
+    </p:extLst>
+  </p:cSld>
+  <p:clrMapOvr>
+    <a:masterClrMapping/>
+  </p:clrMapOvr>
+  <mc:AlternateContent xmlns:mc="http://schemas.openxmlformats.org/markup-compatibility/2006" xmlns:p14="http://schemas.microsoft.com/office/powerpoint/2010/main">
+    <mc:Choice Requires="p14">
+      <p:transition spd="med" p14:dur="700">
+        <p:fade/>
+      </p:transition>
+    </mc:Choice>
+    <mc:Fallback xmlns="">
+      <p:transition spd="med">
+        <p:fade/>
+      </p:transition>
+    </mc:Fallback>
+  </mc:AlternateContent>
+</p:sld>
+</file>
+
+<file path=ppt/slides/slide21.xml><?xml version="1.0" encoding="utf-8"?>
+<p:sld xmlns:a="http://schemas.openxmlformats.org/drawingml/2006/main" xmlns:r="http://schemas.openxmlformats.org/officeDocument/2006/relationships" xmlns:p="http://schemas.openxmlformats.org/presentationml/2006/main">
+  <p:cSld>
+    <p:spTree>
+      <p:nvGrpSpPr>
+        <p:cNvPr id="1" name=""/>
+        <p:cNvGrpSpPr/>
+        <p:nvPr/>
+      </p:nvGrpSpPr>
+      <p:grpSpPr>
+        <a:xfrm>
+          <a:off x="0" y="0"/>
+          <a:ext cx="0" cy="0"/>
+          <a:chOff x="0" y="0"/>
+          <a:chExt cx="0" cy="0"/>
+        </a:xfrm>
+      </p:grpSpPr>
+      <p:sp>
+        <p:nvSpPr>
+          <p:cNvPr id="4" name="Title 3">
+            <a:extLst>
+              <a:ext uri="{FF2B5EF4-FFF2-40B4-BE49-F238E27FC236}">
+                <a16:creationId xmlns:a16="http://schemas.microsoft.com/office/drawing/2014/main" id="{EDCA3053-DFCB-4FE1-A863-F6BC417E7BFD}"/>
+              </a:ext>
+            </a:extLst>
+          </p:cNvPr>
+          <p:cNvSpPr>
+            <a:spLocks noGrp="1"/>
+          </p:cNvSpPr>
+          <p:nvPr>
+            <p:ph type="title"/>
+          </p:nvPr>
+        </p:nvSpPr>
+        <p:spPr/>
+        <p:txBody>
+          <a:bodyPr/>
+          <a:lstStyle/>
+          <a:p>
+            <a:r>
+              <a:rPr lang="en-US" dirty="0"/>
+              <a:t>DREW</a:t>
+            </a:r>
+          </a:p>
+        </p:txBody>
+      </p:sp>
+      <p:sp>
+        <p:nvSpPr>
+          <p:cNvPr id="5" name="Text Placeholder 4">
+            <a:extLst>
+              <a:ext uri="{FF2B5EF4-FFF2-40B4-BE49-F238E27FC236}">
+                <a16:creationId xmlns:a16="http://schemas.microsoft.com/office/drawing/2014/main" id="{7CF91537-CF6E-40B4-AC90-5B25FF0D6CE7}"/>
+              </a:ext>
+            </a:extLst>
+          </p:cNvPr>
+          <p:cNvSpPr>
+            <a:spLocks noGrp="1"/>
+          </p:cNvSpPr>
+          <p:nvPr>
+            <p:ph type="body" idx="1"/>
+          </p:nvPr>
+        </p:nvSpPr>
+        <p:spPr/>
+        <p:txBody>
+          <a:bodyPr/>
+          <a:lstStyle/>
+          <a:p>
+            <a:endParaRPr lang="en-US"/>
+          </a:p>
+        </p:txBody>
+      </p:sp>
+      <p:sp>
+        <p:nvSpPr>
+          <p:cNvPr id="6" name="Picture Placeholder 5">
+            <a:extLst>
+              <a:ext uri="{FF2B5EF4-FFF2-40B4-BE49-F238E27FC236}">
+                <a16:creationId xmlns:a16="http://schemas.microsoft.com/office/drawing/2014/main" id="{0E67CBDD-32E4-4DA6-B640-8BFCB5F70858}"/>
+              </a:ext>
+            </a:extLst>
+          </p:cNvPr>
+          <p:cNvSpPr>
+            <a:spLocks noGrp="1"/>
+          </p:cNvSpPr>
+          <p:nvPr>
+            <p:ph type="pic" sz="quarter" idx="13"/>
+          </p:nvPr>
+        </p:nvSpPr>
+        <p:spPr/>
+      </p:sp>
+    </p:spTree>
+    <p:extLst>
+      <p:ext uri="{BB962C8B-B14F-4D97-AF65-F5344CB8AC3E}">
+        <p14:creationId xmlns:p14="http://schemas.microsoft.com/office/powerpoint/2010/main" val="1842553927"/>
+      </p:ext>
+    </p:extLst>
+  </p:cSld>
+  <p:clrMapOvr>
+    <a:masterClrMapping/>
+  </p:clrMapOvr>
+  <mc:AlternateContent xmlns:mc="http://schemas.openxmlformats.org/markup-compatibility/2006" xmlns:p14="http://schemas.microsoft.com/office/powerpoint/2010/main">
+    <mc:Choice Requires="p14">
+      <p:transition spd="med" p14:dur="700">
+        <p:fade/>
+      </p:transition>
+    </mc:Choice>
+    <mc:Fallback xmlns="">
+      <p:transition spd="med">
+        <p:fade/>
+      </p:transition>
+    </mc:Fallback>
+  </mc:AlternateContent>
+</p:sld>
+</file>
+
+<file path=ppt/slides/slide22.xml><?xml version="1.0" encoding="utf-8"?>
+<p:sld xmlns:a="http://schemas.openxmlformats.org/drawingml/2006/main" xmlns:r="http://schemas.openxmlformats.org/officeDocument/2006/relationships" xmlns:p="http://schemas.openxmlformats.org/presentationml/2006/main">
+  <p:cSld>
+    <p:spTree>
+      <p:nvGrpSpPr>
+        <p:cNvPr id="1" name="Shape 392"/>
+        <p:cNvGrpSpPr/>
+        <p:nvPr/>
+      </p:nvGrpSpPr>
+      <p:grpSpPr>
+        <a:xfrm>
+          <a:off x="0" y="0"/>
+          <a:ext cx="0" cy="0"/>
+          <a:chOff x="0" y="0"/>
+          <a:chExt cx="0" cy="0"/>
+        </a:xfrm>
+      </p:grpSpPr>
+      <p:sp>
+        <p:nvSpPr>
+          <p:cNvPr id="393" name="Google Shape;393;p21"/>
+          <p:cNvSpPr txBox="1"/>
+          <p:nvPr/>
+        </p:nvSpPr>
+        <p:spPr>
+          <a:xfrm>
+            <a:off x="615400" y="520596"/>
+            <a:ext cx="7589400" cy="476520"/>
+          </a:xfrm>
+          <a:prstGeom prst="rect">
+            <a:avLst/>
+          </a:prstGeom>
+          <a:noFill/>
+          <a:ln>
+            <a:noFill/>
+          </a:ln>
+        </p:spPr>
+        <p:txBody>
+          <a:bodyPr spcFirstLastPara="1" wrap="square" lIns="91425" tIns="91425" rIns="91425" bIns="91425" anchor="ctr" anchorCtr="0">
+            <a:noAutofit/>
+          </a:bodyPr>
+          <a:lstStyle/>
+          <a:p>
+            <a:pPr marL="457200" lvl="0" indent="-342900" algn="l" rtl="0">
+              <a:lnSpc>
+                <a:spcPct val="115000"/>
+              </a:lnSpc>
+              <a:spcBef>
+                <a:spcPts val="1100"/>
+              </a:spcBef>
+              <a:spcAft>
+                <a:spcPts val="0"/>
+              </a:spcAft>
+              <a:buClr>
+                <a:schemeClr val="dk2"/>
+              </a:buClr>
+              <a:buSzPts val="1800"/>
+              <a:buFont typeface="Oswald"/>
+              <a:buChar char="●"/>
+            </a:pPr>
+            <a:r>
+              <a:rPr lang="en" sz="1600" dirty="0">
+                <a:ea typeface="Oswald"/>
+                <a:cs typeface="Oswald"/>
+                <a:sym typeface="Oswald"/>
+              </a:rPr>
+              <a:t>Effect of </a:t>
+            </a:r>
+            <a:r>
+              <a:rPr lang="en-US" sz="1600" dirty="0">
+                <a:ea typeface="Oswald"/>
+                <a:cs typeface="Oswald"/>
+                <a:sym typeface="Oswald"/>
+              </a:rPr>
+              <a:t>XX</a:t>
+            </a:r>
+            <a:endParaRPr sz="1200" dirty="0"/>
+          </a:p>
+        </p:txBody>
+      </p:sp>
+      <p:sp>
+        <p:nvSpPr>
+          <p:cNvPr id="395" name="Google Shape;395;p21"/>
+          <p:cNvSpPr txBox="1">
+            <a:spLocks noGrp="1"/>
+          </p:cNvSpPr>
+          <p:nvPr>
+            <p:ph type="title"/>
+          </p:nvPr>
+        </p:nvSpPr>
+        <p:spPr>
+          <a:xfrm>
+            <a:off x="342900" y="45619"/>
+            <a:ext cx="7589400" cy="738188"/>
+          </a:xfrm>
+          <a:prstGeom prst="rect">
+            <a:avLst/>
+          </a:prstGeom>
+        </p:spPr>
+        <p:txBody>
+          <a:bodyPr spcFirstLastPara="1" wrap="square" lIns="91425" tIns="91425" rIns="91425" bIns="91425" anchor="t" anchorCtr="0">
+            <a:noAutofit/>
+          </a:bodyPr>
+          <a:lstStyle/>
+          <a:p>
+            <a:pPr marL="0" lvl="0" indent="0" algn="l" rtl="0">
+              <a:spcBef>
+                <a:spcPts val="0"/>
+              </a:spcBef>
+              <a:spcAft>
+                <a:spcPts val="0"/>
+              </a:spcAft>
+              <a:buNone/>
+            </a:pPr>
+            <a:r>
+              <a:rPr lang="en" sz="2400" dirty="0">
+                <a:solidFill>
+                  <a:schemeClr val="accent3"/>
+                </a:solidFill>
+              </a:rPr>
+              <a:t>Popular </a:t>
+            </a:r>
+            <a:r>
+              <a:rPr lang="en-US" sz="2400" dirty="0">
+                <a:solidFill>
+                  <a:schemeClr val="accent3"/>
+                </a:solidFill>
+              </a:rPr>
+              <a:t>SERVICE</a:t>
+            </a:r>
+            <a:r>
+              <a:rPr lang="en" sz="2400" dirty="0">
+                <a:solidFill>
+                  <a:schemeClr val="accent3"/>
+                </a:solidFill>
+              </a:rPr>
+              <a:t> Types Trends Over the Years</a:t>
+            </a:r>
+            <a:endParaRPr sz="2400" dirty="0">
+              <a:solidFill>
+                <a:schemeClr val="accent3"/>
+              </a:solidFill>
+            </a:endParaRPr>
+          </a:p>
+        </p:txBody>
+      </p:sp>
+      <p:sp>
+        <p:nvSpPr>
+          <p:cNvPr id="7" name="TextBox 6">
+            <a:extLst>
+              <a:ext uri="{FF2B5EF4-FFF2-40B4-BE49-F238E27FC236}">
+                <a16:creationId xmlns:a16="http://schemas.microsoft.com/office/drawing/2014/main" id="{B7A545EB-7BDE-4857-B851-676579F641B7}"/>
+              </a:ext>
+            </a:extLst>
+          </p:cNvPr>
+          <p:cNvSpPr txBox="1"/>
+          <p:nvPr/>
+        </p:nvSpPr>
+        <p:spPr>
+          <a:xfrm rot="20071474">
+            <a:off x="-63497" y="426974"/>
+            <a:ext cx="3596476" cy="523220"/>
+          </a:xfrm>
+          <a:prstGeom prst="rect">
+            <a:avLst/>
+          </a:prstGeom>
+          <a:noFill/>
+        </p:spPr>
+        <p:txBody>
+          <a:bodyPr wrap="square" rtlCol="0">
+            <a:spAutoFit/>
+          </a:bodyPr>
+          <a:lstStyle/>
+          <a:p>
+            <a:r>
+              <a:rPr lang="en-US" sz="2800" dirty="0">
+                <a:solidFill>
+                  <a:srgbClr val="FF0000"/>
+                </a:solidFill>
+              </a:rPr>
+              <a:t>Prototype| Dummy</a:t>
+            </a:r>
+          </a:p>
+        </p:txBody>
+      </p:sp>
+    </p:spTree>
+    <p:extLst>
+      <p:ext uri="{BB962C8B-B14F-4D97-AF65-F5344CB8AC3E}">
+        <p14:creationId xmlns:p14="http://schemas.microsoft.com/office/powerpoint/2010/main" val="3444065164"/>
+      </p:ext>
+    </p:extLst>
+  </p:cSld>
+  <p:clrMapOvr>
+    <a:masterClrMapping/>
+  </p:clrMapOvr>
+  <mc:AlternateContent xmlns:mc="http://schemas.openxmlformats.org/markup-compatibility/2006" xmlns:p14="http://schemas.microsoft.com/office/powerpoint/2010/main">
+    <mc:Choice Requires="p14">
+      <p:transition spd="med" p14:dur="700">
+        <p:fade/>
+      </p:transition>
+    </mc:Choice>
+    <mc:Fallback xmlns="">
+      <p:transition spd="med">
+        <p:fade/>
+      </p:transition>
+    </mc:Fallback>
+  </mc:AlternateContent>
+</p:sld>
+</file>
+
+<file path=ppt/slides/slide23.xml><?xml version="1.0" encoding="utf-8"?>
+<p:sld xmlns:a="http://schemas.openxmlformats.org/drawingml/2006/main" xmlns:r="http://schemas.openxmlformats.org/officeDocument/2006/relationships" xmlns:p="http://schemas.openxmlformats.org/presentationml/2006/main">
+  <p:cSld>
+    <p:spTree>
+      <p:nvGrpSpPr>
+        <p:cNvPr id="1" name="Shape 413"/>
+        <p:cNvGrpSpPr/>
+        <p:nvPr/>
+      </p:nvGrpSpPr>
+      <p:grpSpPr>
+        <a:xfrm>
+          <a:off x="0" y="0"/>
+          <a:ext cx="0" cy="0"/>
+          <a:chOff x="0" y="0"/>
+          <a:chExt cx="0" cy="0"/>
+        </a:xfrm>
+      </p:grpSpPr>
+      <p:sp>
+        <p:nvSpPr>
+          <p:cNvPr id="414" name="Google Shape;414;p24"/>
+          <p:cNvSpPr txBox="1">
+            <a:spLocks noGrp="1"/>
+          </p:cNvSpPr>
+          <p:nvPr>
+            <p:ph type="title"/>
+          </p:nvPr>
+        </p:nvSpPr>
+        <p:spPr>
+          <a:xfrm>
+            <a:off x="167640" y="0"/>
+            <a:ext cx="5715000" cy="738188"/>
+          </a:xfrm>
+          <a:prstGeom prst="rect">
+            <a:avLst/>
+          </a:prstGeom>
+        </p:spPr>
+        <p:txBody>
+          <a:bodyPr spcFirstLastPara="1" wrap="square" lIns="91425" tIns="91425" rIns="91425" bIns="91425" anchor="t" anchorCtr="0">
+            <a:noAutofit/>
+          </a:bodyPr>
+          <a:lstStyle/>
+          <a:p>
+            <a:pPr marL="0" lvl="0" indent="0" algn="l" rtl="0">
+              <a:spcBef>
+                <a:spcPts val="0"/>
+              </a:spcBef>
+              <a:spcAft>
+                <a:spcPts val="0"/>
+              </a:spcAft>
+              <a:buNone/>
+            </a:pPr>
+            <a:r>
+              <a:rPr lang="en" sz="2400" dirty="0">
+                <a:solidFill>
+                  <a:srgbClr val="0070C0"/>
+                </a:solidFill>
+              </a:rPr>
+              <a:t>Conclusion and Further Analysis</a:t>
+            </a:r>
+            <a:endParaRPr dirty="0">
+              <a:solidFill>
+                <a:srgbClr val="0070C0"/>
+              </a:solidFill>
+            </a:endParaRPr>
+          </a:p>
+        </p:txBody>
+      </p:sp>
+      <p:sp>
+        <p:nvSpPr>
+          <p:cNvPr id="415" name="Google Shape;415;p24"/>
+          <p:cNvSpPr txBox="1"/>
+          <p:nvPr/>
+        </p:nvSpPr>
+        <p:spPr>
+          <a:xfrm>
+            <a:off x="328425" y="262927"/>
+            <a:ext cx="8165100" cy="4617645"/>
+          </a:xfrm>
+          <a:prstGeom prst="rect">
+            <a:avLst/>
+          </a:prstGeom>
+          <a:noFill/>
+          <a:ln>
+            <a:noFill/>
+          </a:ln>
+        </p:spPr>
+        <p:txBody>
+          <a:bodyPr spcFirstLastPara="1" wrap="square" lIns="91425" tIns="91425" rIns="91425" bIns="91425" anchor="ctr" anchorCtr="0">
+            <a:noAutofit/>
+          </a:bodyPr>
+          <a:lstStyle/>
+          <a:p>
+            <a:pPr marL="0" lvl="0" indent="0" algn="l" rtl="0">
+              <a:lnSpc>
+                <a:spcPct val="115000"/>
+              </a:lnSpc>
+              <a:spcBef>
+                <a:spcPts val="0"/>
+              </a:spcBef>
+              <a:spcAft>
+                <a:spcPts val="0"/>
+              </a:spcAft>
+              <a:buNone/>
+            </a:pPr>
+            <a:r>
+              <a:rPr lang="en" sz="1200" dirty="0">
+                <a:ea typeface="Times New Roman"/>
+                <a:cs typeface="Times New Roman"/>
+                <a:sym typeface="Times New Roman"/>
+              </a:rPr>
+              <a:t> </a:t>
+            </a:r>
+            <a:endParaRPr sz="1200" dirty="0">
+              <a:ea typeface="Times New Roman"/>
+              <a:cs typeface="Times New Roman"/>
+              <a:sym typeface="Times New Roman"/>
+            </a:endParaRPr>
+          </a:p>
+          <a:p>
+            <a:pPr marL="457200" lvl="0" indent="0" algn="l" rtl="0">
+              <a:lnSpc>
+                <a:spcPct val="115000"/>
+              </a:lnSpc>
+              <a:spcBef>
+                <a:spcPts val="0"/>
+              </a:spcBef>
+              <a:spcAft>
+                <a:spcPts val="0"/>
+              </a:spcAft>
+              <a:buNone/>
+            </a:pPr>
+            <a:r>
+              <a:rPr lang="en" dirty="0">
+                <a:ea typeface="Oswald"/>
+                <a:cs typeface="Oswald"/>
+                <a:sym typeface="Oswald"/>
+              </a:rPr>
+              <a:t>In conclusion, our initial questions </a:t>
+            </a:r>
+            <a:r>
+              <a:rPr lang="en-US" dirty="0" err="1">
+                <a:ea typeface="Oswald"/>
+                <a:cs typeface="Oswald"/>
+                <a:sym typeface="Oswald"/>
+              </a:rPr>
+              <a:t>xxxxxx</a:t>
+            </a:r>
+            <a:endParaRPr dirty="0">
+              <a:ea typeface="Oswald"/>
+              <a:cs typeface="Oswald"/>
+              <a:sym typeface="Oswald"/>
+            </a:endParaRPr>
+          </a:p>
+          <a:p>
+            <a:pPr marL="457200" lvl="0" indent="0" algn="l" rtl="0">
+              <a:lnSpc>
+                <a:spcPct val="115000"/>
+              </a:lnSpc>
+              <a:spcBef>
+                <a:spcPts val="0"/>
+              </a:spcBef>
+              <a:spcAft>
+                <a:spcPts val="0"/>
+              </a:spcAft>
+              <a:buNone/>
+            </a:pPr>
+            <a:endParaRPr dirty="0">
+              <a:ea typeface="Oswald"/>
+              <a:cs typeface="Oswald"/>
+              <a:sym typeface="Oswald"/>
+            </a:endParaRPr>
+          </a:p>
+          <a:p>
+            <a:pPr marL="457200" lvl="0" indent="0" algn="l" rtl="0">
+              <a:lnSpc>
+                <a:spcPct val="115000"/>
+              </a:lnSpc>
+              <a:spcBef>
+                <a:spcPts val="0"/>
+              </a:spcBef>
+              <a:spcAft>
+                <a:spcPts val="0"/>
+              </a:spcAft>
+              <a:buNone/>
+            </a:pPr>
+            <a:r>
+              <a:rPr lang="en" dirty="0">
+                <a:ea typeface="Oswald"/>
+                <a:cs typeface="Oswald"/>
+                <a:sym typeface="Oswald"/>
+              </a:rPr>
+              <a:t>In the future we’d like to include the following discussion points: </a:t>
+            </a:r>
+            <a:endParaRPr dirty="0">
+              <a:ea typeface="Oswald"/>
+              <a:cs typeface="Oswald"/>
+              <a:sym typeface="Oswald"/>
+            </a:endParaRPr>
+          </a:p>
+          <a:p>
+            <a:pPr marL="457200" lvl="0" indent="0" algn="l" rtl="0">
+              <a:lnSpc>
+                <a:spcPct val="115000"/>
+              </a:lnSpc>
+              <a:spcBef>
+                <a:spcPts val="0"/>
+              </a:spcBef>
+              <a:spcAft>
+                <a:spcPts val="0"/>
+              </a:spcAft>
+              <a:buNone/>
+            </a:pPr>
+            <a:endParaRPr dirty="0">
+              <a:ea typeface="Oswald"/>
+              <a:cs typeface="Oswald"/>
+              <a:sym typeface="Oswald"/>
+            </a:endParaRPr>
+          </a:p>
+          <a:p>
+            <a:pPr marL="425450" lvl="0" indent="-285750" algn="l" rtl="0">
+              <a:lnSpc>
+                <a:spcPct val="115000"/>
+              </a:lnSpc>
+              <a:spcBef>
+                <a:spcPts val="0"/>
+              </a:spcBef>
+              <a:spcAft>
+                <a:spcPts val="0"/>
+              </a:spcAft>
+              <a:buSzPts val="1400"/>
+              <a:buFont typeface="Arial" panose="020B0604020202020204" pitchFamily="34" charset="0"/>
+              <a:buChar char="•"/>
+            </a:pPr>
+            <a:r>
+              <a:rPr lang="en-US" dirty="0">
+                <a:ea typeface="Oswald"/>
+                <a:cs typeface="Oswald"/>
+                <a:sym typeface="Oswald"/>
+              </a:rPr>
+              <a:t>Pending tickets</a:t>
+            </a:r>
+          </a:p>
+          <a:p>
+            <a:pPr marL="425450" lvl="0" indent="-285750" algn="l" rtl="0">
+              <a:lnSpc>
+                <a:spcPct val="115000"/>
+              </a:lnSpc>
+              <a:spcBef>
+                <a:spcPts val="0"/>
+              </a:spcBef>
+              <a:spcAft>
+                <a:spcPts val="0"/>
+              </a:spcAft>
+              <a:buSzPts val="1400"/>
+              <a:buFont typeface="Arial" panose="020B0604020202020204" pitchFamily="34" charset="0"/>
+              <a:buChar char="•"/>
+            </a:pPr>
+            <a:r>
+              <a:rPr lang="en-US" dirty="0">
+                <a:ea typeface="Oswald"/>
+                <a:cs typeface="Oswald"/>
+                <a:sym typeface="Oswald"/>
+              </a:rPr>
+              <a:t>Correlation between ticket and company intranet portal article</a:t>
+            </a:r>
+            <a:endParaRPr dirty="0">
+              <a:ea typeface="Oswald"/>
+              <a:cs typeface="Oswald"/>
+              <a:sym typeface="Oswald"/>
+            </a:endParaRPr>
+          </a:p>
+          <a:p>
+            <a:pPr marL="0" lvl="0" indent="0" algn="l" rtl="0">
+              <a:lnSpc>
+                <a:spcPct val="115000"/>
+              </a:lnSpc>
+              <a:spcBef>
+                <a:spcPts val="0"/>
+              </a:spcBef>
+              <a:spcAft>
+                <a:spcPts val="0"/>
+              </a:spcAft>
+              <a:buNone/>
+            </a:pPr>
+            <a:endParaRPr dirty="0">
+              <a:ea typeface="Oswald"/>
+              <a:cs typeface="Oswald"/>
+              <a:sym typeface="Oswald"/>
+            </a:endParaRPr>
+          </a:p>
+        </p:txBody>
+      </p:sp>
+      <p:sp>
+        <p:nvSpPr>
+          <p:cNvPr id="6" name="TextBox 5">
+            <a:extLst>
+              <a:ext uri="{FF2B5EF4-FFF2-40B4-BE49-F238E27FC236}">
+                <a16:creationId xmlns:a16="http://schemas.microsoft.com/office/drawing/2014/main" id="{2FFB0A92-4E61-49B3-8FD8-94586005D18A}"/>
+              </a:ext>
+            </a:extLst>
+          </p:cNvPr>
+          <p:cNvSpPr txBox="1"/>
+          <p:nvPr/>
+        </p:nvSpPr>
+        <p:spPr>
+          <a:xfrm rot="20071474">
+            <a:off x="-63497" y="426974"/>
+            <a:ext cx="3596476" cy="523220"/>
+          </a:xfrm>
+          <a:prstGeom prst="rect">
+            <a:avLst/>
+          </a:prstGeom>
+          <a:noFill/>
+        </p:spPr>
+        <p:txBody>
+          <a:bodyPr wrap="square" rtlCol="0">
+            <a:spAutoFit/>
+          </a:bodyPr>
+          <a:lstStyle/>
+          <a:p>
+            <a:r>
+              <a:rPr lang="en-US" sz="2800" dirty="0">
+                <a:solidFill>
+                  <a:srgbClr val="FF0000"/>
+                </a:solidFill>
+              </a:rPr>
+              <a:t>Prototype| Dummy</a:t>
+            </a:r>
+          </a:p>
+        </p:txBody>
+      </p:sp>
+    </p:spTree>
+  </p:cSld>
+  <p:clrMapOvr>
+    <a:masterClrMapping/>
+  </p:clrMapOvr>
+  <mc:AlternateContent xmlns:mc="http://schemas.openxmlformats.org/markup-compatibility/2006" xmlns:p14="http://schemas.microsoft.com/office/powerpoint/2010/main">
+    <mc:Choice Requires="p14">
+      <p:transition spd="med" p14:dur="700">
+        <p:fade/>
+      </p:transition>
+    </mc:Choice>
+    <mc:Fallback xmlns="">
+      <p:transition spd="med">
+        <p:fade/>
+      </p:transition>
+    </mc:Fallback>
+  </mc:AlternateContent>
+</p:sld>
+</file>
+
+<file path=ppt/slides/slide24.xml><?xml version="1.0" encoding="utf-8"?>
+<p:sld xmlns:a="http://schemas.openxmlformats.org/drawingml/2006/main" xmlns:r="http://schemas.openxmlformats.org/officeDocument/2006/relationships" xmlns:p="http://schemas.openxmlformats.org/presentationml/2006/main">
+  <p:cSld>
+    <p:spTree>
+      <p:nvGrpSpPr>
+        <p:cNvPr id="1" name="Shape 291"/>
+        <p:cNvGrpSpPr/>
+        <p:nvPr/>
+      </p:nvGrpSpPr>
+      <p:grpSpPr>
+        <a:xfrm>
+          <a:off x="0" y="0"/>
+          <a:ext cx="0" cy="0"/>
+          <a:chOff x="0" y="0"/>
+          <a:chExt cx="0" cy="0"/>
+        </a:xfrm>
+      </p:grpSpPr>
+      <p:sp>
+        <p:nvSpPr>
+          <p:cNvPr id="4" name="Rectangle 3">
+            <a:extLst>
+              <a:ext uri="{FF2B5EF4-FFF2-40B4-BE49-F238E27FC236}">
+                <a16:creationId xmlns:a16="http://schemas.microsoft.com/office/drawing/2014/main" id="{5626EA46-BE77-4964-9625-841E1A13E76E}"/>
+              </a:ext>
+            </a:extLst>
+          </p:cNvPr>
+          <p:cNvSpPr/>
+          <p:nvPr/>
+        </p:nvSpPr>
+        <p:spPr bwMode="auto">
+          <a:xfrm>
+            <a:off x="0" y="1"/>
+            <a:ext cx="9144000" cy="5143499"/>
+          </a:xfrm>
+          <a:prstGeom prst="rect">
+            <a:avLst/>
+          </a:prstGeom>
+          <a:solidFill>
+            <a:srgbClr val="010101"/>
+          </a:solidFill>
+          <a:ln>
+            <a:solidFill>
+              <a:schemeClr val="tx1"/>
+            </a:solidFill>
+            <a:headEnd type="none" w="med" len="med"/>
+            <a:tailEnd type="none" w="med" len="med"/>
+          </a:ln>
+        </p:spPr>
+        <p:style>
+          <a:lnRef idx="2">
+            <a:schemeClr val="accent1"/>
+          </a:lnRef>
+          <a:fillRef idx="1">
+            <a:schemeClr val="lt1"/>
+          </a:fillRef>
+          <a:effectRef idx="0">
+            <a:schemeClr val="accent1"/>
+          </a:effectRef>
+          <a:fontRef idx="minor">
+            <a:schemeClr val="dk1"/>
+          </a:fontRef>
+        </p:style>
+        <p:txBody>
+          <a:bodyPr vert="horz" wrap="square" lIns="68580" tIns="68580" rIns="68580" bIns="68580" numCol="1" rtlCol="0" anchor="ctr" anchorCtr="0" compatLnSpc="1">
+            <a:prstTxWarp prst="textNoShape">
+              <a:avLst/>
+            </a:prstTxWarp>
+            <a:noAutofit/>
+          </a:bodyPr>
+          <a:lstStyle/>
+          <a:p>
+            <a:pPr algn="ctr" fontAlgn="base">
+              <a:spcAft>
+                <a:spcPts val="375"/>
+              </a:spcAft>
+            </a:pPr>
+            <a:endParaRPr lang="en-US" sz="1200" dirty="0">
+              <a:solidFill>
+                <a:schemeClr val="tx1"/>
+              </a:solidFill>
+              <a:latin typeface="Arial" charset="0"/>
+            </a:endParaRPr>
+          </a:p>
+        </p:txBody>
+      </p:sp>
+      <p:pic>
+        <p:nvPicPr>
+          <p:cNvPr id="5" name="Picture 4">
+            <a:extLst>
+              <a:ext uri="{FF2B5EF4-FFF2-40B4-BE49-F238E27FC236}">
+                <a16:creationId xmlns:a16="http://schemas.microsoft.com/office/drawing/2014/main" id="{46527083-B6C4-4114-8ED6-14EF58345CC1}"/>
+              </a:ext>
+            </a:extLst>
+          </p:cNvPr>
+          <p:cNvPicPr>
+            <a:picLocks noChangeAspect="1"/>
+          </p:cNvPicPr>
+          <p:nvPr/>
+        </p:nvPicPr>
+        <p:blipFill>
+          <a:blip r:embed="rId3"/>
+          <a:stretch>
+            <a:fillRect/>
+          </a:stretch>
+        </p:blipFill>
+        <p:spPr>
+          <a:xfrm>
+            <a:off x="3381375" y="1038225"/>
+            <a:ext cx="2381250" cy="3067050"/>
+          </a:xfrm>
+          <a:prstGeom prst="rect">
+            <a:avLst/>
+          </a:prstGeom>
+        </p:spPr>
+      </p:pic>
+    </p:spTree>
+    <p:extLst>
+      <p:ext uri="{BB962C8B-B14F-4D97-AF65-F5344CB8AC3E}">
+        <p14:creationId xmlns:p14="http://schemas.microsoft.com/office/powerpoint/2010/main" val="2916630847"/>
+      </p:ext>
+    </p:extLst>
+  </p:cSld>
+  <p:clrMapOvr>
+    <a:masterClrMapping/>
+  </p:clrMapOvr>
+</p:sld>
+</file>
+
 <file path=ppt/slides/slide3.xml><?xml version="1.0" encoding="utf-8"?>
 <p:sld xmlns:a="http://schemas.openxmlformats.org/drawingml/2006/main" xmlns:r="http://schemas.openxmlformats.org/officeDocument/2006/relationships" xmlns:p="http://schemas.openxmlformats.org/presentationml/2006/main">
   <p:cSld>
@@ -32863,6 +34914,119 @@
   <p:cSld>
     <p:spTree>
       <p:nvGrpSpPr>
+        <p:cNvPr id="1" name=""/>
+        <p:cNvGrpSpPr/>
+        <p:nvPr/>
+      </p:nvGrpSpPr>
+      <p:grpSpPr>
+        <a:xfrm>
+          <a:off x="0" y="0"/>
+          <a:ext cx="0" cy="0"/>
+          <a:chOff x="0" y="0"/>
+          <a:chExt cx="0" cy="0"/>
+        </a:xfrm>
+      </p:grpSpPr>
+      <p:sp>
+        <p:nvSpPr>
+          <p:cNvPr id="4" name="Title 3">
+            <a:extLst>
+              <a:ext uri="{FF2B5EF4-FFF2-40B4-BE49-F238E27FC236}">
+                <a16:creationId xmlns:a16="http://schemas.microsoft.com/office/drawing/2014/main" id="{EDCA3053-DFCB-4FE1-A863-F6BC417E7BFD}"/>
+              </a:ext>
+            </a:extLst>
+          </p:cNvPr>
+          <p:cNvSpPr>
+            <a:spLocks noGrp="1"/>
+          </p:cNvSpPr>
+          <p:nvPr>
+            <p:ph type="title"/>
+          </p:nvPr>
+        </p:nvSpPr>
+        <p:spPr/>
+        <p:txBody>
+          <a:bodyPr/>
+          <a:lstStyle/>
+          <a:p>
+            <a:r>
+              <a:rPr lang="en-US" dirty="0"/>
+              <a:t>Melissa</a:t>
+            </a:r>
+          </a:p>
+        </p:txBody>
+      </p:sp>
+      <p:sp>
+        <p:nvSpPr>
+          <p:cNvPr id="5" name="Text Placeholder 4">
+            <a:extLst>
+              <a:ext uri="{FF2B5EF4-FFF2-40B4-BE49-F238E27FC236}">
+                <a16:creationId xmlns:a16="http://schemas.microsoft.com/office/drawing/2014/main" id="{7CF91537-CF6E-40B4-AC90-5B25FF0D6CE7}"/>
+              </a:ext>
+            </a:extLst>
+          </p:cNvPr>
+          <p:cNvSpPr>
+            <a:spLocks noGrp="1"/>
+          </p:cNvSpPr>
+          <p:nvPr>
+            <p:ph type="body" idx="1"/>
+          </p:nvPr>
+        </p:nvSpPr>
+        <p:spPr/>
+        <p:txBody>
+          <a:bodyPr/>
+          <a:lstStyle/>
+          <a:p>
+            <a:endParaRPr lang="en-US"/>
+          </a:p>
+        </p:txBody>
+      </p:sp>
+      <p:sp>
+        <p:nvSpPr>
+          <p:cNvPr id="6" name="Picture Placeholder 5">
+            <a:extLst>
+              <a:ext uri="{FF2B5EF4-FFF2-40B4-BE49-F238E27FC236}">
+                <a16:creationId xmlns:a16="http://schemas.microsoft.com/office/drawing/2014/main" id="{0E67CBDD-32E4-4DA6-B640-8BFCB5F70858}"/>
+              </a:ext>
+            </a:extLst>
+          </p:cNvPr>
+          <p:cNvSpPr>
+            <a:spLocks noGrp="1"/>
+          </p:cNvSpPr>
+          <p:nvPr>
+            <p:ph type="pic" sz="quarter" idx="13"/>
+          </p:nvPr>
+        </p:nvSpPr>
+        <p:spPr/>
+      </p:sp>
+    </p:spTree>
+    <p:extLst>
+      <p:ext uri="{BB962C8B-B14F-4D97-AF65-F5344CB8AC3E}">
+        <p14:creationId xmlns:p14="http://schemas.microsoft.com/office/powerpoint/2010/main" val="1075026146"/>
+      </p:ext>
+    </p:extLst>
+  </p:cSld>
+  <p:clrMapOvr>
+    <a:masterClrMapping/>
+  </p:clrMapOvr>
+  <mc:AlternateContent xmlns:mc="http://schemas.openxmlformats.org/markup-compatibility/2006" xmlns:p14="http://schemas.microsoft.com/office/powerpoint/2010/main">
+    <mc:Choice Requires="p14">
+      <p:transition spd="med" p14:dur="700">
+        <p:fade/>
+      </p:transition>
+    </mc:Choice>
+    <mc:Fallback xmlns="">
+      <p:transition spd="med">
+        <p:fade/>
+      </p:transition>
+    </mc:Fallback>
+  </mc:AlternateContent>
+</p:sld>
+</file>
+
+<file path=ppt/slides/slide8.xml><?xml version="1.0" encoding="utf-8"?>
+<p:sld xmlns:a="http://schemas.openxmlformats.org/drawingml/2006/main" xmlns:r="http://schemas.openxmlformats.org/officeDocument/2006/relationships" xmlns:p="http://schemas.openxmlformats.org/presentationml/2006/main">
+  <p:cSld>
+    <p:spTree>
+      <p:nvGrpSpPr>
         <p:cNvPr id="1" name="Shape 353"/>
         <p:cNvGrpSpPr/>
         <p:nvPr/>
@@ -33054,10 +35218,10 @@
       </p:sp>
       <p:pic>
         <p:nvPicPr>
-          <p:cNvPr id="4" name="Picture 3">
+          <p:cNvPr id="5" name="Picture 4">
             <a:extLst>
               <a:ext uri="{FF2B5EF4-FFF2-40B4-BE49-F238E27FC236}">
-                <a16:creationId xmlns:a16="http://schemas.microsoft.com/office/drawing/2014/main" id="{BA4707A2-89AB-4FE0-88BA-C8B9B8E69E42}"/>
+                <a16:creationId xmlns:a16="http://schemas.microsoft.com/office/drawing/2014/main" id="{5CAD8A33-DD51-48A5-A08B-E961D6DEE965}"/>
               </a:ext>
             </a:extLst>
           </p:cNvPr>
@@ -33074,37 +35238,7 @@
         </p:blipFill>
         <p:spPr>
           <a:xfrm>
-            <a:off x="357236" y="1463041"/>
-            <a:ext cx="3984542" cy="2781300"/>
-          </a:xfrm>
-          <a:prstGeom prst="rect">
-            <a:avLst/>
-          </a:prstGeom>
-        </p:spPr>
-      </p:pic>
-      <p:pic>
-        <p:nvPicPr>
-          <p:cNvPr id="5" name="Picture 4">
-            <a:extLst>
-              <a:ext uri="{FF2B5EF4-FFF2-40B4-BE49-F238E27FC236}">
-                <a16:creationId xmlns:a16="http://schemas.microsoft.com/office/drawing/2014/main" id="{5CAD8A33-DD51-48A5-A08B-E961D6DEE965}"/>
-              </a:ext>
-            </a:extLst>
-          </p:cNvPr>
-          <p:cNvPicPr>
-            <a:picLocks noChangeAspect="1"/>
-          </p:cNvPicPr>
-          <p:nvPr/>
-        </p:nvPicPr>
-        <p:blipFill>
-          <a:blip r:embed="rId4"/>
-          <a:stretch>
-            <a:fillRect/>
-          </a:stretch>
-        </p:blipFill>
-        <p:spPr>
-          <a:xfrm>
-            <a:off x="4436464" y="1463040"/>
+            <a:off x="2150464" y="1590631"/>
             <a:ext cx="4350300" cy="2956560"/>
           </a:xfrm>
           <a:prstGeom prst="rect">
@@ -33171,7 +35305,7 @@
 </p:sld>
 </file>
 
-<file path=ppt/slides/slide8.xml><?xml version="1.0" encoding="utf-8"?>
+<file path=ppt/slides/slide9.xml><?xml version="1.0" encoding="utf-8"?>
 <p:sld xmlns:a="http://schemas.openxmlformats.org/drawingml/2006/main" xmlns:r="http://schemas.openxmlformats.org/officeDocument/2006/relationships" xmlns:p="http://schemas.openxmlformats.org/presentationml/2006/main">
   <p:cSld>
     <p:spTree>
@@ -33204,7 +35338,7 @@
         </p:blipFill>
         <p:spPr>
           <a:xfrm>
-            <a:off x="167640" y="1556369"/>
+            <a:off x="167640" y="1577635"/>
             <a:ext cx="3899825" cy="3169375"/>
           </a:xfrm>
           <a:prstGeom prst="rect">
@@ -33515,331 +35649,6 @@
           <a:xfrm>
             <a:off x="4131612" y="1556369"/>
             <a:ext cx="4844748" cy="3038491"/>
-          </a:xfrm>
-          <a:prstGeom prst="rect">
-            <a:avLst/>
-          </a:prstGeom>
-        </p:spPr>
-      </p:pic>
-    </p:spTree>
-  </p:cSld>
-  <p:clrMapOvr>
-    <a:masterClrMapping/>
-  </p:clrMapOvr>
-  <mc:AlternateContent xmlns:mc="http://schemas.openxmlformats.org/markup-compatibility/2006" xmlns:p14="http://schemas.microsoft.com/office/powerpoint/2010/main">
-    <mc:Choice Requires="p14">
-      <p:transition spd="med" p14:dur="700">
-        <p:fade/>
-      </p:transition>
-    </mc:Choice>
-    <mc:Fallback xmlns="">
-      <p:transition spd="med">
-        <p:fade/>
-      </p:transition>
-    </mc:Fallback>
-  </mc:AlternateContent>
-</p:sld>
-</file>
-
-<file path=ppt/slides/slide9.xml><?xml version="1.0" encoding="utf-8"?>
-<p:sld xmlns:a="http://schemas.openxmlformats.org/drawingml/2006/main" xmlns:r="http://schemas.openxmlformats.org/officeDocument/2006/relationships" xmlns:p="http://schemas.openxmlformats.org/presentationml/2006/main">
-  <p:cSld>
-    <p:spTree>
-      <p:nvGrpSpPr>
-        <p:cNvPr id="1" name="Shape 369"/>
-        <p:cNvGrpSpPr/>
-        <p:nvPr/>
-      </p:nvGrpSpPr>
-      <p:grpSpPr>
-        <a:xfrm>
-          <a:off x="0" y="0"/>
-          <a:ext cx="0" cy="0"/>
-          <a:chOff x="0" y="0"/>
-          <a:chExt cx="0" cy="0"/>
-        </a:xfrm>
-      </p:grpSpPr>
-      <p:sp>
-        <p:nvSpPr>
-          <p:cNvPr id="370" name="Google Shape;370;p18"/>
-          <p:cNvSpPr txBox="1">
-            <a:spLocks noGrp="1"/>
-          </p:cNvSpPr>
-          <p:nvPr>
-            <p:ph type="title"/>
-          </p:nvPr>
-        </p:nvSpPr>
-        <p:spPr>
-          <a:xfrm>
-            <a:off x="160020" y="130492"/>
-            <a:ext cx="5715000" cy="738188"/>
-          </a:xfrm>
-          <a:prstGeom prst="rect">
-            <a:avLst/>
-          </a:prstGeom>
-        </p:spPr>
-        <p:txBody>
-          <a:bodyPr spcFirstLastPara="1" wrap="square" lIns="91425" tIns="91425" rIns="91425" bIns="91425" anchor="t" anchorCtr="0">
-            <a:noAutofit/>
-          </a:bodyPr>
-          <a:lstStyle/>
-          <a:p>
-            <a:pPr lvl="0">
-              <a:spcBef>
-                <a:spcPts val="0"/>
-              </a:spcBef>
-            </a:pPr>
-            <a:r>
-              <a:rPr lang="en-US" sz="2000" i="1" dirty="0">
-                <a:solidFill>
-                  <a:srgbClr val="1CC997"/>
-                </a:solidFill>
-                <a:ea typeface="Oswald"/>
-                <a:cs typeface="Oswald"/>
-                <a:sym typeface="Oswald"/>
-              </a:rPr>
-              <a:t>PyHR </a:t>
-            </a:r>
-            <a:r>
-              <a:rPr lang="en-US" sz="2000" dirty="0">
-                <a:solidFill>
-                  <a:schemeClr val="accent3"/>
-                </a:solidFill>
-                <a:sym typeface="Oswald"/>
-              </a:rPr>
-              <a:t>Services</a:t>
-            </a:r>
-            <a:r>
-              <a:rPr lang="en" sz="2000" dirty="0">
-                <a:solidFill>
-                  <a:schemeClr val="accent3"/>
-                </a:solidFill>
-              </a:rPr>
-              <a:t> Variation by Time and Day</a:t>
-            </a:r>
-            <a:endParaRPr sz="2000" dirty="0">
-              <a:solidFill>
-                <a:schemeClr val="accent3"/>
-              </a:solidFill>
-            </a:endParaRPr>
-          </a:p>
-        </p:txBody>
-      </p:sp>
-      <p:sp>
-        <p:nvSpPr>
-          <p:cNvPr id="371" name="Google Shape;371;p18"/>
-          <p:cNvSpPr txBox="1"/>
-          <p:nvPr/>
-        </p:nvSpPr>
-        <p:spPr>
-          <a:xfrm>
-            <a:off x="0" y="1046250"/>
-            <a:ext cx="4650900" cy="2208000"/>
-          </a:xfrm>
-          <a:prstGeom prst="rect">
-            <a:avLst/>
-          </a:prstGeom>
-          <a:noFill/>
-          <a:ln>
-            <a:noFill/>
-          </a:ln>
-        </p:spPr>
-        <p:txBody>
-          <a:bodyPr spcFirstLastPara="1" wrap="square" lIns="91425" tIns="91425" rIns="91425" bIns="91425" anchor="t" anchorCtr="0">
-            <a:noAutofit/>
-          </a:bodyPr>
-          <a:lstStyle/>
-          <a:p>
-            <a:pPr marL="400050" lvl="0" indent="-285750" algn="l" rtl="0">
-              <a:spcBef>
-                <a:spcPts val="0"/>
-              </a:spcBef>
-              <a:spcAft>
-                <a:spcPts val="0"/>
-              </a:spcAft>
-              <a:buSzPts val="1800"/>
-              <a:buFont typeface="Arial" panose="020B0604020202020204" pitchFamily="34" charset="0"/>
-              <a:buChar char="•"/>
-            </a:pPr>
-            <a:r>
-              <a:rPr lang="en" sz="1800" dirty="0">
-                <a:ea typeface="Oswald"/>
-                <a:cs typeface="Oswald"/>
-                <a:sym typeface="Oswald"/>
-              </a:rPr>
-              <a:t>There is a  spike in </a:t>
-            </a:r>
-            <a:r>
-              <a:rPr lang="en-US" sz="1800" dirty="0">
-                <a:ea typeface="Oswald"/>
-                <a:cs typeface="Oswald"/>
-                <a:sym typeface="Oswald"/>
-              </a:rPr>
-              <a:t>services </a:t>
-            </a:r>
-            <a:r>
-              <a:rPr lang="en" sz="1800" dirty="0">
-                <a:ea typeface="Oswald"/>
-                <a:cs typeface="Oswald"/>
-                <a:sym typeface="Oswald"/>
-              </a:rPr>
-              <a:t>usage on weekdays during the hours of 8:00am , 12:00pm and 5:00pm </a:t>
-            </a:r>
-            <a:endParaRPr sz="1800" dirty="0">
-              <a:ea typeface="Oswald"/>
-              <a:cs typeface="Oswald"/>
-              <a:sym typeface="Oswald"/>
-            </a:endParaRPr>
-          </a:p>
-          <a:p>
-            <a:pPr marL="400050" lvl="0" indent="-285750" algn="l" rtl="0">
-              <a:spcBef>
-                <a:spcPts val="0"/>
-              </a:spcBef>
-              <a:spcAft>
-                <a:spcPts val="0"/>
-              </a:spcAft>
-              <a:buSzPts val="1800"/>
-              <a:buFont typeface="Arial" panose="020B0604020202020204" pitchFamily="34" charset="0"/>
-              <a:buChar char="•"/>
-            </a:pPr>
-            <a:r>
-              <a:rPr lang="en" sz="1800" dirty="0">
-                <a:ea typeface="Oswald"/>
-                <a:cs typeface="Oswald"/>
-                <a:sym typeface="Oswald"/>
-              </a:rPr>
-              <a:t>During Friday and weekends the </a:t>
-            </a:r>
-            <a:r>
-              <a:rPr lang="en-US" sz="1800" dirty="0">
-                <a:ea typeface="Oswald"/>
-                <a:cs typeface="Oswald"/>
-                <a:sym typeface="Oswald"/>
-              </a:rPr>
-              <a:t>service</a:t>
-            </a:r>
-            <a:r>
-              <a:rPr lang="en" sz="1800" dirty="0">
-                <a:ea typeface="Oswald"/>
-                <a:cs typeface="Oswald"/>
-                <a:sym typeface="Oswald"/>
-              </a:rPr>
-              <a:t> usage increases between 12:00pm to 5:00pm </a:t>
-            </a:r>
-            <a:endParaRPr sz="1800" dirty="0">
-              <a:ea typeface="Oswald"/>
-              <a:cs typeface="Oswald"/>
-              <a:sym typeface="Oswald"/>
-            </a:endParaRPr>
-          </a:p>
-          <a:p>
-            <a:pPr marL="400050" lvl="0" indent="-285750" algn="l" rtl="0">
-              <a:spcBef>
-                <a:spcPts val="0"/>
-              </a:spcBef>
-              <a:spcAft>
-                <a:spcPts val="0"/>
-              </a:spcAft>
-              <a:buSzPts val="1800"/>
-              <a:buFont typeface="Arial" panose="020B0604020202020204" pitchFamily="34" charset="0"/>
-              <a:buChar char="•"/>
-            </a:pPr>
-            <a:r>
-              <a:rPr lang="en" sz="1800" dirty="0">
-                <a:ea typeface="Oswald"/>
-                <a:cs typeface="Oswald"/>
-                <a:sym typeface="Oswald"/>
-              </a:rPr>
-              <a:t>Monday also has a fair amount of usage throughout the entire day.</a:t>
-            </a:r>
-            <a:endParaRPr sz="1800" dirty="0">
-              <a:ea typeface="Oswald"/>
-              <a:cs typeface="Oswald"/>
-              <a:sym typeface="Oswald"/>
-            </a:endParaRPr>
-          </a:p>
-          <a:p>
-            <a:pPr marL="1200150" lvl="0" indent="-285750" algn="l" rtl="0">
-              <a:spcBef>
-                <a:spcPts val="0"/>
-              </a:spcBef>
-              <a:spcAft>
-                <a:spcPts val="0"/>
-              </a:spcAft>
-              <a:buFont typeface="Arial" panose="020B0604020202020204" pitchFamily="34" charset="0"/>
-              <a:buChar char="•"/>
-            </a:pPr>
-            <a:endParaRPr sz="1800" dirty="0">
-              <a:ea typeface="Oswald"/>
-              <a:cs typeface="Oswald"/>
-              <a:sym typeface="Oswald"/>
-            </a:endParaRPr>
-          </a:p>
-        </p:txBody>
-      </p:sp>
-      <p:sp>
-        <p:nvSpPr>
-          <p:cNvPr id="6" name="TextBox 5">
-            <a:extLst>
-              <a:ext uri="{FF2B5EF4-FFF2-40B4-BE49-F238E27FC236}">
-                <a16:creationId xmlns:a16="http://schemas.microsoft.com/office/drawing/2014/main" id="{B12F0636-DF24-4239-A1E0-752A0540FDEB}"/>
-              </a:ext>
-            </a:extLst>
-          </p:cNvPr>
-          <p:cNvSpPr txBox="1"/>
-          <p:nvPr/>
-        </p:nvSpPr>
-        <p:spPr>
-          <a:xfrm rot="20071474">
-            <a:off x="-63497" y="426974"/>
-            <a:ext cx="3596476" cy="523220"/>
-          </a:xfrm>
-          <a:prstGeom prst="rect">
-            <a:avLst/>
-          </a:prstGeom>
-          <a:noFill/>
-        </p:spPr>
-        <p:txBody>
-          <a:bodyPr wrap="square" rtlCol="0">
-            <a:spAutoFit/>
-          </a:bodyPr>
-          <a:lstStyle/>
-          <a:p>
-            <a:r>
-              <a:rPr lang="en-US" sz="2800" dirty="0">
-                <a:solidFill>
-                  <a:srgbClr val="FF0000"/>
-                </a:solidFill>
-              </a:rPr>
-              <a:t>Prototype| Dummy</a:t>
-            </a:r>
-          </a:p>
-        </p:txBody>
-      </p:sp>
-      <p:pic>
-        <p:nvPicPr>
-          <p:cNvPr id="3" name="Picture 2">
-            <a:extLst>
-              <a:ext uri="{FF2B5EF4-FFF2-40B4-BE49-F238E27FC236}">
-                <a16:creationId xmlns:a16="http://schemas.microsoft.com/office/drawing/2014/main" id="{598BAED0-E33C-4818-9436-B576DD4DEE52}"/>
-              </a:ext>
-            </a:extLst>
-          </p:cNvPr>
-          <p:cNvPicPr>
-            <a:picLocks noChangeAspect="1"/>
-          </p:cNvPicPr>
-          <p:nvPr/>
-        </p:nvPicPr>
-        <p:blipFill>
-          <a:blip r:embed="rId3"/>
-          <a:stretch>
-            <a:fillRect/>
-          </a:stretch>
-        </p:blipFill>
-        <p:spPr>
-          <a:xfrm>
-            <a:off x="4688205" y="688584"/>
-            <a:ext cx="4295775" cy="3514725"/>
           </a:xfrm>
           <a:prstGeom prst="rect">
             <a:avLst/>
